--- a/Results/Powepoint_Results.pptx
+++ b/Results/Powepoint_Results.pptx
@@ -7,6 +7,11 @@
   <p:sldIdLst>
     <p:sldId id="256" r:id="rId2"/>
     <p:sldId id="257" r:id="rId3"/>
+    <p:sldId id="258" r:id="rId4"/>
+    <p:sldId id="259" r:id="rId5"/>
+    <p:sldId id="260" r:id="rId6"/>
+    <p:sldId id="262" r:id="rId7"/>
+    <p:sldId id="261" r:id="rId8"/>
   </p:sldIdLst>
   <p:sldSz cx="12192000" cy="6858000"/>
   <p:notesSz cx="6858000" cy="9144000"/>
@@ -105,7 +110,197 @@
       </a:defRPr>
     </a:lvl9pPr>
   </p:defaultTextStyle>
+  <p:extLst>
+    <p:ext uri="{EFAFB233-063F-42B5-8137-9DF3F51BA10A}">
+      <p15:sldGuideLst xmlns:p15="http://schemas.microsoft.com/office/powerpoint/2012/main"/>
+    </p:ext>
+  </p:extLst>
 </p:presentation>
+</file>
+
+<file path=ppt/revisionInfo.xml><?xml version="1.0" encoding="utf-8"?>
+<p1510:revInfo xmlns:a="http://schemas.openxmlformats.org/drawingml/2006/main" xmlns:r="http://schemas.openxmlformats.org/officeDocument/2006/relationships" xmlns:p1510="http://schemas.microsoft.com/office/powerpoint/2015/10/main">
+  <p1510:revLst>
+    <p1510:client id="{4882CF80-36C3-44AA-B04A-87A15BCA1E7B}" v="2" dt="2024-08-28T13:41:17.782"/>
+  </p1510:revLst>
+</p1510:revInfo>
+</file>
+
+<file path=ppt/changesInfos/changesInfo1.xml><?xml version="1.0" encoding="utf-8"?>
+<pc:chgInfo xmlns:a="http://schemas.openxmlformats.org/drawingml/2006/main" xmlns:r="http://schemas.openxmlformats.org/officeDocument/2006/relationships" xmlns:ac="http://schemas.microsoft.com/office/drawing/2013/main/command" xmlns:pc="http://schemas.microsoft.com/office/powerpoint/2013/main/command">
+  <pc:docChgLst>
+    <pc:chgData name="Mohammad Javad" userId="22da5a1cdc82ebb5" providerId="LiveId" clId="{4882CF80-36C3-44AA-B04A-87A15BCA1E7B}"/>
+    <pc:docChg chg="custSel addSld modSld">
+      <pc:chgData name="Mohammad Javad" userId="22da5a1cdc82ebb5" providerId="LiveId" clId="{4882CF80-36C3-44AA-B04A-87A15BCA1E7B}" dt="2024-08-28T13:41:20.530" v="160" actId="20577"/>
+      <pc:docMkLst>
+        <pc:docMk/>
+      </pc:docMkLst>
+      <pc:sldChg chg="addSp delSp modSp new mod">
+        <pc:chgData name="Mohammad Javad" userId="22da5a1cdc82ebb5" providerId="LiveId" clId="{4882CF80-36C3-44AA-B04A-87A15BCA1E7B}" dt="2024-08-28T12:48:21.419" v="25" actId="1076"/>
+        <pc:sldMkLst>
+          <pc:docMk/>
+          <pc:sldMk cId="531948684" sldId="258"/>
+        </pc:sldMkLst>
+        <pc:spChg chg="mod">
+          <ac:chgData name="Mohammad Javad" userId="22da5a1cdc82ebb5" providerId="LiveId" clId="{4882CF80-36C3-44AA-B04A-87A15BCA1E7B}" dt="2024-08-28T12:47:29.859" v="19" actId="20577"/>
+          <ac:spMkLst>
+            <pc:docMk/>
+            <pc:sldMk cId="531948684" sldId="258"/>
+            <ac:spMk id="2" creationId="{A1B064B8-F2AC-9522-88B2-C278681F12E3}"/>
+          </ac:spMkLst>
+        </pc:spChg>
+        <pc:spChg chg="del">
+          <ac:chgData name="Mohammad Javad" userId="22da5a1cdc82ebb5" providerId="LiveId" clId="{4882CF80-36C3-44AA-B04A-87A15BCA1E7B}" dt="2024-08-28T12:47:33.227" v="20" actId="478"/>
+          <ac:spMkLst>
+            <pc:docMk/>
+            <pc:sldMk cId="531948684" sldId="258"/>
+            <ac:spMk id="3" creationId="{1ADBCF1E-D073-F251-9C02-45F322805D6B}"/>
+          </ac:spMkLst>
+        </pc:spChg>
+        <pc:picChg chg="add del mod">
+          <ac:chgData name="Mohammad Javad" userId="22da5a1cdc82ebb5" providerId="LiveId" clId="{4882CF80-36C3-44AA-B04A-87A15BCA1E7B}" dt="2024-08-28T12:48:14.967" v="23" actId="478"/>
+          <ac:picMkLst>
+            <pc:docMk/>
+            <pc:sldMk cId="531948684" sldId="258"/>
+            <ac:picMk id="5" creationId="{D3C85FDD-0550-EB0C-84CD-0517847A5C98}"/>
+          </ac:picMkLst>
+        </pc:picChg>
+        <pc:picChg chg="add mod">
+          <ac:chgData name="Mohammad Javad" userId="22da5a1cdc82ebb5" providerId="LiveId" clId="{4882CF80-36C3-44AA-B04A-87A15BCA1E7B}" dt="2024-08-28T12:48:21.419" v="25" actId="1076"/>
+          <ac:picMkLst>
+            <pc:docMk/>
+            <pc:sldMk cId="531948684" sldId="258"/>
+            <ac:picMk id="7" creationId="{1E370BC2-5A5F-5036-3496-C1DFEBD79A95}"/>
+          </ac:picMkLst>
+        </pc:picChg>
+      </pc:sldChg>
+      <pc:sldChg chg="addSp delSp modSp new mod">
+        <pc:chgData name="Mohammad Javad" userId="22da5a1cdc82ebb5" providerId="LiveId" clId="{4882CF80-36C3-44AA-B04A-87A15BCA1E7B}" dt="2024-08-28T13:17:37.319" v="84" actId="20577"/>
+        <pc:sldMkLst>
+          <pc:docMk/>
+          <pc:sldMk cId="1287308348" sldId="259"/>
+        </pc:sldMkLst>
+        <pc:spChg chg="mod">
+          <ac:chgData name="Mohammad Javad" userId="22da5a1cdc82ebb5" providerId="LiveId" clId="{4882CF80-36C3-44AA-B04A-87A15BCA1E7B}" dt="2024-08-28T13:17:37.319" v="84" actId="20577"/>
+          <ac:spMkLst>
+            <pc:docMk/>
+            <pc:sldMk cId="1287308348" sldId="259"/>
+            <ac:spMk id="2" creationId="{3FB95F83-B913-EBEF-A553-9CC333431787}"/>
+          </ac:spMkLst>
+        </pc:spChg>
+        <pc:spChg chg="del">
+          <ac:chgData name="Mohammad Javad" userId="22da5a1cdc82ebb5" providerId="LiveId" clId="{4882CF80-36C3-44AA-B04A-87A15BCA1E7B}" dt="2024-08-28T13:17:07.853" v="50" actId="478"/>
+          <ac:spMkLst>
+            <pc:docMk/>
+            <pc:sldMk cId="1287308348" sldId="259"/>
+            <ac:spMk id="3" creationId="{0816E808-AB7A-1AC1-7155-59D0835ABCF3}"/>
+          </ac:spMkLst>
+        </pc:spChg>
+        <pc:picChg chg="add mod">
+          <ac:chgData name="Mohammad Javad" userId="22da5a1cdc82ebb5" providerId="LiveId" clId="{4882CF80-36C3-44AA-B04A-87A15BCA1E7B}" dt="2024-08-28T13:17:14.750" v="52" actId="1076"/>
+          <ac:picMkLst>
+            <pc:docMk/>
+            <pc:sldMk cId="1287308348" sldId="259"/>
+            <ac:picMk id="5" creationId="{443C9846-BFF7-2CBE-E88D-396E25D8349C}"/>
+          </ac:picMkLst>
+        </pc:picChg>
+      </pc:sldChg>
+      <pc:sldChg chg="addSp delSp modSp new mod">
+        <pc:chgData name="Mohammad Javad" userId="22da5a1cdc82ebb5" providerId="LiveId" clId="{4882CF80-36C3-44AA-B04A-87A15BCA1E7B}" dt="2024-08-28T13:19:06.162" v="93" actId="20577"/>
+        <pc:sldMkLst>
+          <pc:docMk/>
+          <pc:sldMk cId="355752703" sldId="260"/>
+        </pc:sldMkLst>
+        <pc:spChg chg="mod">
+          <ac:chgData name="Mohammad Javad" userId="22da5a1cdc82ebb5" providerId="LiveId" clId="{4882CF80-36C3-44AA-B04A-87A15BCA1E7B}" dt="2024-08-28T13:19:06.162" v="93" actId="20577"/>
+          <ac:spMkLst>
+            <pc:docMk/>
+            <pc:sldMk cId="355752703" sldId="260"/>
+            <ac:spMk id="2" creationId="{A60A5908-3D31-9DD8-F909-F5AE6BF98DE9}"/>
+          </ac:spMkLst>
+        </pc:spChg>
+        <pc:spChg chg="del">
+          <ac:chgData name="Mohammad Javad" userId="22da5a1cdc82ebb5" providerId="LiveId" clId="{4882CF80-36C3-44AA-B04A-87A15BCA1E7B}" dt="2024-08-28T13:18:52.372" v="86" actId="478"/>
+          <ac:spMkLst>
+            <pc:docMk/>
+            <pc:sldMk cId="355752703" sldId="260"/>
+            <ac:spMk id="3" creationId="{A70EBB97-016B-8FF2-A2A2-4A867AA1AFAC}"/>
+          </ac:spMkLst>
+        </pc:spChg>
+        <pc:picChg chg="add mod">
+          <ac:chgData name="Mohammad Javad" userId="22da5a1cdc82ebb5" providerId="LiveId" clId="{4882CF80-36C3-44AA-B04A-87A15BCA1E7B}" dt="2024-08-28T13:18:56.732" v="88" actId="1076"/>
+          <ac:picMkLst>
+            <pc:docMk/>
+            <pc:sldMk cId="355752703" sldId="260"/>
+            <ac:picMk id="5" creationId="{C25DFC27-2E86-3F40-9BD1-9B07B1CE604B}"/>
+          </ac:picMkLst>
+        </pc:picChg>
+      </pc:sldChg>
+      <pc:sldChg chg="addSp delSp modSp new mod">
+        <pc:chgData name="Mohammad Javad" userId="22da5a1cdc82ebb5" providerId="LiveId" clId="{4882CF80-36C3-44AA-B04A-87A15BCA1E7B}" dt="2024-08-28T13:39:40.168" v="151" actId="20577"/>
+        <pc:sldMkLst>
+          <pc:docMk/>
+          <pc:sldMk cId="3959751212" sldId="261"/>
+        </pc:sldMkLst>
+        <pc:spChg chg="mod">
+          <ac:chgData name="Mohammad Javad" userId="22da5a1cdc82ebb5" providerId="LiveId" clId="{4882CF80-36C3-44AA-B04A-87A15BCA1E7B}" dt="2024-08-28T13:39:40.168" v="151" actId="20577"/>
+          <ac:spMkLst>
+            <pc:docMk/>
+            <pc:sldMk cId="3959751212" sldId="261"/>
+            <ac:spMk id="2" creationId="{4284DF0B-3672-3945-1741-D1062C25CCE8}"/>
+          </ac:spMkLst>
+        </pc:spChg>
+        <pc:spChg chg="del">
+          <ac:chgData name="Mohammad Javad" userId="22da5a1cdc82ebb5" providerId="LiveId" clId="{4882CF80-36C3-44AA-B04A-87A15BCA1E7B}" dt="2024-08-28T13:39:04.833" v="95" actId="478"/>
+          <ac:spMkLst>
+            <pc:docMk/>
+            <pc:sldMk cId="3959751212" sldId="261"/>
+            <ac:spMk id="3" creationId="{728A938A-AF9D-D327-4CC5-AB6AFE4FB6F4}"/>
+          </ac:spMkLst>
+        </pc:spChg>
+        <pc:picChg chg="add mod">
+          <ac:chgData name="Mohammad Javad" userId="22da5a1cdc82ebb5" providerId="LiveId" clId="{4882CF80-36C3-44AA-B04A-87A15BCA1E7B}" dt="2024-08-28T13:39:10.880" v="97" actId="1076"/>
+          <ac:picMkLst>
+            <pc:docMk/>
+            <pc:sldMk cId="3959751212" sldId="261"/>
+            <ac:picMk id="5" creationId="{B5A86B2F-3DD2-DF46-D5A2-61678EF53292}"/>
+          </ac:picMkLst>
+        </pc:picChg>
+      </pc:sldChg>
+      <pc:sldChg chg="addSp delSp modSp new mod">
+        <pc:chgData name="Mohammad Javad" userId="22da5a1cdc82ebb5" providerId="LiveId" clId="{4882CF80-36C3-44AA-B04A-87A15BCA1E7B}" dt="2024-08-28T13:41:20.530" v="160" actId="20577"/>
+        <pc:sldMkLst>
+          <pc:docMk/>
+          <pc:sldMk cId="2931596652" sldId="262"/>
+        </pc:sldMkLst>
+        <pc:spChg chg="mod">
+          <ac:chgData name="Mohammad Javad" userId="22da5a1cdc82ebb5" providerId="LiveId" clId="{4882CF80-36C3-44AA-B04A-87A15BCA1E7B}" dt="2024-08-28T13:41:20.530" v="160" actId="20577"/>
+          <ac:spMkLst>
+            <pc:docMk/>
+            <pc:sldMk cId="2931596652" sldId="262"/>
+            <ac:spMk id="2" creationId="{3EF7F1A2-ACFD-572C-EE95-5F60AD124C28}"/>
+          </ac:spMkLst>
+        </pc:spChg>
+        <pc:spChg chg="del">
+          <ac:chgData name="Mohammad Javad" userId="22da5a1cdc82ebb5" providerId="LiveId" clId="{4882CF80-36C3-44AA-B04A-87A15BCA1E7B}" dt="2024-08-28T13:41:05.512" v="153" actId="478"/>
+          <ac:spMkLst>
+            <pc:docMk/>
+            <pc:sldMk cId="2931596652" sldId="262"/>
+            <ac:spMk id="3" creationId="{355AD677-66EC-C16C-4A40-45AD2B826B09}"/>
+          </ac:spMkLst>
+        </pc:spChg>
+        <pc:picChg chg="add mod">
+          <ac:chgData name="Mohammad Javad" userId="22da5a1cdc82ebb5" providerId="LiveId" clId="{4882CF80-36C3-44AA-B04A-87A15BCA1E7B}" dt="2024-08-28T13:41:10.752" v="155" actId="1076"/>
+          <ac:picMkLst>
+            <pc:docMk/>
+            <pc:sldMk cId="2931596652" sldId="262"/>
+            <ac:picMk id="5" creationId="{29591BAE-C0B9-0910-FD5A-C5B78BE68589}"/>
+          </ac:picMkLst>
+        </pc:picChg>
+      </pc:sldChg>
+    </pc:docChg>
+  </pc:docChgLst>
+</pc:chgInfo>
 </file>
 
 <file path=ppt/slideLayouts/slideLayout1.xml><?xml version="1.0" encoding="utf-8"?>
@@ -3554,6 +3749,472 @@
     <p:extLst>
       <p:ext uri="{BB962C8B-B14F-4D97-AF65-F5344CB8AC3E}">
         <p14:creationId xmlns:p14="http://schemas.microsoft.com/office/powerpoint/2010/main" val="1648529447"/>
+      </p:ext>
+    </p:extLst>
+  </p:cSld>
+  <p:clrMapOvr>
+    <a:masterClrMapping/>
+  </p:clrMapOvr>
+</p:sld>
+</file>
+
+<file path=ppt/slides/slide3.xml><?xml version="1.0" encoding="utf-8"?>
+<p:sld xmlns:a="http://schemas.openxmlformats.org/drawingml/2006/main" xmlns:r="http://schemas.openxmlformats.org/officeDocument/2006/relationships" xmlns:p="http://schemas.openxmlformats.org/presentationml/2006/main">
+  <p:cSld>
+    <p:spTree>
+      <p:nvGrpSpPr>
+        <p:cNvPr id="1" name=""/>
+        <p:cNvGrpSpPr/>
+        <p:nvPr/>
+      </p:nvGrpSpPr>
+      <p:grpSpPr>
+        <a:xfrm>
+          <a:off x="0" y="0"/>
+          <a:ext cx="0" cy="0"/>
+          <a:chOff x="0" y="0"/>
+          <a:chExt cx="0" cy="0"/>
+        </a:xfrm>
+      </p:grpSpPr>
+      <p:sp>
+        <p:nvSpPr>
+          <p:cNvPr id="2" name="Title 1">
+            <a:extLst>
+              <a:ext uri="{FF2B5EF4-FFF2-40B4-BE49-F238E27FC236}">
+                <a16:creationId xmlns:a16="http://schemas.microsoft.com/office/drawing/2014/main" id="{A1B064B8-F2AC-9522-88B2-C278681F12E3}"/>
+              </a:ext>
+            </a:extLst>
+          </p:cNvPr>
+          <p:cNvSpPr>
+            <a:spLocks noGrp="1"/>
+          </p:cNvSpPr>
+          <p:nvPr>
+            <p:ph type="title"/>
+          </p:nvPr>
+        </p:nvSpPr>
+        <p:spPr/>
+        <p:txBody>
+          <a:bodyPr/>
+          <a:lstStyle/>
+          <a:p>
+            <a:r>
+              <a:rPr lang="en-US" dirty="0"/>
+              <a:t>Without Mat4_1</a:t>
+            </a:r>
+          </a:p>
+        </p:txBody>
+      </p:sp>
+      <p:pic>
+        <p:nvPicPr>
+          <p:cNvPr id="7" name="Picture 6">
+            <a:extLst>
+              <a:ext uri="{FF2B5EF4-FFF2-40B4-BE49-F238E27FC236}">
+                <a16:creationId xmlns:a16="http://schemas.microsoft.com/office/drawing/2014/main" id="{1E370BC2-5A5F-5036-3496-C1DFEBD79A95}"/>
+              </a:ext>
+            </a:extLst>
+          </p:cNvPr>
+          <p:cNvPicPr>
+            <a:picLocks noChangeAspect="1"/>
+          </p:cNvPicPr>
+          <p:nvPr/>
+        </p:nvPicPr>
+        <p:blipFill>
+          <a:blip r:embed="rId2"/>
+          <a:stretch>
+            <a:fillRect/>
+          </a:stretch>
+        </p:blipFill>
+        <p:spPr>
+          <a:xfrm>
+            <a:off x="-500514" y="916639"/>
+            <a:ext cx="12192000" cy="6064250"/>
+          </a:xfrm>
+          <a:prstGeom prst="rect">
+            <a:avLst/>
+          </a:prstGeom>
+        </p:spPr>
+      </p:pic>
+    </p:spTree>
+    <p:extLst>
+      <p:ext uri="{BB962C8B-B14F-4D97-AF65-F5344CB8AC3E}">
+        <p14:creationId xmlns:p14="http://schemas.microsoft.com/office/powerpoint/2010/main" val="531948684"/>
+      </p:ext>
+    </p:extLst>
+  </p:cSld>
+  <p:clrMapOvr>
+    <a:masterClrMapping/>
+  </p:clrMapOvr>
+</p:sld>
+</file>
+
+<file path=ppt/slides/slide4.xml><?xml version="1.0" encoding="utf-8"?>
+<p:sld xmlns:a="http://schemas.openxmlformats.org/drawingml/2006/main" xmlns:r="http://schemas.openxmlformats.org/officeDocument/2006/relationships" xmlns:p="http://schemas.openxmlformats.org/presentationml/2006/main">
+  <p:cSld>
+    <p:spTree>
+      <p:nvGrpSpPr>
+        <p:cNvPr id="1" name=""/>
+        <p:cNvGrpSpPr/>
+        <p:nvPr/>
+      </p:nvGrpSpPr>
+      <p:grpSpPr>
+        <a:xfrm>
+          <a:off x="0" y="0"/>
+          <a:ext cx="0" cy="0"/>
+          <a:chOff x="0" y="0"/>
+          <a:chExt cx="0" cy="0"/>
+        </a:xfrm>
+      </p:grpSpPr>
+      <p:sp>
+        <p:nvSpPr>
+          <p:cNvPr id="2" name="Title 1">
+            <a:extLst>
+              <a:ext uri="{FF2B5EF4-FFF2-40B4-BE49-F238E27FC236}">
+                <a16:creationId xmlns:a16="http://schemas.microsoft.com/office/drawing/2014/main" id="{3FB95F83-B913-EBEF-A553-9CC333431787}"/>
+              </a:ext>
+            </a:extLst>
+          </p:cNvPr>
+          <p:cNvSpPr>
+            <a:spLocks noGrp="1"/>
+          </p:cNvSpPr>
+          <p:nvPr>
+            <p:ph type="title"/>
+          </p:nvPr>
+        </p:nvSpPr>
+        <p:spPr/>
+        <p:txBody>
+          <a:bodyPr/>
+          <a:lstStyle/>
+          <a:p>
+            <a:r>
+              <a:rPr lang="en-US" dirty="0"/>
+              <a:t>Without Mat4_1- omitting local infeasibility</a:t>
+            </a:r>
+          </a:p>
+        </p:txBody>
+      </p:sp>
+      <p:pic>
+        <p:nvPicPr>
+          <p:cNvPr id="5" name="Picture 4">
+            <a:extLst>
+              <a:ext uri="{FF2B5EF4-FFF2-40B4-BE49-F238E27FC236}">
+                <a16:creationId xmlns:a16="http://schemas.microsoft.com/office/drawing/2014/main" id="{443C9846-BFF7-2CBE-E88D-396E25D8349C}"/>
+              </a:ext>
+            </a:extLst>
+          </p:cNvPr>
+          <p:cNvPicPr>
+            <a:picLocks noChangeAspect="1"/>
+          </p:cNvPicPr>
+          <p:nvPr/>
+        </p:nvPicPr>
+        <p:blipFill>
+          <a:blip r:embed="rId2"/>
+          <a:stretch>
+            <a:fillRect/>
+          </a:stretch>
+        </p:blipFill>
+        <p:spPr>
+          <a:xfrm>
+            <a:off x="3681412" y="1881187"/>
+            <a:ext cx="4962525" cy="3724275"/>
+          </a:xfrm>
+          <a:prstGeom prst="rect">
+            <a:avLst/>
+          </a:prstGeom>
+        </p:spPr>
+      </p:pic>
+    </p:spTree>
+    <p:extLst>
+      <p:ext uri="{BB962C8B-B14F-4D97-AF65-F5344CB8AC3E}">
+        <p14:creationId xmlns:p14="http://schemas.microsoft.com/office/powerpoint/2010/main" val="1287308348"/>
+      </p:ext>
+    </p:extLst>
+  </p:cSld>
+  <p:clrMapOvr>
+    <a:masterClrMapping/>
+  </p:clrMapOvr>
+</p:sld>
+</file>
+
+<file path=ppt/slides/slide5.xml><?xml version="1.0" encoding="utf-8"?>
+<p:sld xmlns:a="http://schemas.openxmlformats.org/drawingml/2006/main" xmlns:r="http://schemas.openxmlformats.org/officeDocument/2006/relationships" xmlns:p="http://schemas.openxmlformats.org/presentationml/2006/main">
+  <p:cSld>
+    <p:spTree>
+      <p:nvGrpSpPr>
+        <p:cNvPr id="1" name=""/>
+        <p:cNvGrpSpPr/>
+        <p:nvPr/>
+      </p:nvGrpSpPr>
+      <p:grpSpPr>
+        <a:xfrm>
+          <a:off x="0" y="0"/>
+          <a:ext cx="0" cy="0"/>
+          <a:chOff x="0" y="0"/>
+          <a:chExt cx="0" cy="0"/>
+        </a:xfrm>
+      </p:grpSpPr>
+      <p:sp>
+        <p:nvSpPr>
+          <p:cNvPr id="2" name="Title 1">
+            <a:extLst>
+              <a:ext uri="{FF2B5EF4-FFF2-40B4-BE49-F238E27FC236}">
+                <a16:creationId xmlns:a16="http://schemas.microsoft.com/office/drawing/2014/main" id="{A60A5908-3D31-9DD8-F909-F5AE6BF98DE9}"/>
+              </a:ext>
+            </a:extLst>
+          </p:cNvPr>
+          <p:cNvSpPr>
+            <a:spLocks noGrp="1"/>
+          </p:cNvSpPr>
+          <p:nvPr>
+            <p:ph type="title"/>
+          </p:nvPr>
+        </p:nvSpPr>
+        <p:spPr/>
+        <p:txBody>
+          <a:bodyPr/>
+          <a:lstStyle/>
+          <a:p>
+            <a:r>
+              <a:rPr lang="en-US" dirty="0"/>
+              <a:t>With Mat4_1- omitting local infeasibility</a:t>
+            </a:r>
+          </a:p>
+        </p:txBody>
+      </p:sp>
+      <p:pic>
+        <p:nvPicPr>
+          <p:cNvPr id="5" name="Picture 4">
+            <a:extLst>
+              <a:ext uri="{FF2B5EF4-FFF2-40B4-BE49-F238E27FC236}">
+                <a16:creationId xmlns:a16="http://schemas.microsoft.com/office/drawing/2014/main" id="{C25DFC27-2E86-3F40-9BD1-9B07B1CE604B}"/>
+              </a:ext>
+            </a:extLst>
+          </p:cNvPr>
+          <p:cNvPicPr>
+            <a:picLocks noChangeAspect="1"/>
+          </p:cNvPicPr>
+          <p:nvPr/>
+        </p:nvPicPr>
+        <p:blipFill>
+          <a:blip r:embed="rId2"/>
+          <a:stretch>
+            <a:fillRect/>
+          </a:stretch>
+        </p:blipFill>
+        <p:spPr>
+          <a:xfrm>
+            <a:off x="3614737" y="2347912"/>
+            <a:ext cx="4962525" cy="3724275"/>
+          </a:xfrm>
+          <a:prstGeom prst="rect">
+            <a:avLst/>
+          </a:prstGeom>
+        </p:spPr>
+      </p:pic>
+    </p:spTree>
+    <p:extLst>
+      <p:ext uri="{BB962C8B-B14F-4D97-AF65-F5344CB8AC3E}">
+        <p14:creationId xmlns:p14="http://schemas.microsoft.com/office/powerpoint/2010/main" val="355752703"/>
+      </p:ext>
+    </p:extLst>
+  </p:cSld>
+  <p:clrMapOvr>
+    <a:masterClrMapping/>
+  </p:clrMapOvr>
+</p:sld>
+</file>
+
+<file path=ppt/slides/slide6.xml><?xml version="1.0" encoding="utf-8"?>
+<p:sld xmlns:a="http://schemas.openxmlformats.org/drawingml/2006/main" xmlns:r="http://schemas.openxmlformats.org/officeDocument/2006/relationships" xmlns:p="http://schemas.openxmlformats.org/presentationml/2006/main">
+  <p:cSld>
+    <p:spTree>
+      <p:nvGrpSpPr>
+        <p:cNvPr id="1" name=""/>
+        <p:cNvGrpSpPr/>
+        <p:nvPr/>
+      </p:nvGrpSpPr>
+      <p:grpSpPr>
+        <a:xfrm>
+          <a:off x="0" y="0"/>
+          <a:ext cx="0" cy="0"/>
+          <a:chOff x="0" y="0"/>
+          <a:chExt cx="0" cy="0"/>
+        </a:xfrm>
+      </p:grpSpPr>
+      <p:sp>
+        <p:nvSpPr>
+          <p:cNvPr id="2" name="Title 1">
+            <a:extLst>
+              <a:ext uri="{FF2B5EF4-FFF2-40B4-BE49-F238E27FC236}">
+                <a16:creationId xmlns:a16="http://schemas.microsoft.com/office/drawing/2014/main" id="{3EF7F1A2-ACFD-572C-EE95-5F60AD124C28}"/>
+              </a:ext>
+            </a:extLst>
+          </p:cNvPr>
+          <p:cNvSpPr>
+            <a:spLocks noGrp="1"/>
+          </p:cNvSpPr>
+          <p:nvPr>
+            <p:ph type="title"/>
+          </p:nvPr>
+        </p:nvSpPr>
+        <p:spPr/>
+        <p:txBody>
+          <a:bodyPr/>
+          <a:lstStyle/>
+          <a:p>
+            <a:r>
+              <a:rPr lang="en-US" dirty="0"/>
+              <a:t>Without Mat4_1: plotting </a:t>
+            </a:r>
+            <a:r>
+              <a:rPr lang="en-US" dirty="0" err="1"/>
+              <a:t>p_iVals</a:t>
+            </a:r>
+            <a:r>
+              <a:rPr lang="en-US" dirty="0"/>
+              <a:t> and </a:t>
+            </a:r>
+            <a:r>
+              <a:rPr lang="en-US" dirty="0" err="1"/>
+              <a:t>P_lVals</a:t>
+            </a:r>
+            <a:endParaRPr lang="en-US" dirty="0"/>
+          </a:p>
+        </p:txBody>
+      </p:sp>
+      <p:pic>
+        <p:nvPicPr>
+          <p:cNvPr id="5" name="Picture 4">
+            <a:extLst>
+              <a:ext uri="{FF2B5EF4-FFF2-40B4-BE49-F238E27FC236}">
+                <a16:creationId xmlns:a16="http://schemas.microsoft.com/office/drawing/2014/main" id="{29591BAE-C0B9-0910-FD5A-C5B78BE68589}"/>
+              </a:ext>
+            </a:extLst>
+          </p:cNvPr>
+          <p:cNvPicPr>
+            <a:picLocks noChangeAspect="1"/>
+          </p:cNvPicPr>
+          <p:nvPr/>
+        </p:nvPicPr>
+        <p:blipFill>
+          <a:blip r:embed="rId2"/>
+          <a:stretch>
+            <a:fillRect/>
+          </a:stretch>
+        </p:blipFill>
+        <p:spPr>
+          <a:xfrm>
+            <a:off x="3429000" y="2171700"/>
+            <a:ext cx="5334000" cy="4000500"/>
+          </a:xfrm>
+          <a:prstGeom prst="rect">
+            <a:avLst/>
+          </a:prstGeom>
+        </p:spPr>
+      </p:pic>
+    </p:spTree>
+    <p:extLst>
+      <p:ext uri="{BB962C8B-B14F-4D97-AF65-F5344CB8AC3E}">
+        <p14:creationId xmlns:p14="http://schemas.microsoft.com/office/powerpoint/2010/main" val="2931596652"/>
+      </p:ext>
+    </p:extLst>
+  </p:cSld>
+  <p:clrMapOvr>
+    <a:masterClrMapping/>
+  </p:clrMapOvr>
+</p:sld>
+</file>
+
+<file path=ppt/slides/slide7.xml><?xml version="1.0" encoding="utf-8"?>
+<p:sld xmlns:a="http://schemas.openxmlformats.org/drawingml/2006/main" xmlns:r="http://schemas.openxmlformats.org/officeDocument/2006/relationships" xmlns:p="http://schemas.openxmlformats.org/presentationml/2006/main">
+  <p:cSld>
+    <p:spTree>
+      <p:nvGrpSpPr>
+        <p:cNvPr id="1" name=""/>
+        <p:cNvGrpSpPr/>
+        <p:nvPr/>
+      </p:nvGrpSpPr>
+      <p:grpSpPr>
+        <a:xfrm>
+          <a:off x="0" y="0"/>
+          <a:ext cx="0" cy="0"/>
+          <a:chOff x="0" y="0"/>
+          <a:chExt cx="0" cy="0"/>
+        </a:xfrm>
+      </p:grpSpPr>
+      <p:sp>
+        <p:nvSpPr>
+          <p:cNvPr id="2" name="Title 1">
+            <a:extLst>
+              <a:ext uri="{FF2B5EF4-FFF2-40B4-BE49-F238E27FC236}">
+                <a16:creationId xmlns:a16="http://schemas.microsoft.com/office/drawing/2014/main" id="{4284DF0B-3672-3945-1741-D1062C25CCE8}"/>
+              </a:ext>
+            </a:extLst>
+          </p:cNvPr>
+          <p:cNvSpPr>
+            <a:spLocks noGrp="1"/>
+          </p:cNvSpPr>
+          <p:nvPr>
+            <p:ph type="title"/>
+          </p:nvPr>
+        </p:nvSpPr>
+        <p:spPr/>
+        <p:txBody>
+          <a:bodyPr/>
+          <a:lstStyle/>
+          <a:p>
+            <a:r>
+              <a:rPr lang="en-US" dirty="0"/>
+              <a:t>With Mat4_1: plotting </a:t>
+            </a:r>
+            <a:r>
+              <a:rPr lang="en-US" dirty="0" err="1"/>
+              <a:t>p_iVals</a:t>
+            </a:r>
+            <a:r>
+              <a:rPr lang="en-US" dirty="0"/>
+              <a:t> and </a:t>
+            </a:r>
+            <a:r>
+              <a:rPr lang="en-US" dirty="0" err="1"/>
+              <a:t>P_lVals</a:t>
+            </a:r>
+            <a:endParaRPr lang="en-US" dirty="0"/>
+          </a:p>
+        </p:txBody>
+      </p:sp>
+      <p:pic>
+        <p:nvPicPr>
+          <p:cNvPr id="5" name="Picture 4">
+            <a:extLst>
+              <a:ext uri="{FF2B5EF4-FFF2-40B4-BE49-F238E27FC236}">
+                <a16:creationId xmlns:a16="http://schemas.microsoft.com/office/drawing/2014/main" id="{B5A86B2F-3DD2-DF46-D5A2-61678EF53292}"/>
+              </a:ext>
+            </a:extLst>
+          </p:cNvPr>
+          <p:cNvPicPr>
+            <a:picLocks noChangeAspect="1"/>
+          </p:cNvPicPr>
+          <p:nvPr/>
+        </p:nvPicPr>
+        <p:blipFill>
+          <a:blip r:embed="rId2"/>
+          <a:stretch>
+            <a:fillRect/>
+          </a:stretch>
+        </p:blipFill>
+        <p:spPr>
+          <a:xfrm>
+            <a:off x="2990850" y="2324100"/>
+            <a:ext cx="5334000" cy="4000500"/>
+          </a:xfrm>
+          <a:prstGeom prst="rect">
+            <a:avLst/>
+          </a:prstGeom>
+        </p:spPr>
+      </p:pic>
+    </p:spTree>
+    <p:extLst>
+      <p:ext uri="{BB962C8B-B14F-4D97-AF65-F5344CB8AC3E}">
+        <p14:creationId xmlns:p14="http://schemas.microsoft.com/office/powerpoint/2010/main" val="3959751212"/>
       </p:ext>
     </p:extLst>
   </p:cSld>

--- a/Results/Powepoint_Results.pptx
+++ b/Results/Powepoint_Results.pptx
@@ -12,6 +12,7 @@
     <p:sldId id="260" r:id="rId6"/>
     <p:sldId id="262" r:id="rId7"/>
     <p:sldId id="261" r:id="rId8"/>
+    <p:sldId id="263" r:id="rId9"/>
   </p:sldIdLst>
   <p:sldSz cx="12192000" cy="6858000"/>
   <p:notesSz cx="6858000" cy="9144000"/>
@@ -131,7 +132,7 @@
   <pc:docChgLst>
     <pc:chgData name="Mohammad Javad" userId="22da5a1cdc82ebb5" providerId="LiveId" clId="{4882CF80-36C3-44AA-B04A-87A15BCA1E7B}"/>
     <pc:docChg chg="custSel addSld modSld">
-      <pc:chgData name="Mohammad Javad" userId="22da5a1cdc82ebb5" providerId="LiveId" clId="{4882CF80-36C3-44AA-B04A-87A15BCA1E7B}" dt="2024-08-28T13:41:20.530" v="160" actId="20577"/>
+      <pc:chgData name="Mohammad Javad" userId="22da5a1cdc82ebb5" providerId="LiveId" clId="{4882CF80-36C3-44AA-B04A-87A15BCA1E7B}" dt="2024-08-30T12:47:22.276" v="247" actId="20577"/>
       <pc:docMkLst>
         <pc:docMk/>
       </pc:docMkLst>
@@ -298,6 +299,37 @@
           </ac:picMkLst>
         </pc:picChg>
       </pc:sldChg>
+      <pc:sldChg chg="addSp delSp modSp new mod">
+        <pc:chgData name="Mohammad Javad" userId="22da5a1cdc82ebb5" providerId="LiveId" clId="{4882CF80-36C3-44AA-B04A-87A15BCA1E7B}" dt="2024-08-30T12:47:22.276" v="247" actId="20577"/>
+        <pc:sldMkLst>
+          <pc:docMk/>
+          <pc:sldMk cId="3323328076" sldId="263"/>
+        </pc:sldMkLst>
+        <pc:spChg chg="mod">
+          <ac:chgData name="Mohammad Javad" userId="22da5a1cdc82ebb5" providerId="LiveId" clId="{4882CF80-36C3-44AA-B04A-87A15BCA1E7B}" dt="2024-08-30T12:47:22.276" v="247" actId="20577"/>
+          <ac:spMkLst>
+            <pc:docMk/>
+            <pc:sldMk cId="3323328076" sldId="263"/>
+            <ac:spMk id="2" creationId="{82D6656F-294B-EDC7-A0DC-333A04A0226A}"/>
+          </ac:spMkLst>
+        </pc:spChg>
+        <pc:spChg chg="del">
+          <ac:chgData name="Mohammad Javad" userId="22da5a1cdc82ebb5" providerId="LiveId" clId="{4882CF80-36C3-44AA-B04A-87A15BCA1E7B}" dt="2024-08-30T12:47:00.556" v="221" actId="478"/>
+          <ac:spMkLst>
+            <pc:docMk/>
+            <pc:sldMk cId="3323328076" sldId="263"/>
+            <ac:spMk id="3" creationId="{59CA7F6A-03D4-560C-D9EE-35E129E00F13}"/>
+          </ac:spMkLst>
+        </pc:spChg>
+        <pc:picChg chg="add mod">
+          <ac:chgData name="Mohammad Javad" userId="22da5a1cdc82ebb5" providerId="LiveId" clId="{4882CF80-36C3-44AA-B04A-87A15BCA1E7B}" dt="2024-08-30T12:47:09.422" v="224" actId="1076"/>
+          <ac:picMkLst>
+            <pc:docMk/>
+            <pc:sldMk cId="3323328076" sldId="263"/>
+            <ac:picMk id="5" creationId="{F173C4AA-E305-A294-E171-73FCCCA36EC2}"/>
+          </ac:picMkLst>
+        </pc:picChg>
+      </pc:sldChg>
     </pc:docChg>
   </pc:docChgLst>
 </pc:chgInfo>
@@ -450,7 +482,7 @@
           <a:p>
             <a:fld id="{7DC268E1-82E9-4883-963D-4A58FF6F19B8}" type="datetimeFigureOut">
               <a:rPr lang="en-US" smtClean="0"/>
-              <a:t>8/28/2024</a:t>
+              <a:t>8/30/2024</a:t>
             </a:fld>
             <a:endParaRPr lang="en-US"/>
           </a:p>
@@ -648,7 +680,7 @@
           <a:p>
             <a:fld id="{7DC268E1-82E9-4883-963D-4A58FF6F19B8}" type="datetimeFigureOut">
               <a:rPr lang="en-US" smtClean="0"/>
-              <a:t>8/28/2024</a:t>
+              <a:t>8/30/2024</a:t>
             </a:fld>
             <a:endParaRPr lang="en-US"/>
           </a:p>
@@ -856,7 +888,7 @@
           <a:p>
             <a:fld id="{7DC268E1-82E9-4883-963D-4A58FF6F19B8}" type="datetimeFigureOut">
               <a:rPr lang="en-US" smtClean="0"/>
-              <a:t>8/28/2024</a:t>
+              <a:t>8/30/2024</a:t>
             </a:fld>
             <a:endParaRPr lang="en-US"/>
           </a:p>
@@ -1054,7 +1086,7 @@
           <a:p>
             <a:fld id="{7DC268E1-82E9-4883-963D-4A58FF6F19B8}" type="datetimeFigureOut">
               <a:rPr lang="en-US" smtClean="0"/>
-              <a:t>8/28/2024</a:t>
+              <a:t>8/30/2024</a:t>
             </a:fld>
             <a:endParaRPr lang="en-US"/>
           </a:p>
@@ -1329,7 +1361,7 @@
           <a:p>
             <a:fld id="{7DC268E1-82E9-4883-963D-4A58FF6F19B8}" type="datetimeFigureOut">
               <a:rPr lang="en-US" smtClean="0"/>
-              <a:t>8/28/2024</a:t>
+              <a:t>8/30/2024</a:t>
             </a:fld>
             <a:endParaRPr lang="en-US"/>
           </a:p>
@@ -1594,7 +1626,7 @@
           <a:p>
             <a:fld id="{7DC268E1-82E9-4883-963D-4A58FF6F19B8}" type="datetimeFigureOut">
               <a:rPr lang="en-US" smtClean="0"/>
-              <a:t>8/28/2024</a:t>
+              <a:t>8/30/2024</a:t>
             </a:fld>
             <a:endParaRPr lang="en-US"/>
           </a:p>
@@ -2006,7 +2038,7 @@
           <a:p>
             <a:fld id="{7DC268E1-82E9-4883-963D-4A58FF6F19B8}" type="datetimeFigureOut">
               <a:rPr lang="en-US" smtClean="0"/>
-              <a:t>8/28/2024</a:t>
+              <a:t>8/30/2024</a:t>
             </a:fld>
             <a:endParaRPr lang="en-US"/>
           </a:p>
@@ -2147,7 +2179,7 @@
           <a:p>
             <a:fld id="{7DC268E1-82E9-4883-963D-4A58FF6F19B8}" type="datetimeFigureOut">
               <a:rPr lang="en-US" smtClean="0"/>
-              <a:t>8/28/2024</a:t>
+              <a:t>8/30/2024</a:t>
             </a:fld>
             <a:endParaRPr lang="en-US"/>
           </a:p>
@@ -2260,7 +2292,7 @@
           <a:p>
             <a:fld id="{7DC268E1-82E9-4883-963D-4A58FF6F19B8}" type="datetimeFigureOut">
               <a:rPr lang="en-US" smtClean="0"/>
-              <a:t>8/28/2024</a:t>
+              <a:t>8/30/2024</a:t>
             </a:fld>
             <a:endParaRPr lang="en-US"/>
           </a:p>
@@ -2571,7 +2603,7 @@
           <a:p>
             <a:fld id="{7DC268E1-82E9-4883-963D-4A58FF6F19B8}" type="datetimeFigureOut">
               <a:rPr lang="en-US" smtClean="0"/>
-              <a:t>8/28/2024</a:t>
+              <a:t>8/30/2024</a:t>
             </a:fld>
             <a:endParaRPr lang="en-US"/>
           </a:p>
@@ -2859,7 +2891,7 @@
           <a:p>
             <a:fld id="{7DC268E1-82E9-4883-963D-4A58FF6F19B8}" type="datetimeFigureOut">
               <a:rPr lang="en-US" smtClean="0"/>
-              <a:t>8/28/2024</a:t>
+              <a:t>8/30/2024</a:t>
             </a:fld>
             <a:endParaRPr lang="en-US"/>
           </a:p>
@@ -3100,7 +3132,7 @@
           <a:p>
             <a:fld id="{7DC268E1-82E9-4883-963D-4A58FF6F19B8}" type="datetimeFigureOut">
               <a:rPr lang="en-US" smtClean="0"/>
-              <a:t>8/28/2024</a:t>
+              <a:t>8/30/2024</a:t>
             </a:fld>
             <a:endParaRPr lang="en-US"/>
           </a:p>
@@ -4215,6 +4247,115 @@
     <p:extLst>
       <p:ext uri="{BB962C8B-B14F-4D97-AF65-F5344CB8AC3E}">
         <p14:creationId xmlns:p14="http://schemas.microsoft.com/office/powerpoint/2010/main" val="3959751212"/>
+      </p:ext>
+    </p:extLst>
+  </p:cSld>
+  <p:clrMapOvr>
+    <a:masterClrMapping/>
+  </p:clrMapOvr>
+</p:sld>
+</file>
+
+<file path=ppt/slides/slide8.xml><?xml version="1.0" encoding="utf-8"?>
+<p:sld xmlns:a="http://schemas.openxmlformats.org/drawingml/2006/main" xmlns:r="http://schemas.openxmlformats.org/officeDocument/2006/relationships" xmlns:p="http://schemas.openxmlformats.org/presentationml/2006/main">
+  <p:cSld>
+    <p:spTree>
+      <p:nvGrpSpPr>
+        <p:cNvPr id="1" name=""/>
+        <p:cNvGrpSpPr/>
+        <p:nvPr/>
+      </p:nvGrpSpPr>
+      <p:grpSpPr>
+        <a:xfrm>
+          <a:off x="0" y="0"/>
+          <a:ext cx="0" cy="0"/>
+          <a:chOff x="0" y="0"/>
+          <a:chExt cx="0" cy="0"/>
+        </a:xfrm>
+      </p:grpSpPr>
+      <p:sp>
+        <p:nvSpPr>
+          <p:cNvPr id="2" name="Title 1">
+            <a:extLst>
+              <a:ext uri="{FF2B5EF4-FFF2-40B4-BE49-F238E27FC236}">
+                <a16:creationId xmlns:a16="http://schemas.microsoft.com/office/drawing/2014/main" id="{82D6656F-294B-EDC7-A0DC-333A04A0226A}"/>
+              </a:ext>
+            </a:extLst>
+          </p:cNvPr>
+          <p:cNvSpPr>
+            <a:spLocks noGrp="1"/>
+          </p:cNvSpPr>
+          <p:nvPr>
+            <p:ph type="title"/>
+          </p:nvPr>
+        </p:nvSpPr>
+        <p:spPr/>
+        <p:txBody>
+          <a:bodyPr/>
+          <a:lstStyle/>
+          <a:p>
+            <a:r>
+              <a:rPr lang="en-US" dirty="0"/>
+              <a:t>Fixed Values for </a:t>
+            </a:r>
+            <a:r>
+              <a:rPr lang="en-US" dirty="0" err="1"/>
+              <a:t>P_i</a:t>
+            </a:r>
+            <a:r>
+              <a:rPr lang="en-US" dirty="0"/>
+              <a:t> and </a:t>
+            </a:r>
+            <a:r>
+              <a:rPr lang="en-US" dirty="0" err="1"/>
+              <a:t>P_l</a:t>
+            </a:r>
+            <a:r>
+              <a:rPr lang="en-US" dirty="0"/>
+              <a:t> in the </a:t>
+            </a:r>
+            <a:r>
+              <a:rPr lang="en-US"/>
+              <a:t>global controller – set them to 10^-4</a:t>
+            </a:r>
+            <a:endParaRPr lang="en-US" dirty="0"/>
+          </a:p>
+        </p:txBody>
+      </p:sp>
+      <p:pic>
+        <p:nvPicPr>
+          <p:cNvPr id="5" name="Picture 4">
+            <a:extLst>
+              <a:ext uri="{FF2B5EF4-FFF2-40B4-BE49-F238E27FC236}">
+                <a16:creationId xmlns:a16="http://schemas.microsoft.com/office/drawing/2014/main" id="{F173C4AA-E305-A294-E171-73FCCCA36EC2}"/>
+              </a:ext>
+            </a:extLst>
+          </p:cNvPr>
+          <p:cNvPicPr>
+            <a:picLocks noChangeAspect="1"/>
+          </p:cNvPicPr>
+          <p:nvPr/>
+        </p:nvPicPr>
+        <p:blipFill>
+          <a:blip r:embed="rId2"/>
+          <a:stretch>
+            <a:fillRect/>
+          </a:stretch>
+        </p:blipFill>
+        <p:spPr>
+          <a:xfrm>
+            <a:off x="3810000" y="2514600"/>
+            <a:ext cx="3962400" cy="2971800"/>
+          </a:xfrm>
+          <a:prstGeom prst="rect">
+            <a:avLst/>
+          </a:prstGeom>
+        </p:spPr>
+      </p:pic>
+    </p:spTree>
+    <p:extLst>
+      <p:ext uri="{BB962C8B-B14F-4D97-AF65-F5344CB8AC3E}">
+        <p14:creationId xmlns:p14="http://schemas.microsoft.com/office/powerpoint/2010/main" val="3323328076"/>
       </p:ext>
     </p:extLst>
   </p:cSld>

--- a/Results/Powepoint_Results.pptx
+++ b/Results/Powepoint_Results.pptx
@@ -7,12 +7,13 @@
   <p:sldIdLst>
     <p:sldId id="256" r:id="rId2"/>
     <p:sldId id="257" r:id="rId3"/>
-    <p:sldId id="258" r:id="rId4"/>
-    <p:sldId id="259" r:id="rId5"/>
-    <p:sldId id="260" r:id="rId6"/>
-    <p:sldId id="262" r:id="rId7"/>
-    <p:sldId id="261" r:id="rId8"/>
-    <p:sldId id="263" r:id="rId9"/>
+    <p:sldId id="264" r:id="rId4"/>
+    <p:sldId id="258" r:id="rId5"/>
+    <p:sldId id="259" r:id="rId6"/>
+    <p:sldId id="260" r:id="rId7"/>
+    <p:sldId id="262" r:id="rId8"/>
+    <p:sldId id="261" r:id="rId9"/>
+    <p:sldId id="263" r:id="rId10"/>
   </p:sldIdLst>
   <p:sldSz cx="12192000" cy="6858000"/>
   <p:notesSz cx="6858000" cy="9144000"/>
@@ -122,7 +123,7 @@
 <file path=ppt/revisionInfo.xml><?xml version="1.0" encoding="utf-8"?>
 <p1510:revInfo xmlns:a="http://schemas.openxmlformats.org/drawingml/2006/main" xmlns:r="http://schemas.openxmlformats.org/officeDocument/2006/relationships" xmlns:p1510="http://schemas.microsoft.com/office/powerpoint/2015/10/main">
   <p1510:revLst>
-    <p1510:client id="{4882CF80-36C3-44AA-B04A-87A15BCA1E7B}" v="2" dt="2024-08-28T13:41:17.782"/>
+    <p1510:client id="{4882CF80-36C3-44AA-B04A-87A15BCA1E7B}" v="5" dt="2024-08-30T16:56:07.800"/>
   </p1510:revLst>
 </p1510:revInfo>
 </file>
@@ -131,8 +132,8 @@
 <pc:chgInfo xmlns:a="http://schemas.openxmlformats.org/drawingml/2006/main" xmlns:r="http://schemas.openxmlformats.org/officeDocument/2006/relationships" xmlns:ac="http://schemas.microsoft.com/office/drawing/2013/main/command" xmlns:pc="http://schemas.microsoft.com/office/powerpoint/2013/main/command">
   <pc:docChgLst>
     <pc:chgData name="Mohammad Javad" userId="22da5a1cdc82ebb5" providerId="LiveId" clId="{4882CF80-36C3-44AA-B04A-87A15BCA1E7B}"/>
-    <pc:docChg chg="custSel addSld modSld">
-      <pc:chgData name="Mohammad Javad" userId="22da5a1cdc82ebb5" providerId="LiveId" clId="{4882CF80-36C3-44AA-B04A-87A15BCA1E7B}" dt="2024-08-30T12:47:22.276" v="247" actId="20577"/>
+    <pc:docChg chg="custSel addSld modSld sldOrd">
+      <pc:chgData name="Mohammad Javad" userId="22da5a1cdc82ebb5" providerId="LiveId" clId="{4882CF80-36C3-44AA-B04A-87A15BCA1E7B}" dt="2024-08-30T16:56:13.765" v="258" actId="1076"/>
       <pc:docMkLst>
         <pc:docMk/>
       </pc:docMkLst>
@@ -327,6 +328,45 @@
             <pc:docMk/>
             <pc:sldMk cId="3323328076" sldId="263"/>
             <ac:picMk id="5" creationId="{F173C4AA-E305-A294-E171-73FCCCA36EC2}"/>
+          </ac:picMkLst>
+        </pc:picChg>
+      </pc:sldChg>
+      <pc:sldChg chg="addSp delSp modSp new mod ord">
+        <pc:chgData name="Mohammad Javad" userId="22da5a1cdc82ebb5" providerId="LiveId" clId="{4882CF80-36C3-44AA-B04A-87A15BCA1E7B}" dt="2024-08-30T16:56:13.765" v="258" actId="1076"/>
+        <pc:sldMkLst>
+          <pc:docMk/>
+          <pc:sldMk cId="3249291784" sldId="264"/>
+        </pc:sldMkLst>
+        <pc:spChg chg="mod">
+          <ac:chgData name="Mohammad Javad" userId="22da5a1cdc82ebb5" providerId="LiveId" clId="{4882CF80-36C3-44AA-B04A-87A15BCA1E7B}" dt="2024-08-30T16:55:28.428" v="252"/>
+          <ac:spMkLst>
+            <pc:docMk/>
+            <pc:sldMk cId="3249291784" sldId="264"/>
+            <ac:spMk id="2" creationId="{58B614FC-A964-76AA-A953-2FF0D3E595BD}"/>
+          </ac:spMkLst>
+        </pc:spChg>
+        <pc:spChg chg="del">
+          <ac:chgData name="Mohammad Javad" userId="22da5a1cdc82ebb5" providerId="LiveId" clId="{4882CF80-36C3-44AA-B04A-87A15BCA1E7B}" dt="2024-08-30T16:55:31.536" v="253" actId="478"/>
+          <ac:spMkLst>
+            <pc:docMk/>
+            <pc:sldMk cId="3249291784" sldId="264"/>
+            <ac:spMk id="3" creationId="{A7E243E8-80E9-9963-C5FE-09F3EF3CE53F}"/>
+          </ac:spMkLst>
+        </pc:spChg>
+        <pc:picChg chg="add del">
+          <ac:chgData name="Mohammad Javad" userId="22da5a1cdc82ebb5" providerId="LiveId" clId="{4882CF80-36C3-44AA-B04A-87A15BCA1E7B}" dt="2024-08-30T16:55:59.512" v="255" actId="478"/>
+          <ac:picMkLst>
+            <pc:docMk/>
+            <pc:sldMk cId="3249291784" sldId="264"/>
+            <ac:picMk id="4" creationId="{ABC54B54-D1E5-70DE-4205-B2303B1BFA61}"/>
+          </ac:picMkLst>
+        </pc:picChg>
+        <pc:picChg chg="add mod">
+          <ac:chgData name="Mohammad Javad" userId="22da5a1cdc82ebb5" providerId="LiveId" clId="{4882CF80-36C3-44AA-B04A-87A15BCA1E7B}" dt="2024-08-30T16:56:13.765" v="258" actId="1076"/>
+          <ac:picMkLst>
+            <pc:docMk/>
+            <pc:sldMk cId="3249291784" sldId="264"/>
+            <ac:picMk id="5" creationId="{2EC82B6E-F178-991A-2E8D-5B41E6DCCFC1}"/>
           </ac:picMkLst>
         </pc:picChg>
       </pc:sldChg>
@@ -3812,6 +3852,151 @@
           <p:cNvPr id="2" name="Title 1">
             <a:extLst>
               <a:ext uri="{FF2B5EF4-FFF2-40B4-BE49-F238E27FC236}">
+                <a16:creationId xmlns:a16="http://schemas.microsoft.com/office/drawing/2014/main" id="{58B614FC-A964-76AA-A953-2FF0D3E595BD}"/>
+              </a:ext>
+            </a:extLst>
+          </p:cNvPr>
+          <p:cNvSpPr>
+            <a:spLocks noGrp="1"/>
+          </p:cNvSpPr>
+          <p:nvPr>
+            <p:ph type="title"/>
+          </p:nvPr>
+        </p:nvSpPr>
+        <p:spPr/>
+        <p:txBody>
+          <a:bodyPr/>
+          <a:lstStyle/>
+          <a:p>
+            <a:r>
+              <a:rPr lang="en-US" sz="1800" b="0" i="0" dirty="0" err="1">
+                <a:effectLst/>
+                <a:latin typeface="Menlo"/>
+              </a:rPr>
+              <a:t>piRange</a:t>
+            </a:r>
+            <a:r>
+              <a:rPr lang="en-US" sz="1800" b="0" i="0" dirty="0">
+                <a:effectLst/>
+                <a:latin typeface="Menlo"/>
+              </a:rPr>
+              <a:t> = 10.^(0:0.01:0.5); </a:t>
+            </a:r>
+            <a:r>
+              <a:rPr lang="en-US" sz="1800" b="0" i="0" dirty="0">
+                <a:solidFill>
+                  <a:srgbClr val="008013"/>
+                </a:solidFill>
+                <a:effectLst/>
+                <a:latin typeface="Menlo"/>
+              </a:rPr>
+              <a:t>% Adjust the range as needed</a:t>
+            </a:r>
+            <a:br>
+              <a:rPr lang="en-US" sz="1800" b="0" i="0" dirty="0">
+                <a:effectLst/>
+                <a:latin typeface="Menlo"/>
+              </a:rPr>
+            </a:br>
+            <a:r>
+              <a:rPr lang="en-US" sz="1800" b="0" i="0" dirty="0" err="1">
+                <a:effectLst/>
+                <a:latin typeface="Menlo"/>
+              </a:rPr>
+              <a:t>plRange</a:t>
+            </a:r>
+            <a:r>
+              <a:rPr lang="en-US" sz="1800" b="0" i="0" dirty="0">
+                <a:effectLst/>
+                <a:latin typeface="Menlo"/>
+              </a:rPr>
+              <a:t> = 10.^(-1.5:0.01:-1); </a:t>
+            </a:r>
+            <a:r>
+              <a:rPr lang="en-US" sz="1800" b="0" i="0" dirty="0">
+                <a:solidFill>
+                  <a:srgbClr val="008013"/>
+                </a:solidFill>
+                <a:effectLst/>
+                <a:latin typeface="Menlo"/>
+              </a:rPr>
+              <a:t>% Adjust the range as needed</a:t>
+            </a:r>
+            <a:br>
+              <a:rPr lang="en-US" sz="1800" b="0" i="0" dirty="0">
+                <a:effectLst/>
+                <a:latin typeface="Menlo"/>
+              </a:rPr>
+            </a:br>
+            <a:endParaRPr lang="en-US" dirty="0"/>
+          </a:p>
+        </p:txBody>
+      </p:sp>
+      <p:pic>
+        <p:nvPicPr>
+          <p:cNvPr id="5" name="Picture 4">
+            <a:extLst>
+              <a:ext uri="{FF2B5EF4-FFF2-40B4-BE49-F238E27FC236}">
+                <a16:creationId xmlns:a16="http://schemas.microsoft.com/office/drawing/2014/main" id="{2EC82B6E-F178-991A-2E8D-5B41E6DCCFC1}"/>
+              </a:ext>
+            </a:extLst>
+          </p:cNvPr>
+          <p:cNvPicPr>
+            <a:picLocks noChangeAspect="1"/>
+          </p:cNvPicPr>
+          <p:nvPr/>
+        </p:nvPicPr>
+        <p:blipFill>
+          <a:blip r:embed="rId2"/>
+          <a:stretch>
+            <a:fillRect/>
+          </a:stretch>
+        </p:blipFill>
+        <p:spPr>
+          <a:xfrm>
+            <a:off x="0" y="1132681"/>
+            <a:ext cx="12192000" cy="6064250"/>
+          </a:xfrm>
+          <a:prstGeom prst="rect">
+            <a:avLst/>
+          </a:prstGeom>
+        </p:spPr>
+      </p:pic>
+    </p:spTree>
+    <p:extLst>
+      <p:ext uri="{BB962C8B-B14F-4D97-AF65-F5344CB8AC3E}">
+        <p14:creationId xmlns:p14="http://schemas.microsoft.com/office/powerpoint/2010/main" val="3249291784"/>
+      </p:ext>
+    </p:extLst>
+  </p:cSld>
+  <p:clrMapOvr>
+    <a:masterClrMapping/>
+  </p:clrMapOvr>
+</p:sld>
+</file>
+
+<file path=ppt/slides/slide4.xml><?xml version="1.0" encoding="utf-8"?>
+<p:sld xmlns:a="http://schemas.openxmlformats.org/drawingml/2006/main" xmlns:r="http://schemas.openxmlformats.org/officeDocument/2006/relationships" xmlns:p="http://schemas.openxmlformats.org/presentationml/2006/main">
+  <p:cSld>
+    <p:spTree>
+      <p:nvGrpSpPr>
+        <p:cNvPr id="1" name=""/>
+        <p:cNvGrpSpPr/>
+        <p:nvPr/>
+      </p:nvGrpSpPr>
+      <p:grpSpPr>
+        <a:xfrm>
+          <a:off x="0" y="0"/>
+          <a:ext cx="0" cy="0"/>
+          <a:chOff x="0" y="0"/>
+          <a:chExt cx="0" cy="0"/>
+        </a:xfrm>
+      </p:grpSpPr>
+      <p:sp>
+        <p:nvSpPr>
+          <p:cNvPr id="2" name="Title 1">
+            <a:extLst>
+              <a:ext uri="{FF2B5EF4-FFF2-40B4-BE49-F238E27FC236}">
                 <a16:creationId xmlns:a16="http://schemas.microsoft.com/office/drawing/2014/main" id="{A1B064B8-F2AC-9522-88B2-C278681F12E3}"/>
               </a:ext>
             </a:extLst>
@@ -3878,7 +4063,7 @@
 </p:sld>
 </file>
 
-<file path=ppt/slides/slide4.xml><?xml version="1.0" encoding="utf-8"?>
+<file path=ppt/slides/slide5.xml><?xml version="1.0" encoding="utf-8"?>
 <p:sld xmlns:a="http://schemas.openxmlformats.org/drawingml/2006/main" xmlns:r="http://schemas.openxmlformats.org/officeDocument/2006/relationships" xmlns:p="http://schemas.openxmlformats.org/presentationml/2006/main">
   <p:cSld>
     <p:spTree>
@@ -3966,7 +4151,7 @@
 </p:sld>
 </file>
 
-<file path=ppt/slides/slide5.xml><?xml version="1.0" encoding="utf-8"?>
+<file path=ppt/slides/slide6.xml><?xml version="1.0" encoding="utf-8"?>
 <p:sld xmlns:a="http://schemas.openxmlformats.org/drawingml/2006/main" xmlns:r="http://schemas.openxmlformats.org/officeDocument/2006/relationships" xmlns:p="http://schemas.openxmlformats.org/presentationml/2006/main">
   <p:cSld>
     <p:spTree>
@@ -4054,7 +4239,7 @@
 </p:sld>
 </file>
 
-<file path=ppt/slides/slide6.xml><?xml version="1.0" encoding="utf-8"?>
+<file path=ppt/slides/slide7.xml><?xml version="1.0" encoding="utf-8"?>
 <p:sld xmlns:a="http://schemas.openxmlformats.org/drawingml/2006/main" xmlns:r="http://schemas.openxmlformats.org/officeDocument/2006/relationships" xmlns:p="http://schemas.openxmlformats.org/presentationml/2006/main">
   <p:cSld>
     <p:spTree>
@@ -4155,7 +4340,7 @@
 </p:sld>
 </file>
 
-<file path=ppt/slides/slide7.xml><?xml version="1.0" encoding="utf-8"?>
+<file path=ppt/slides/slide8.xml><?xml version="1.0" encoding="utf-8"?>
 <p:sld xmlns:a="http://schemas.openxmlformats.org/drawingml/2006/main" xmlns:r="http://schemas.openxmlformats.org/officeDocument/2006/relationships" xmlns:p="http://schemas.openxmlformats.org/presentationml/2006/main">
   <p:cSld>
     <p:spTree>
@@ -4256,7 +4441,7 @@
 </p:sld>
 </file>
 
-<file path=ppt/slides/slide8.xml><?xml version="1.0" encoding="utf-8"?>
+<file path=ppt/slides/slide9.xml><?xml version="1.0" encoding="utf-8"?>
 <p:sld xmlns:a="http://schemas.openxmlformats.org/drawingml/2006/main" xmlns:r="http://schemas.openxmlformats.org/officeDocument/2006/relationships" xmlns:p="http://schemas.openxmlformats.org/presentationml/2006/main">
   <p:cSld>
     <p:spTree>

--- a/Results/Powepoint_Results.pptx
+++ b/Results/Powepoint_Results.pptx
@@ -14,6 +14,9 @@
     <p:sldId id="262" r:id="rId8"/>
     <p:sldId id="261" r:id="rId9"/>
     <p:sldId id="263" r:id="rId10"/>
+    <p:sldId id="265" r:id="rId11"/>
+    <p:sldId id="266" r:id="rId12"/>
+    <p:sldId id="267" r:id="rId13"/>
   </p:sldIdLst>
   <p:sldSz cx="12192000" cy="6858000"/>
   <p:notesSz cx="6858000" cy="9144000"/>
@@ -123,7 +126,7 @@
 <file path=ppt/revisionInfo.xml><?xml version="1.0" encoding="utf-8"?>
 <p1510:revInfo xmlns:a="http://schemas.openxmlformats.org/drawingml/2006/main" xmlns:r="http://schemas.openxmlformats.org/officeDocument/2006/relationships" xmlns:p1510="http://schemas.microsoft.com/office/powerpoint/2015/10/main">
   <p1510:revLst>
-    <p1510:client id="{4882CF80-36C3-44AA-B04A-87A15BCA1E7B}" v="5" dt="2024-08-30T16:56:07.800"/>
+    <p1510:client id="{4882CF80-36C3-44AA-B04A-87A15BCA1E7B}" v="10" dt="2024-09-04T16:31:53.074"/>
   </p1510:revLst>
 </p1510:revInfo>
 </file>
@@ -133,7 +136,7 @@
   <pc:docChgLst>
     <pc:chgData name="Mohammad Javad" userId="22da5a1cdc82ebb5" providerId="LiveId" clId="{4882CF80-36C3-44AA-B04A-87A15BCA1E7B}"/>
     <pc:docChg chg="custSel addSld modSld sldOrd">
-      <pc:chgData name="Mohammad Javad" userId="22da5a1cdc82ebb5" providerId="LiveId" clId="{4882CF80-36C3-44AA-B04A-87A15BCA1E7B}" dt="2024-08-30T16:56:13.765" v="258" actId="1076"/>
+      <pc:chgData name="Mohammad Javad" userId="22da5a1cdc82ebb5" providerId="LiveId" clId="{4882CF80-36C3-44AA-B04A-87A15BCA1E7B}" dt="2024-09-04T16:31:53.088" v="288" actId="27636"/>
       <pc:docMkLst>
         <pc:docMk/>
       </pc:docMkLst>
@@ -370,6 +373,99 @@
           </ac:picMkLst>
         </pc:picChg>
       </pc:sldChg>
+      <pc:sldChg chg="addSp delSp modSp new mod">
+        <pc:chgData name="Mohammad Javad" userId="22da5a1cdc82ebb5" providerId="LiveId" clId="{4882CF80-36C3-44AA-B04A-87A15BCA1E7B}" dt="2024-09-04T14:58:22.220" v="268" actId="1076"/>
+        <pc:sldMkLst>
+          <pc:docMk/>
+          <pc:sldMk cId="4279963756" sldId="265"/>
+        </pc:sldMkLst>
+        <pc:spChg chg="mod">
+          <ac:chgData name="Mohammad Javad" userId="22da5a1cdc82ebb5" providerId="LiveId" clId="{4882CF80-36C3-44AA-B04A-87A15BCA1E7B}" dt="2024-09-04T14:58:18.679" v="267" actId="1076"/>
+          <ac:spMkLst>
+            <pc:docMk/>
+            <pc:sldMk cId="4279963756" sldId="265"/>
+            <ac:spMk id="2" creationId="{3CFBF073-04A2-4D72-ECD8-BFB55B2B2A22}"/>
+          </ac:spMkLst>
+        </pc:spChg>
+        <pc:spChg chg="del">
+          <ac:chgData name="Mohammad Javad" userId="22da5a1cdc82ebb5" providerId="LiveId" clId="{4882CF80-36C3-44AA-B04A-87A15BCA1E7B}" dt="2024-09-04T14:57:38.080" v="260" actId="478"/>
+          <ac:spMkLst>
+            <pc:docMk/>
+            <pc:sldMk cId="4279963756" sldId="265"/>
+            <ac:spMk id="3" creationId="{42AC4D36-32A9-A0C9-B73C-FABCCC6D8C22}"/>
+          </ac:spMkLst>
+        </pc:spChg>
+        <pc:picChg chg="add mod">
+          <ac:chgData name="Mohammad Javad" userId="22da5a1cdc82ebb5" providerId="LiveId" clId="{4882CF80-36C3-44AA-B04A-87A15BCA1E7B}" dt="2024-09-04T14:58:22.220" v="268" actId="1076"/>
+          <ac:picMkLst>
+            <pc:docMk/>
+            <pc:sldMk cId="4279963756" sldId="265"/>
+            <ac:picMk id="5" creationId="{989FD711-5C84-6C73-F0D5-0ACDB1678B1C}"/>
+          </ac:picMkLst>
+        </pc:picChg>
+      </pc:sldChg>
+      <pc:sldChg chg="addSp delSp modSp new mod">
+        <pc:chgData name="Mohammad Javad" userId="22da5a1cdc82ebb5" providerId="LiveId" clId="{4882CF80-36C3-44AA-B04A-87A15BCA1E7B}" dt="2024-09-04T16:19:57.202" v="278" actId="27636"/>
+        <pc:sldMkLst>
+          <pc:docMk/>
+          <pc:sldMk cId="158025217" sldId="266"/>
+        </pc:sldMkLst>
+        <pc:spChg chg="mod">
+          <ac:chgData name="Mohammad Javad" userId="22da5a1cdc82ebb5" providerId="LiveId" clId="{4882CF80-36C3-44AA-B04A-87A15BCA1E7B}" dt="2024-09-04T16:19:57.202" v="278" actId="27636"/>
+          <ac:spMkLst>
+            <pc:docMk/>
+            <pc:sldMk cId="158025217" sldId="266"/>
+            <ac:spMk id="2" creationId="{3052D91C-E56F-F645-6487-71835F6D074D}"/>
+          </ac:spMkLst>
+        </pc:spChg>
+        <pc:spChg chg="del">
+          <ac:chgData name="Mohammad Javad" userId="22da5a1cdc82ebb5" providerId="LiveId" clId="{4882CF80-36C3-44AA-B04A-87A15BCA1E7B}" dt="2024-09-04T16:18:46.002" v="270" actId="478"/>
+          <ac:spMkLst>
+            <pc:docMk/>
+            <pc:sldMk cId="158025217" sldId="266"/>
+            <ac:spMk id="3" creationId="{5CD9A7B9-4716-69D2-B460-1324CB24A8BD}"/>
+          </ac:spMkLst>
+        </pc:spChg>
+        <pc:picChg chg="add mod">
+          <ac:chgData name="Mohammad Javad" userId="22da5a1cdc82ebb5" providerId="LiveId" clId="{4882CF80-36C3-44AA-B04A-87A15BCA1E7B}" dt="2024-09-04T16:18:49.111" v="272" actId="1076"/>
+          <ac:picMkLst>
+            <pc:docMk/>
+            <pc:sldMk cId="158025217" sldId="266"/>
+            <ac:picMk id="5" creationId="{FF5FB5D5-5436-12CB-E18C-981A02204DEF}"/>
+          </ac:picMkLst>
+        </pc:picChg>
+      </pc:sldChg>
+      <pc:sldChg chg="addSp delSp modSp new mod">
+        <pc:chgData name="Mohammad Javad" userId="22da5a1cdc82ebb5" providerId="LiveId" clId="{4882CF80-36C3-44AA-B04A-87A15BCA1E7B}" dt="2024-09-04T16:31:53.088" v="288" actId="27636"/>
+        <pc:sldMkLst>
+          <pc:docMk/>
+          <pc:sldMk cId="3233955302" sldId="267"/>
+        </pc:sldMkLst>
+        <pc:spChg chg="mod">
+          <ac:chgData name="Mohammad Javad" userId="22da5a1cdc82ebb5" providerId="LiveId" clId="{4882CF80-36C3-44AA-B04A-87A15BCA1E7B}" dt="2024-09-04T16:31:53.088" v="288" actId="27636"/>
+          <ac:spMkLst>
+            <pc:docMk/>
+            <pc:sldMk cId="3233955302" sldId="267"/>
+            <ac:spMk id="2" creationId="{79835D4F-AAE2-3B70-C74C-97A98A8EBF8F}"/>
+          </ac:spMkLst>
+        </pc:spChg>
+        <pc:spChg chg="del">
+          <ac:chgData name="Mohammad Javad" userId="22da5a1cdc82ebb5" providerId="LiveId" clId="{4882CF80-36C3-44AA-B04A-87A15BCA1E7B}" dt="2024-09-04T16:31:22.172" v="280" actId="478"/>
+          <ac:spMkLst>
+            <pc:docMk/>
+            <pc:sldMk cId="3233955302" sldId="267"/>
+            <ac:spMk id="3" creationId="{826BD007-8DBD-6454-5E11-E11A73F0CFF8}"/>
+          </ac:spMkLst>
+        </pc:spChg>
+        <pc:picChg chg="add mod">
+          <ac:chgData name="Mohammad Javad" userId="22da5a1cdc82ebb5" providerId="LiveId" clId="{4882CF80-36C3-44AA-B04A-87A15BCA1E7B}" dt="2024-09-04T16:31:25.510" v="282" actId="1076"/>
+          <ac:picMkLst>
+            <pc:docMk/>
+            <pc:sldMk cId="3233955302" sldId="267"/>
+            <ac:picMk id="5" creationId="{CA51027A-2935-20B2-67BA-F1944AA6B8B7}"/>
+          </ac:picMkLst>
+        </pc:picChg>
+      </pc:sldChg>
     </pc:docChg>
   </pc:docChgLst>
 </pc:chgInfo>
@@ -522,7 +618,7 @@
           <a:p>
             <a:fld id="{7DC268E1-82E9-4883-963D-4A58FF6F19B8}" type="datetimeFigureOut">
               <a:rPr lang="en-US" smtClean="0"/>
-              <a:t>8/30/2024</a:t>
+              <a:t>9/4/2024</a:t>
             </a:fld>
             <a:endParaRPr lang="en-US"/>
           </a:p>
@@ -720,7 +816,7 @@
           <a:p>
             <a:fld id="{7DC268E1-82E9-4883-963D-4A58FF6F19B8}" type="datetimeFigureOut">
               <a:rPr lang="en-US" smtClean="0"/>
-              <a:t>8/30/2024</a:t>
+              <a:t>9/4/2024</a:t>
             </a:fld>
             <a:endParaRPr lang="en-US"/>
           </a:p>
@@ -928,7 +1024,7 @@
           <a:p>
             <a:fld id="{7DC268E1-82E9-4883-963D-4A58FF6F19B8}" type="datetimeFigureOut">
               <a:rPr lang="en-US" smtClean="0"/>
-              <a:t>8/30/2024</a:t>
+              <a:t>9/4/2024</a:t>
             </a:fld>
             <a:endParaRPr lang="en-US"/>
           </a:p>
@@ -1126,7 +1222,7 @@
           <a:p>
             <a:fld id="{7DC268E1-82E9-4883-963D-4A58FF6F19B8}" type="datetimeFigureOut">
               <a:rPr lang="en-US" smtClean="0"/>
-              <a:t>8/30/2024</a:t>
+              <a:t>9/4/2024</a:t>
             </a:fld>
             <a:endParaRPr lang="en-US"/>
           </a:p>
@@ -1401,7 +1497,7 @@
           <a:p>
             <a:fld id="{7DC268E1-82E9-4883-963D-4A58FF6F19B8}" type="datetimeFigureOut">
               <a:rPr lang="en-US" smtClean="0"/>
-              <a:t>8/30/2024</a:t>
+              <a:t>9/4/2024</a:t>
             </a:fld>
             <a:endParaRPr lang="en-US"/>
           </a:p>
@@ -1666,7 +1762,7 @@
           <a:p>
             <a:fld id="{7DC268E1-82E9-4883-963D-4A58FF6F19B8}" type="datetimeFigureOut">
               <a:rPr lang="en-US" smtClean="0"/>
-              <a:t>8/30/2024</a:t>
+              <a:t>9/4/2024</a:t>
             </a:fld>
             <a:endParaRPr lang="en-US"/>
           </a:p>
@@ -2078,7 +2174,7 @@
           <a:p>
             <a:fld id="{7DC268E1-82E9-4883-963D-4A58FF6F19B8}" type="datetimeFigureOut">
               <a:rPr lang="en-US" smtClean="0"/>
-              <a:t>8/30/2024</a:t>
+              <a:t>9/4/2024</a:t>
             </a:fld>
             <a:endParaRPr lang="en-US"/>
           </a:p>
@@ -2219,7 +2315,7 @@
           <a:p>
             <a:fld id="{7DC268E1-82E9-4883-963D-4A58FF6F19B8}" type="datetimeFigureOut">
               <a:rPr lang="en-US" smtClean="0"/>
-              <a:t>8/30/2024</a:t>
+              <a:t>9/4/2024</a:t>
             </a:fld>
             <a:endParaRPr lang="en-US"/>
           </a:p>
@@ -2332,7 +2428,7 @@
           <a:p>
             <a:fld id="{7DC268E1-82E9-4883-963D-4A58FF6F19B8}" type="datetimeFigureOut">
               <a:rPr lang="en-US" smtClean="0"/>
-              <a:t>8/30/2024</a:t>
+              <a:t>9/4/2024</a:t>
             </a:fld>
             <a:endParaRPr lang="en-US"/>
           </a:p>
@@ -2643,7 +2739,7 @@
           <a:p>
             <a:fld id="{7DC268E1-82E9-4883-963D-4A58FF6F19B8}" type="datetimeFigureOut">
               <a:rPr lang="en-US" smtClean="0"/>
-              <a:t>8/30/2024</a:t>
+              <a:t>9/4/2024</a:t>
             </a:fld>
             <a:endParaRPr lang="en-US"/>
           </a:p>
@@ -2931,7 +3027,7 @@
           <a:p>
             <a:fld id="{7DC268E1-82E9-4883-963D-4A58FF6F19B8}" type="datetimeFigureOut">
               <a:rPr lang="en-US" smtClean="0"/>
-              <a:t>8/30/2024</a:t>
+              <a:t>9/4/2024</a:t>
             </a:fld>
             <a:endParaRPr lang="en-US"/>
           </a:p>
@@ -3172,7 +3268,7 @@
           <a:p>
             <a:fld id="{7DC268E1-82E9-4883-963D-4A58FF6F19B8}" type="datetimeFigureOut">
               <a:rPr lang="en-US" smtClean="0"/>
-              <a:t>8/30/2024</a:t>
+              <a:t>9/4/2024</a:t>
             </a:fld>
             <a:endParaRPr lang="en-US"/>
           </a:p>
@@ -3628,6 +3724,629 @@
     <p:extLst>
       <p:ext uri="{BB962C8B-B14F-4D97-AF65-F5344CB8AC3E}">
         <p14:creationId xmlns:p14="http://schemas.microsoft.com/office/powerpoint/2010/main" val="2586775737"/>
+      </p:ext>
+    </p:extLst>
+  </p:cSld>
+  <p:clrMapOvr>
+    <a:masterClrMapping/>
+  </p:clrMapOvr>
+</p:sld>
+</file>
+
+<file path=ppt/slides/slide10.xml><?xml version="1.0" encoding="utf-8"?>
+<p:sld xmlns:a="http://schemas.openxmlformats.org/drawingml/2006/main" xmlns:r="http://schemas.openxmlformats.org/officeDocument/2006/relationships" xmlns:p="http://schemas.openxmlformats.org/presentationml/2006/main">
+  <p:cSld>
+    <p:spTree>
+      <p:nvGrpSpPr>
+        <p:cNvPr id="1" name=""/>
+        <p:cNvGrpSpPr/>
+        <p:nvPr/>
+      </p:nvGrpSpPr>
+      <p:grpSpPr>
+        <a:xfrm>
+          <a:off x="0" y="0"/>
+          <a:ext cx="0" cy="0"/>
+          <a:chOff x="0" y="0"/>
+          <a:chExt cx="0" cy="0"/>
+        </a:xfrm>
+      </p:grpSpPr>
+      <p:sp>
+        <p:nvSpPr>
+          <p:cNvPr id="2" name="Title 1">
+            <a:extLst>
+              <a:ext uri="{FF2B5EF4-FFF2-40B4-BE49-F238E27FC236}">
+                <a16:creationId xmlns:a16="http://schemas.microsoft.com/office/drawing/2014/main" id="{3CFBF073-04A2-4D72-ECD8-BFB55B2B2A22}"/>
+              </a:ext>
+            </a:extLst>
+          </p:cNvPr>
+          <p:cNvSpPr>
+            <a:spLocks noGrp="1"/>
+          </p:cNvSpPr>
+          <p:nvPr>
+            <p:ph type="title"/>
+          </p:nvPr>
+        </p:nvSpPr>
+        <p:spPr>
+          <a:xfrm>
+            <a:off x="209550" y="174625"/>
+            <a:ext cx="10515600" cy="1325563"/>
+          </a:xfrm>
+        </p:spPr>
+        <p:txBody>
+          <a:bodyPr>
+            <a:normAutofit fontScale="90000"/>
+          </a:bodyPr>
+          <a:lstStyle/>
+          <a:p>
+            <a:r>
+              <a:rPr lang="en-US" b="0" i="0" dirty="0" err="1">
+                <a:solidFill>
+                  <a:srgbClr val="212121"/>
+                </a:solidFill>
+                <a:effectLst/>
+                <a:latin typeface="Menlo"/>
+              </a:rPr>
+              <a:t>plotCombinedControlDesignVariation</a:t>
+            </a:r>
+            <a:br>
+              <a:rPr lang="en-US" b="0" i="0" dirty="0">
+                <a:solidFill>
+                  <a:srgbClr val="212121"/>
+                </a:solidFill>
+                <a:effectLst/>
+                <a:latin typeface="Menlo"/>
+              </a:rPr>
+            </a:br>
+            <a:r>
+              <a:rPr lang="en-US" sz="1800" b="0" i="0" dirty="0" err="1">
+                <a:effectLst/>
+                <a:latin typeface="Menlo"/>
+              </a:rPr>
+              <a:t>P_DG_Range</a:t>
+            </a:r>
+            <a:r>
+              <a:rPr lang="en-US" sz="1800" b="0" i="0" dirty="0">
+                <a:effectLst/>
+                <a:latin typeface="Menlo"/>
+              </a:rPr>
+              <a:t> = -15:step_size:10; </a:t>
+            </a:r>
+            <a:r>
+              <a:rPr lang="en-US" sz="1800" b="0" i="0" dirty="0">
+                <a:solidFill>
+                  <a:srgbClr val="008013"/>
+                </a:solidFill>
+                <a:effectLst/>
+                <a:latin typeface="Menlo"/>
+              </a:rPr>
+              <a:t>% Range for P_DG in linear scale</a:t>
+            </a:r>
+            <a:br>
+              <a:rPr lang="en-US" sz="1800" b="0" i="0" dirty="0">
+                <a:effectLst/>
+                <a:latin typeface="Menlo"/>
+              </a:rPr>
+            </a:br>
+            <a:r>
+              <a:rPr lang="en-US" sz="1800" b="0" i="0" dirty="0" err="1">
+                <a:effectLst/>
+                <a:latin typeface="Menlo"/>
+              </a:rPr>
+              <a:t>P_Line_Range</a:t>
+            </a:r>
+            <a:r>
+              <a:rPr lang="en-US" sz="1800" b="0" i="0" dirty="0">
+                <a:effectLst/>
+                <a:latin typeface="Menlo"/>
+              </a:rPr>
+              <a:t> = 0:step_size:15; </a:t>
+            </a:r>
+            <a:r>
+              <a:rPr lang="en-US" sz="1800" b="0" i="0" dirty="0">
+                <a:solidFill>
+                  <a:srgbClr val="008013"/>
+                </a:solidFill>
+                <a:effectLst/>
+                <a:latin typeface="Menlo"/>
+              </a:rPr>
+              <a:t>% Range for </a:t>
+            </a:r>
+            <a:r>
+              <a:rPr lang="en-US" sz="1800" b="0" i="0" dirty="0" err="1">
+                <a:solidFill>
+                  <a:srgbClr val="008013"/>
+                </a:solidFill>
+                <a:effectLst/>
+                <a:latin typeface="Menlo"/>
+              </a:rPr>
+              <a:t>P_Line</a:t>
+            </a:r>
+            <a:r>
+              <a:rPr lang="en-US" sz="1800" b="0" i="0" dirty="0">
+                <a:solidFill>
+                  <a:srgbClr val="008013"/>
+                </a:solidFill>
+                <a:effectLst/>
+                <a:latin typeface="Menlo"/>
+              </a:rPr>
+              <a:t> in linear scale</a:t>
+            </a:r>
+            <a:br>
+              <a:rPr lang="en-US" sz="1800" b="0" i="0" dirty="0">
+                <a:effectLst/>
+                <a:latin typeface="Menlo"/>
+              </a:rPr>
+            </a:br>
+            <a:endParaRPr lang="en-US" dirty="0"/>
+          </a:p>
+        </p:txBody>
+      </p:sp>
+      <p:pic>
+        <p:nvPicPr>
+          <p:cNvPr id="5" name="Picture 4">
+            <a:extLst>
+              <a:ext uri="{FF2B5EF4-FFF2-40B4-BE49-F238E27FC236}">
+                <a16:creationId xmlns:a16="http://schemas.microsoft.com/office/drawing/2014/main" id="{989FD711-5C84-6C73-F0D5-0ACDB1678B1C}"/>
+              </a:ext>
+            </a:extLst>
+          </p:cNvPr>
+          <p:cNvPicPr>
+            <a:picLocks noChangeAspect="1"/>
+          </p:cNvPicPr>
+          <p:nvPr/>
+        </p:nvPicPr>
+        <p:blipFill>
+          <a:blip r:embed="rId2"/>
+          <a:stretch>
+            <a:fillRect/>
+          </a:stretch>
+        </p:blipFill>
+        <p:spPr>
+          <a:xfrm>
+            <a:off x="0" y="1073150"/>
+            <a:ext cx="12192000" cy="6064250"/>
+          </a:xfrm>
+          <a:prstGeom prst="rect">
+            <a:avLst/>
+          </a:prstGeom>
+        </p:spPr>
+      </p:pic>
+    </p:spTree>
+    <p:extLst>
+      <p:ext uri="{BB962C8B-B14F-4D97-AF65-F5344CB8AC3E}">
+        <p14:creationId xmlns:p14="http://schemas.microsoft.com/office/powerpoint/2010/main" val="4279963756"/>
+      </p:ext>
+    </p:extLst>
+  </p:cSld>
+  <p:clrMapOvr>
+    <a:masterClrMapping/>
+  </p:clrMapOvr>
+</p:sld>
+</file>
+
+<file path=ppt/slides/slide11.xml><?xml version="1.0" encoding="utf-8"?>
+<p:sld xmlns:a="http://schemas.openxmlformats.org/drawingml/2006/main" xmlns:r="http://schemas.openxmlformats.org/officeDocument/2006/relationships" xmlns:p="http://schemas.openxmlformats.org/presentationml/2006/main">
+  <p:cSld>
+    <p:spTree>
+      <p:nvGrpSpPr>
+        <p:cNvPr id="1" name=""/>
+        <p:cNvGrpSpPr/>
+        <p:nvPr/>
+      </p:nvGrpSpPr>
+      <p:grpSpPr>
+        <a:xfrm>
+          <a:off x="0" y="0"/>
+          <a:ext cx="0" cy="0"/>
+          <a:chOff x="0" y="0"/>
+          <a:chExt cx="0" cy="0"/>
+        </a:xfrm>
+      </p:grpSpPr>
+      <p:sp>
+        <p:nvSpPr>
+          <p:cNvPr id="2" name="Title 1">
+            <a:extLst>
+              <a:ext uri="{FF2B5EF4-FFF2-40B4-BE49-F238E27FC236}">
+                <a16:creationId xmlns:a16="http://schemas.microsoft.com/office/drawing/2014/main" id="{3052D91C-E56F-F645-6487-71835F6D074D}"/>
+              </a:ext>
+            </a:extLst>
+          </p:cNvPr>
+          <p:cNvSpPr>
+            <a:spLocks noGrp="1"/>
+          </p:cNvSpPr>
+          <p:nvPr>
+            <p:ph type="title"/>
+          </p:nvPr>
+        </p:nvSpPr>
+        <p:spPr/>
+        <p:txBody>
+          <a:bodyPr>
+            <a:normAutofit fontScale="90000"/>
+          </a:bodyPr>
+          <a:lstStyle/>
+          <a:p>
+            <a:r>
+              <a:rPr lang="en-US" b="0" i="0" dirty="0" err="1">
+                <a:solidFill>
+                  <a:srgbClr val="212121"/>
+                </a:solidFill>
+                <a:effectLst/>
+                <a:latin typeface="Menlo"/>
+              </a:rPr>
+              <a:t>plotCombinedControlDesignVariation</a:t>
+            </a:r>
+            <a:br>
+              <a:rPr lang="en-US" b="0" i="0" dirty="0">
+                <a:solidFill>
+                  <a:srgbClr val="212121"/>
+                </a:solidFill>
+                <a:effectLst/>
+                <a:latin typeface="Menlo"/>
+              </a:rPr>
+            </a:br>
+            <a:r>
+              <a:rPr lang="en-US" sz="1800" b="0" i="0" dirty="0" err="1">
+                <a:effectLst/>
+                <a:latin typeface="Menlo"/>
+              </a:rPr>
+              <a:t>piVals</a:t>
+            </a:r>
+            <a:r>
+              <a:rPr lang="en-US" sz="1800" b="0" i="0" dirty="0">
+                <a:effectLst/>
+                <a:latin typeface="Menlo"/>
+              </a:rPr>
+              <a:t> = P_DG + </a:t>
+            </a:r>
+            <a:r>
+              <a:rPr lang="en-US" sz="1800" b="0" i="0" dirty="0" err="1">
+                <a:effectLst/>
+                <a:latin typeface="Menlo"/>
+              </a:rPr>
+              <a:t>deltaP_DG</a:t>
+            </a:r>
+            <a:r>
+              <a:rPr lang="en-US" sz="1800" b="0" i="0" dirty="0">
+                <a:effectLst/>
+                <a:latin typeface="Menlo"/>
+              </a:rPr>
+              <a:t> * rand(1, </a:t>
+            </a:r>
+            <a:r>
+              <a:rPr lang="en-US" sz="1800" b="0" i="0" dirty="0" err="1">
+                <a:effectLst/>
+                <a:latin typeface="Menlo"/>
+              </a:rPr>
+              <a:t>numOfDGs</a:t>
+            </a:r>
+            <a:r>
+              <a:rPr lang="en-US" sz="1800" b="0" i="0" dirty="0">
+                <a:effectLst/>
+                <a:latin typeface="Menlo"/>
+              </a:rPr>
+              <a:t>);</a:t>
+            </a:r>
+            <a:br>
+              <a:rPr lang="en-US" sz="1800" b="0" i="0" dirty="0">
+                <a:effectLst/>
+                <a:latin typeface="Menlo"/>
+              </a:rPr>
+            </a:br>
+            <a:r>
+              <a:rPr lang="en-US" sz="1800" b="0" i="0" dirty="0" err="1">
+                <a:effectLst/>
+                <a:latin typeface="Menlo"/>
+              </a:rPr>
+              <a:t>plVals</a:t>
+            </a:r>
+            <a:r>
+              <a:rPr lang="en-US" sz="1800" b="0" i="0" dirty="0">
+                <a:effectLst/>
+                <a:latin typeface="Menlo"/>
+              </a:rPr>
+              <a:t> = </a:t>
+            </a:r>
+            <a:r>
+              <a:rPr lang="en-US" sz="1800" b="0" i="0" dirty="0" err="1">
+                <a:effectLst/>
+                <a:latin typeface="Menlo"/>
+              </a:rPr>
+              <a:t>P_Line</a:t>
+            </a:r>
+            <a:r>
+              <a:rPr lang="en-US" sz="1800" b="0" i="0" dirty="0">
+                <a:effectLst/>
+                <a:latin typeface="Menlo"/>
+              </a:rPr>
+              <a:t> + </a:t>
+            </a:r>
+            <a:r>
+              <a:rPr lang="en-US" sz="1800" b="0" i="0" dirty="0" err="1">
+                <a:effectLst/>
+                <a:latin typeface="Menlo"/>
+              </a:rPr>
+              <a:t>deltaP_Line</a:t>
+            </a:r>
+            <a:r>
+              <a:rPr lang="en-US" sz="1800" b="0" i="0" dirty="0">
+                <a:effectLst/>
+                <a:latin typeface="Menlo"/>
+              </a:rPr>
+              <a:t> * rand(1, </a:t>
+            </a:r>
+            <a:r>
+              <a:rPr lang="en-US" sz="1800" b="0" i="0" dirty="0" err="1">
+                <a:effectLst/>
+                <a:latin typeface="Menlo"/>
+              </a:rPr>
+              <a:t>numOfLines</a:t>
+            </a:r>
+            <a:r>
+              <a:rPr lang="en-US" sz="1800" b="0" i="0" dirty="0">
+                <a:effectLst/>
+                <a:latin typeface="Menlo"/>
+              </a:rPr>
+              <a:t>);</a:t>
+            </a:r>
+            <a:br>
+              <a:rPr lang="en-US" sz="1800" b="0" i="0" dirty="0">
+                <a:effectLst/>
+                <a:latin typeface="Menlo"/>
+              </a:rPr>
+            </a:br>
+            <a:endParaRPr lang="en-US" dirty="0"/>
+          </a:p>
+        </p:txBody>
+      </p:sp>
+      <p:pic>
+        <p:nvPicPr>
+          <p:cNvPr id="5" name="Picture 4">
+            <a:extLst>
+              <a:ext uri="{FF2B5EF4-FFF2-40B4-BE49-F238E27FC236}">
+                <a16:creationId xmlns:a16="http://schemas.microsoft.com/office/drawing/2014/main" id="{FF5FB5D5-5436-12CB-E18C-981A02204DEF}"/>
+              </a:ext>
+            </a:extLst>
+          </p:cNvPr>
+          <p:cNvPicPr>
+            <a:picLocks noChangeAspect="1"/>
+          </p:cNvPicPr>
+          <p:nvPr/>
+        </p:nvPicPr>
+        <p:blipFill>
+          <a:blip r:embed="rId2"/>
+          <a:stretch>
+            <a:fillRect/>
+          </a:stretch>
+        </p:blipFill>
+        <p:spPr>
+          <a:xfrm>
+            <a:off x="3971925" y="2466975"/>
+            <a:ext cx="4248150" cy="3181350"/>
+          </a:xfrm>
+          <a:prstGeom prst="rect">
+            <a:avLst/>
+          </a:prstGeom>
+        </p:spPr>
+      </p:pic>
+    </p:spTree>
+    <p:extLst>
+      <p:ext uri="{BB962C8B-B14F-4D97-AF65-F5344CB8AC3E}">
+        <p14:creationId xmlns:p14="http://schemas.microsoft.com/office/powerpoint/2010/main" val="158025217"/>
+      </p:ext>
+    </p:extLst>
+  </p:cSld>
+  <p:clrMapOvr>
+    <a:masterClrMapping/>
+  </p:clrMapOvr>
+</p:sld>
+</file>
+
+<file path=ppt/slides/slide12.xml><?xml version="1.0" encoding="utf-8"?>
+<p:sld xmlns:a="http://schemas.openxmlformats.org/drawingml/2006/main" xmlns:r="http://schemas.openxmlformats.org/officeDocument/2006/relationships" xmlns:p="http://schemas.openxmlformats.org/presentationml/2006/main">
+  <p:cSld>
+    <p:spTree>
+      <p:nvGrpSpPr>
+        <p:cNvPr id="1" name=""/>
+        <p:cNvGrpSpPr/>
+        <p:nvPr/>
+      </p:nvGrpSpPr>
+      <p:grpSpPr>
+        <a:xfrm>
+          <a:off x="0" y="0"/>
+          <a:ext cx="0" cy="0"/>
+          <a:chOff x="0" y="0"/>
+          <a:chExt cx="0" cy="0"/>
+        </a:xfrm>
+      </p:grpSpPr>
+      <p:sp>
+        <p:nvSpPr>
+          <p:cNvPr id="2" name="Title 1">
+            <a:extLst>
+              <a:ext uri="{FF2B5EF4-FFF2-40B4-BE49-F238E27FC236}">
+                <a16:creationId xmlns:a16="http://schemas.microsoft.com/office/drawing/2014/main" id="{79835D4F-AAE2-3B70-C74C-97A98A8EBF8F}"/>
+              </a:ext>
+            </a:extLst>
+          </p:cNvPr>
+          <p:cNvSpPr>
+            <a:spLocks noGrp="1"/>
+          </p:cNvSpPr>
+          <p:nvPr>
+            <p:ph type="title"/>
+          </p:nvPr>
+        </p:nvSpPr>
+        <p:spPr/>
+        <p:txBody>
+          <a:bodyPr>
+            <a:normAutofit fontScale="90000"/>
+          </a:bodyPr>
+          <a:lstStyle/>
+          <a:p>
+            <a:r>
+              <a:rPr lang="en-US" b="0" i="0" dirty="0" err="1">
+                <a:solidFill>
+                  <a:srgbClr val="212121"/>
+                </a:solidFill>
+                <a:effectLst/>
+                <a:latin typeface="Menlo"/>
+              </a:rPr>
+              <a:t>plotCombinedControlDesignVariation</a:t>
+            </a:r>
+            <a:br>
+              <a:rPr lang="en-US" b="0" i="0" dirty="0">
+                <a:solidFill>
+                  <a:srgbClr val="212121"/>
+                </a:solidFill>
+                <a:effectLst/>
+                <a:latin typeface="Menlo"/>
+              </a:rPr>
+            </a:br>
+            <a:r>
+              <a:rPr lang="en-US" sz="1800" b="0" i="0" dirty="0" err="1">
+                <a:effectLst/>
+                <a:latin typeface="Menlo"/>
+              </a:rPr>
+              <a:t>piVals</a:t>
+            </a:r>
+            <a:r>
+              <a:rPr lang="en-US" sz="1800" b="0" i="0" dirty="0">
+                <a:effectLst/>
+                <a:latin typeface="Menlo"/>
+              </a:rPr>
+              <a:t> = P_DG + rand(1, </a:t>
+            </a:r>
+            <a:r>
+              <a:rPr lang="en-US" sz="1800" b="0" i="0" dirty="0" err="1">
+                <a:effectLst/>
+                <a:latin typeface="Menlo"/>
+              </a:rPr>
+              <a:t>numOfDGs</a:t>
+            </a:r>
+            <a:r>
+              <a:rPr lang="en-US" sz="1800" b="0" i="0" dirty="0">
+                <a:effectLst/>
+                <a:latin typeface="Menlo"/>
+              </a:rPr>
+              <a:t>) + 1/2 * </a:t>
+            </a:r>
+            <a:r>
+              <a:rPr lang="en-US" sz="1800" b="0" i="0" dirty="0" err="1">
+                <a:effectLst/>
+                <a:latin typeface="Menlo"/>
+              </a:rPr>
+              <a:t>deltaP_DG</a:t>
+            </a:r>
+            <a:r>
+              <a:rPr lang="en-US" sz="1800" b="0" i="0" dirty="0">
+                <a:effectLst/>
+                <a:latin typeface="Menlo"/>
+              </a:rPr>
+              <a:t>;</a:t>
+            </a:r>
+            <a:br>
+              <a:rPr lang="en-US" sz="1800" b="0" i="0" dirty="0">
+                <a:effectLst/>
+                <a:latin typeface="Menlo"/>
+              </a:rPr>
+            </a:br>
+            <a:r>
+              <a:rPr lang="en-US" sz="1800" b="0" i="0" dirty="0" err="1">
+                <a:effectLst/>
+                <a:latin typeface="Menlo"/>
+              </a:rPr>
+              <a:t>plVals</a:t>
+            </a:r>
+            <a:r>
+              <a:rPr lang="en-US" sz="1800" b="0" i="0" dirty="0">
+                <a:effectLst/>
+                <a:latin typeface="Menlo"/>
+              </a:rPr>
+              <a:t> = </a:t>
+            </a:r>
+            <a:r>
+              <a:rPr lang="en-US" sz="1800" b="0" i="0" dirty="0" err="1">
+                <a:effectLst/>
+                <a:latin typeface="Menlo"/>
+              </a:rPr>
+              <a:t>P_Line</a:t>
+            </a:r>
+            <a:r>
+              <a:rPr lang="en-US" sz="1800" b="0" i="0" dirty="0">
+                <a:effectLst/>
+                <a:latin typeface="Menlo"/>
+              </a:rPr>
+              <a:t> + rand(1, </a:t>
+            </a:r>
+            <a:r>
+              <a:rPr lang="en-US" sz="1800" b="0" i="0" dirty="0" err="1">
+                <a:effectLst/>
+                <a:latin typeface="Menlo"/>
+              </a:rPr>
+              <a:t>numOfLines</a:t>
+            </a:r>
+            <a:r>
+              <a:rPr lang="en-US" sz="1800" b="0" i="0" dirty="0">
+                <a:effectLst/>
+                <a:latin typeface="Menlo"/>
+              </a:rPr>
+              <a:t>) + 1/2 * </a:t>
+            </a:r>
+            <a:r>
+              <a:rPr lang="en-US" sz="1800" b="0" i="0" dirty="0" err="1">
+                <a:effectLst/>
+                <a:latin typeface="Menlo"/>
+              </a:rPr>
+              <a:t>deltaP_Line</a:t>
+            </a:r>
+            <a:r>
+              <a:rPr lang="en-US" sz="1800" b="0" i="0" dirty="0">
+                <a:effectLst/>
+                <a:latin typeface="Menlo"/>
+              </a:rPr>
+              <a:t>;</a:t>
+            </a:r>
+            <a:br>
+              <a:rPr lang="en-US" sz="1800" b="0" i="0" dirty="0">
+                <a:effectLst/>
+                <a:latin typeface="Menlo"/>
+              </a:rPr>
+            </a:br>
+            <a:endParaRPr lang="en-US" dirty="0"/>
+          </a:p>
+        </p:txBody>
+      </p:sp>
+      <p:pic>
+        <p:nvPicPr>
+          <p:cNvPr id="5" name="Picture 4">
+            <a:extLst>
+              <a:ext uri="{FF2B5EF4-FFF2-40B4-BE49-F238E27FC236}">
+                <a16:creationId xmlns:a16="http://schemas.microsoft.com/office/drawing/2014/main" id="{CA51027A-2935-20B2-67BA-F1944AA6B8B7}"/>
+              </a:ext>
+            </a:extLst>
+          </p:cNvPr>
+          <p:cNvPicPr>
+            <a:picLocks noChangeAspect="1"/>
+          </p:cNvPicPr>
+          <p:nvPr/>
+        </p:nvPicPr>
+        <p:blipFill>
+          <a:blip r:embed="rId2"/>
+          <a:stretch>
+            <a:fillRect/>
+          </a:stretch>
+        </p:blipFill>
+        <p:spPr>
+          <a:xfrm>
+            <a:off x="3629025" y="2514600"/>
+            <a:ext cx="4248150" cy="3181350"/>
+          </a:xfrm>
+          <a:prstGeom prst="rect">
+            <a:avLst/>
+          </a:prstGeom>
+        </p:spPr>
+      </p:pic>
+    </p:spTree>
+    <p:extLst>
+      <p:ext uri="{BB962C8B-B14F-4D97-AF65-F5344CB8AC3E}">
+        <p14:creationId xmlns:p14="http://schemas.microsoft.com/office/powerpoint/2010/main" val="3233955302"/>
       </p:ext>
     </p:extLst>
   </p:cSld>

--- a/Results/Powepoint_Results.pptx
+++ b/Results/Powepoint_Results.pptx
@@ -128,13 +128,18 @@
       </a:defRPr>
     </a:lvl9pPr>
   </p:defaultTextStyle>
+  <p:extLst>
+    <p:ext uri="{EFAFB233-063F-42B5-8137-9DF3F51BA10A}">
+      <p15:sldGuideLst xmlns:p15="http://schemas.microsoft.com/office/powerpoint/2012/main"/>
+    </p:ext>
+  </p:extLst>
 </p:presentation>
 </file>
 
 <file path=ppt/revisionInfo.xml><?xml version="1.0" encoding="utf-8"?>
 <p1510:revInfo xmlns:a="http://schemas.openxmlformats.org/drawingml/2006/main" xmlns:r="http://schemas.openxmlformats.org/officeDocument/2006/relationships" xmlns:p1510="http://schemas.microsoft.com/office/powerpoint/2015/10/main">
   <p1510:revLst>
-    <p1510:client id="{4882CF80-36C3-44AA-B04A-87A15BCA1E7B}" v="3" dt="2024-09-05T16:37:45.843"/>
+    <p1510:client id="{4882CF80-36C3-44AA-B04A-87A15BCA1E7B}" v="4" dt="2024-09-05T21:31:50.474"/>
   </p1510:revLst>
 </p1510:revInfo>
 </file>
@@ -143,11 +148,26 @@
 <pc:chgInfo xmlns:a="http://schemas.openxmlformats.org/drawingml/2006/main" xmlns:r="http://schemas.openxmlformats.org/officeDocument/2006/relationships" xmlns:ac="http://schemas.microsoft.com/office/drawing/2013/main/command" xmlns:pc="http://schemas.microsoft.com/office/powerpoint/2013/main/command">
   <pc:docChgLst>
     <pc:chgData name="Mohammad Javad" userId="22da5a1cdc82ebb5" providerId="LiveId" clId="{4882CF80-36C3-44AA-B04A-87A15BCA1E7B}"/>
-    <pc:docChg chg="custSel addSld modSld">
-      <pc:chgData name="Mohammad Javad" userId="22da5a1cdc82ebb5" providerId="LiveId" clId="{4882CF80-36C3-44AA-B04A-87A15BCA1E7B}" dt="2024-09-05T16:38:34.139" v="33" actId="1076"/>
+    <pc:docChg chg="custSel addSld delSld modSld">
+      <pc:chgData name="Mohammad Javad" userId="22da5a1cdc82ebb5" providerId="LiveId" clId="{4882CF80-36C3-44AA-B04A-87A15BCA1E7B}" dt="2024-09-05T21:32:31.959" v="41" actId="2696"/>
       <pc:docMkLst>
         <pc:docMk/>
       </pc:docMkLst>
+      <pc:sldChg chg="modSp mod">
+        <pc:chgData name="Mohammad Javad" userId="22da5a1cdc82ebb5" providerId="LiveId" clId="{4882CF80-36C3-44AA-B04A-87A15BCA1E7B}" dt="2024-09-05T21:21:53.098" v="35" actId="1076"/>
+        <pc:sldMkLst>
+          <pc:docMk/>
+          <pc:sldMk cId="0" sldId="263"/>
+        </pc:sldMkLst>
+        <pc:picChg chg="mod">
+          <ac:chgData name="Mohammad Javad" userId="22da5a1cdc82ebb5" providerId="LiveId" clId="{4882CF80-36C3-44AA-B04A-87A15BCA1E7B}" dt="2024-09-05T21:21:53.098" v="35" actId="1076"/>
+          <ac:picMkLst>
+            <pc:docMk/>
+            <pc:sldMk cId="0" sldId="263"/>
+            <ac:picMk id="80" creationId="{00000000-0000-0000-0000-000000000000}"/>
+          </ac:picMkLst>
+        </pc:picChg>
+      </pc:sldChg>
       <pc:sldChg chg="addSp delSp modSp new mod">
         <pc:chgData name="Mohammad Javad" userId="22da5a1cdc82ebb5" providerId="LiveId" clId="{4882CF80-36C3-44AA-B04A-87A15BCA1E7B}" dt="2024-09-05T16:38:34.139" v="33" actId="1076"/>
         <pc:sldMkLst>
@@ -178,6 +198,29 @@
             <ac:picMk id="4" creationId="{B1A09C91-CB8E-9AC5-099C-060126C85C23}"/>
           </ac:picMkLst>
         </pc:picChg>
+      </pc:sldChg>
+      <pc:sldChg chg="delSp modSp new del mod">
+        <pc:chgData name="Mohammad Javad" userId="22da5a1cdc82ebb5" providerId="LiveId" clId="{4882CF80-36C3-44AA-B04A-87A15BCA1E7B}" dt="2024-09-05T21:32:31.959" v="41" actId="2696"/>
+        <pc:sldMkLst>
+          <pc:docMk/>
+          <pc:sldMk cId="2140541568" sldId="271"/>
+        </pc:sldMkLst>
+        <pc:spChg chg="mod">
+          <ac:chgData name="Mohammad Javad" userId="22da5a1cdc82ebb5" providerId="LiveId" clId="{4882CF80-36C3-44AA-B04A-87A15BCA1E7B}" dt="2024-09-05T21:31:54.479" v="39" actId="255"/>
+          <ac:spMkLst>
+            <pc:docMk/>
+            <pc:sldMk cId="2140541568" sldId="271"/>
+            <ac:spMk id="2" creationId="{5306BFF1-2486-4AEE-75FD-6E5916ED805D}"/>
+          </ac:spMkLst>
+        </pc:spChg>
+        <pc:spChg chg="del">
+          <ac:chgData name="Mohammad Javad" userId="22da5a1cdc82ebb5" providerId="LiveId" clId="{4882CF80-36C3-44AA-B04A-87A15BCA1E7B}" dt="2024-09-05T21:31:57.310" v="40" actId="478"/>
+          <ac:spMkLst>
+            <pc:docMk/>
+            <pc:sldMk cId="2140541568" sldId="271"/>
+            <ac:spMk id="3" creationId="{708D9CFA-1766-8563-0BA7-4ED386436063}"/>
+          </ac:spMkLst>
+        </pc:spChg>
       </pc:sldChg>
     </pc:docChg>
   </pc:docChgLst>
@@ -11454,7 +11497,7 @@
         </p:blipFill>
         <p:spPr>
           <a:xfrm>
-            <a:off x="2990880" y="2324160"/>
+            <a:off x="3105180" y="2028885"/>
             <a:ext cx="5333760" cy="4000320"/>
           </a:xfrm>
           <a:prstGeom prst="rect">

--- a/Results/Powepoint_Results.pptx
+++ b/Results/Powepoint_Results.pptx
@@ -30,6 +30,7 @@
     <p:sldId id="268" r:id="rId24"/>
     <p:sldId id="269" r:id="rId25"/>
     <p:sldId id="270" r:id="rId26"/>
+    <p:sldId id="271" r:id="rId27"/>
   </p:sldIdLst>
   <p:sldSz cx="12192000" cy="6858000"/>
   <p:notesSz cx="7559675" cy="10691813"/>
@@ -139,7 +140,7 @@
 <file path=ppt/revisionInfo.xml><?xml version="1.0" encoding="utf-8"?>
 <p1510:revInfo xmlns:a="http://schemas.openxmlformats.org/drawingml/2006/main" xmlns:r="http://schemas.openxmlformats.org/officeDocument/2006/relationships" xmlns:p1510="http://schemas.microsoft.com/office/powerpoint/2015/10/main">
   <p1510:revLst>
-    <p1510:client id="{4882CF80-36C3-44AA-B04A-87A15BCA1E7B}" v="4" dt="2024-09-05T21:31:50.474"/>
+    <p1510:client id="{4882CF80-36C3-44AA-B04A-87A15BCA1E7B}" v="8" dt="2024-09-06T13:20:36.633"/>
   </p1510:revLst>
 </p1510:revInfo>
 </file>
@@ -148,8 +149,8 @@
 <pc:chgInfo xmlns:a="http://schemas.openxmlformats.org/drawingml/2006/main" xmlns:r="http://schemas.openxmlformats.org/officeDocument/2006/relationships" xmlns:ac="http://schemas.microsoft.com/office/drawing/2013/main/command" xmlns:pc="http://schemas.microsoft.com/office/powerpoint/2013/main/command">
   <pc:docChgLst>
     <pc:chgData name="Mohammad Javad" userId="22da5a1cdc82ebb5" providerId="LiveId" clId="{4882CF80-36C3-44AA-B04A-87A15BCA1E7B}"/>
-    <pc:docChg chg="custSel addSld delSld modSld">
-      <pc:chgData name="Mohammad Javad" userId="22da5a1cdc82ebb5" providerId="LiveId" clId="{4882CF80-36C3-44AA-B04A-87A15BCA1E7B}" dt="2024-09-05T21:32:31.959" v="41" actId="2696"/>
+    <pc:docChg chg="undo custSel addSld delSld modSld">
+      <pc:chgData name="Mohammad Javad" userId="22da5a1cdc82ebb5" providerId="LiveId" clId="{4882CF80-36C3-44AA-B04A-87A15BCA1E7B}" dt="2024-09-06T13:20:52.595" v="56" actId="1076"/>
       <pc:docMkLst>
         <pc:docMk/>
       </pc:docMkLst>
@@ -221,6 +222,45 @@
             <ac:spMk id="3" creationId="{708D9CFA-1766-8563-0BA7-4ED386436063}"/>
           </ac:spMkLst>
         </pc:spChg>
+      </pc:sldChg>
+      <pc:sldChg chg="addSp delSp modSp new mod">
+        <pc:chgData name="Mohammad Javad" userId="22da5a1cdc82ebb5" providerId="LiveId" clId="{4882CF80-36C3-44AA-B04A-87A15BCA1E7B}" dt="2024-09-06T13:20:52.595" v="56" actId="1076"/>
+        <pc:sldMkLst>
+          <pc:docMk/>
+          <pc:sldMk cId="2730140723" sldId="271"/>
+        </pc:sldMkLst>
+        <pc:spChg chg="mod">
+          <ac:chgData name="Mohammad Javad" userId="22da5a1cdc82ebb5" providerId="LiveId" clId="{4882CF80-36C3-44AA-B04A-87A15BCA1E7B}" dt="2024-09-06T13:20:49.190" v="55" actId="1076"/>
+          <ac:spMkLst>
+            <pc:docMk/>
+            <pc:sldMk cId="2730140723" sldId="271"/>
+            <ac:spMk id="2" creationId="{0C10DAB2-30A9-3DD0-6D38-8856390A54DC}"/>
+          </ac:spMkLst>
+        </pc:spChg>
+        <pc:spChg chg="del">
+          <ac:chgData name="Mohammad Javad" userId="22da5a1cdc82ebb5" providerId="LiveId" clId="{4882CF80-36C3-44AA-B04A-87A15BCA1E7B}" dt="2024-09-06T13:19:25.991" v="46" actId="478"/>
+          <ac:spMkLst>
+            <pc:docMk/>
+            <pc:sldMk cId="2730140723" sldId="271"/>
+            <ac:spMk id="3" creationId="{39F4D140-2249-3AEB-862E-9725BE2B32E9}"/>
+          </ac:spMkLst>
+        </pc:spChg>
+        <pc:spChg chg="add del">
+          <ac:chgData name="Mohammad Javad" userId="22da5a1cdc82ebb5" providerId="LiveId" clId="{4882CF80-36C3-44AA-B04A-87A15BCA1E7B}" dt="2024-09-06T13:20:20.865" v="52"/>
+          <ac:spMkLst>
+            <pc:docMk/>
+            <pc:sldMk cId="2730140723" sldId="271"/>
+            <ac:spMk id="5" creationId="{69948A09-827C-3AB1-FC80-E5867CF653F0}"/>
+          </ac:spMkLst>
+        </pc:spChg>
+        <pc:picChg chg="add mod">
+          <ac:chgData name="Mohammad Javad" userId="22da5a1cdc82ebb5" providerId="LiveId" clId="{4882CF80-36C3-44AA-B04A-87A15BCA1E7B}" dt="2024-09-06T13:20:52.595" v="56" actId="1076"/>
+          <ac:picMkLst>
+            <pc:docMk/>
+            <pc:sldMk cId="2730140723" sldId="271"/>
+            <ac:picMk id="6" creationId="{0658354D-BF34-3CB6-37AB-B975C835DAAE}"/>
+          </ac:picMkLst>
+        </pc:picChg>
       </pc:sldChg>
     </pc:docChg>
   </pc:docChgLst>
@@ -10722,6 +10762,230 @@
     <p:extLst>
       <p:ext uri="{BB962C8B-B14F-4D97-AF65-F5344CB8AC3E}">
         <p14:creationId xmlns:p14="http://schemas.microsoft.com/office/powerpoint/2010/main" val="4237311976"/>
+      </p:ext>
+    </p:extLst>
+  </p:cSld>
+  <p:clrMapOvr>
+    <a:masterClrMapping/>
+  </p:clrMapOvr>
+</p:sld>
+</file>
+
+<file path=ppt/slides/slide16.xml><?xml version="1.0" encoding="utf-8"?>
+<p:sld xmlns:a="http://schemas.openxmlformats.org/drawingml/2006/main" xmlns:r="http://schemas.openxmlformats.org/officeDocument/2006/relationships" xmlns:p="http://schemas.openxmlformats.org/presentationml/2006/main">
+  <p:cSld>
+    <p:spTree>
+      <p:nvGrpSpPr>
+        <p:cNvPr id="1" name=""/>
+        <p:cNvGrpSpPr/>
+        <p:nvPr/>
+      </p:nvGrpSpPr>
+      <p:grpSpPr>
+        <a:xfrm>
+          <a:off x="0" y="0"/>
+          <a:ext cx="0" cy="0"/>
+          <a:chOff x="0" y="0"/>
+          <a:chExt cx="0" cy="0"/>
+        </a:xfrm>
+      </p:grpSpPr>
+      <p:sp>
+        <p:nvSpPr>
+          <p:cNvPr id="2" name="Title 1">
+            <a:extLst>
+              <a:ext uri="{FF2B5EF4-FFF2-40B4-BE49-F238E27FC236}">
+                <a16:creationId xmlns:a16="http://schemas.microsoft.com/office/drawing/2014/main" id="{0C10DAB2-30A9-3DD0-6D38-8856390A54DC}"/>
+              </a:ext>
+            </a:extLst>
+          </p:cNvPr>
+          <p:cNvSpPr>
+            <a:spLocks noGrp="1"/>
+          </p:cNvSpPr>
+          <p:nvPr>
+            <p:ph type="title"/>
+          </p:nvPr>
+        </p:nvSpPr>
+        <p:spPr>
+          <a:xfrm>
+            <a:off x="85605" y="-92160"/>
+            <a:ext cx="10515240" cy="1325160"/>
+          </a:xfrm>
+        </p:spPr>
+        <p:txBody>
+          <a:bodyPr/>
+          <a:lstStyle/>
+          <a:p>
+            <a:r>
+              <a:rPr lang="en-US" sz="1200" b="0" i="0" dirty="0">
+                <a:solidFill>
+                  <a:srgbClr val="0E00FF"/>
+                </a:solidFill>
+                <a:effectLst/>
+                <a:latin typeface="Menlo"/>
+              </a:rPr>
+              <a:t>function </a:t>
+            </a:r>
+            <a:r>
+              <a:rPr lang="en-US" sz="1200" b="0" i="0" dirty="0" err="1">
+                <a:effectLst/>
+                <a:latin typeface="Menlo"/>
+              </a:rPr>
+              <a:t>plotTestBothFeasibility</a:t>
+            </a:r>
+            <a:br>
+              <a:rPr lang="en-US" sz="1200" b="0" i="0" dirty="0">
+                <a:effectLst/>
+                <a:latin typeface="Menlo"/>
+              </a:rPr>
+            </a:br>
+            <a:r>
+              <a:rPr lang="en-US" sz="1200" b="0" i="0" dirty="0" err="1">
+                <a:effectLst/>
+                <a:latin typeface="Menlo"/>
+              </a:rPr>
+              <a:t>step_size</a:t>
+            </a:r>
+            <a:r>
+              <a:rPr lang="en-US" sz="1200" b="0" i="0" dirty="0">
+                <a:effectLst/>
+                <a:latin typeface="Menlo"/>
+              </a:rPr>
+              <a:t> = 0.5;</a:t>
+            </a:r>
+            <a:br>
+              <a:rPr lang="en-US" sz="1200" b="0" i="0" dirty="0">
+                <a:effectLst/>
+                <a:latin typeface="Menlo"/>
+              </a:rPr>
+            </a:br>
+            <a:r>
+              <a:rPr lang="en-US" sz="1200" b="0" i="0" dirty="0" err="1">
+                <a:effectLst/>
+                <a:latin typeface="Menlo"/>
+              </a:rPr>
+              <a:t>piRange</a:t>
+            </a:r>
+            <a:r>
+              <a:rPr lang="en-US" sz="1200" b="0" i="0" dirty="0">
+                <a:effectLst/>
+                <a:latin typeface="Menlo"/>
+              </a:rPr>
+              <a:t> = 10.^(-5:step_size:5); </a:t>
+            </a:r>
+            <a:br>
+              <a:rPr lang="en-US" sz="1200" b="0" i="0" dirty="0">
+                <a:effectLst/>
+                <a:latin typeface="Menlo"/>
+              </a:rPr>
+            </a:br>
+            <a:r>
+              <a:rPr lang="en-US" sz="1200" b="0" i="0" dirty="0" err="1">
+                <a:effectLst/>
+                <a:latin typeface="Menlo"/>
+              </a:rPr>
+              <a:t>plRange</a:t>
+            </a:r>
+            <a:r>
+              <a:rPr lang="en-US" sz="1200" b="0" i="0" dirty="0">
+                <a:effectLst/>
+                <a:latin typeface="Menlo"/>
+              </a:rPr>
+              <a:t> = 10.^(-5:step_size:5;</a:t>
+            </a:r>
+            <a:br>
+              <a:rPr lang="en-US" sz="1200" b="0" i="0" dirty="0">
+                <a:effectLst/>
+                <a:latin typeface="Menlo"/>
+              </a:rPr>
+            </a:br>
+            <a:r>
+              <a:rPr lang="en-US" sz="1200" b="0" i="0" dirty="0" err="1">
+                <a:effectLst/>
+                <a:latin typeface="Menlo"/>
+              </a:rPr>
+              <a:t>squareSize</a:t>
+            </a:r>
+            <a:r>
+              <a:rPr lang="en-US" sz="1200" b="0" i="0" dirty="0">
+                <a:effectLst/>
+                <a:latin typeface="Menlo"/>
+              </a:rPr>
+              <a:t> = </a:t>
+            </a:r>
+            <a:r>
+              <a:rPr lang="en-US" sz="1200" b="0" i="0" dirty="0" err="1">
+                <a:effectLst/>
+                <a:latin typeface="Menlo"/>
+              </a:rPr>
+              <a:t>step_size</a:t>
+            </a:r>
+            <a:br>
+              <a:rPr lang="en-US" sz="1200" b="0" i="0" dirty="0">
+                <a:effectLst/>
+                <a:latin typeface="Menlo"/>
+              </a:rPr>
+            </a:br>
+            <a:r>
+              <a:rPr lang="en-US" sz="1200" b="0" i="0" dirty="0">
+                <a:solidFill>
+                  <a:srgbClr val="008013"/>
+                </a:solidFill>
+                <a:effectLst/>
+                <a:latin typeface="Menlo"/>
+              </a:rPr>
+              <a:t> </a:t>
+            </a:r>
+            <a:r>
+              <a:rPr lang="en-US" sz="1200" b="0" i="0" dirty="0" err="1">
+                <a:effectLst/>
+                <a:latin typeface="Menlo"/>
+              </a:rPr>
+              <a:t>numRandomPoints</a:t>
+            </a:r>
+            <a:r>
+              <a:rPr lang="en-US" sz="1200" b="0" i="0" dirty="0">
+                <a:effectLst/>
+                <a:latin typeface="Menlo"/>
+              </a:rPr>
+              <a:t> = 10;</a:t>
+            </a:r>
+            <a:endParaRPr lang="en-US" sz="1200" dirty="0"/>
+          </a:p>
+        </p:txBody>
+      </p:sp>
+      <p:pic>
+        <p:nvPicPr>
+          <p:cNvPr id="6" name="Picture 5">
+            <a:extLst>
+              <a:ext uri="{FF2B5EF4-FFF2-40B4-BE49-F238E27FC236}">
+                <a16:creationId xmlns:a16="http://schemas.microsoft.com/office/drawing/2014/main" id="{0658354D-BF34-3CB6-37AB-B975C835DAAE}"/>
+              </a:ext>
+            </a:extLst>
+          </p:cNvPr>
+          <p:cNvPicPr>
+            <a:picLocks noChangeAspect="1"/>
+          </p:cNvPicPr>
+          <p:nvPr/>
+        </p:nvPicPr>
+        <p:blipFill>
+          <a:blip r:embed="rId2"/>
+          <a:stretch>
+            <a:fillRect/>
+          </a:stretch>
+        </p:blipFill>
+        <p:spPr>
+          <a:xfrm>
+            <a:off x="0" y="1233000"/>
+            <a:ext cx="12192000" cy="6064250"/>
+          </a:xfrm>
+          <a:prstGeom prst="rect">
+            <a:avLst/>
+          </a:prstGeom>
+        </p:spPr>
+      </p:pic>
+    </p:spTree>
+    <p:extLst>
+      <p:ext uri="{BB962C8B-B14F-4D97-AF65-F5344CB8AC3E}">
+        <p14:creationId xmlns:p14="http://schemas.microsoft.com/office/powerpoint/2010/main" val="2730140723"/>
       </p:ext>
     </p:extLst>
   </p:cSld>

--- a/Results/Powepoint_Results.pptx
+++ b/Results/Powepoint_Results.pptx
@@ -34,6 +34,7 @@
     <p:sldId id="272" r:id="rId29"/>
     <p:sldId id="273" r:id="rId30"/>
     <p:sldId id="274" r:id="rId31"/>
+    <p:sldId id="275" r:id="rId32"/>
   </p:sldIdLst>
   <p:sldSz cx="12192000" cy="6858000"/>
   <p:notesSz cx="7559675" cy="10691813"/>
@@ -70,7 +71,7 @@
         <p:spPr>
           <a:xfrm>
             <a:off x="838080" y="365040"/>
-            <a:ext cx="10514880" cy="1324800"/>
+            <a:ext cx="10514520" cy="1324440"/>
           </a:xfrm>
           <a:prstGeom prst="rect">
             <a:avLst/>
@@ -85,14 +86,14 @@
             <a:noAutofit/>
           </a:bodyPr>
           <a:p>
-            <a:pPr indent="0">
+            <a:pPr indent="0" algn="ctr">
               <a:buNone/>
             </a:pPr>
-            <a:endParaRPr b="0" lang="en-US" sz="1800" spc="-1" strike="noStrike">
-              <a:solidFill>
-                <a:schemeClr val="dk1"/>
-              </a:solidFill>
-              <a:latin typeface="Aptos"/>
+            <a:endParaRPr b="0" lang="en-US" sz="4400" spc="-1" strike="noStrike">
+              <a:solidFill>
+                <a:srgbClr val="000000"/>
+              </a:solidFill>
+              <a:latin typeface="Arial"/>
             </a:endParaRPr>
           </a:p>
         </p:txBody>
@@ -110,7 +111,7 @@
         <p:spPr>
           <a:xfrm>
             <a:off x="838080" y="1825560"/>
-            <a:ext cx="10514880" cy="4350600"/>
+            <a:ext cx="10514520" cy="4350240"/>
           </a:xfrm>
           <a:prstGeom prst="rect">
             <a:avLst/>
@@ -171,7 +172,7 @@
         <p:txBody>
           <a:bodyPr/>
           <a:p>
-            <a:fld id="{A2ECF0AF-88F5-4911-BCFB-2A120F340321}" type="slidenum">
+            <a:fld id="{3FC314CC-CCD3-4F14-8349-CCE58E215123}" type="slidenum">
               <a:t>&lt;#&gt;</a:t>
             </a:fld>
           </a:p>
@@ -254,7 +255,7 @@
         <p:txBody>
           <a:bodyPr/>
           <a:p>
-            <a:fld id="{8DD76DAA-4E19-49A5-92AB-1605FC5FFFDC}" type="slidenum">
+            <a:fld id="{AC0BDAF4-3EAA-40BB-A02F-807C010ECF46}" type="slidenum">
               <a:t>&lt;#&gt;</a:t>
             </a:fld>
           </a:p>
@@ -337,7 +338,7 @@
         <p:txBody>
           <a:bodyPr/>
           <a:p>
-            <a:fld id="{0E65B2F2-9E36-4B0C-8676-6277E5085193}" type="slidenum">
+            <a:fld id="{08C326C9-3B07-4145-BE33-03A0E491A578}" type="slidenum">
               <a:t>&lt;#&gt;</a:t>
             </a:fld>
           </a:p>
@@ -420,7 +421,7 @@
         <p:txBody>
           <a:bodyPr/>
           <a:p>
-            <a:fld id="{C6E2EBD7-55BB-4538-BD3A-4147C1CBA190}" type="slidenum">
+            <a:fld id="{BB5E808A-B7E8-42EC-B600-192F6A2AA777}" type="slidenum">
               <a:t>&lt;#&gt;</a:t>
             </a:fld>
           </a:p>
@@ -503,7 +504,7 @@
         <p:txBody>
           <a:bodyPr/>
           <a:p>
-            <a:fld id="{5B74338B-DE7D-4FD2-A499-B3CA80B4DA31}" type="slidenum">
+            <a:fld id="{FDC8AFF1-8605-4DF4-A7C8-AD397A704CEA}" type="slidenum">
               <a:t>&lt;#&gt;</a:t>
             </a:fld>
           </a:p>
@@ -565,7 +566,7 @@
         <p:spPr>
           <a:xfrm>
             <a:off x="838080" y="365040"/>
-            <a:ext cx="10514880" cy="1324800"/>
+            <a:ext cx="10514520" cy="1324440"/>
           </a:xfrm>
           <a:prstGeom prst="rect">
             <a:avLst/>
@@ -580,14 +581,14 @@
             <a:noAutofit/>
           </a:bodyPr>
           <a:p>
-            <a:pPr indent="0">
+            <a:pPr indent="0" algn="ctr">
               <a:buNone/>
             </a:pPr>
-            <a:endParaRPr b="0" lang="en-US" sz="1800" spc="-1" strike="noStrike">
-              <a:solidFill>
-                <a:schemeClr val="dk1"/>
-              </a:solidFill>
-              <a:latin typeface="Aptos"/>
+            <a:endParaRPr b="0" lang="en-US" sz="4400" spc="-1" strike="noStrike">
+              <a:solidFill>
+                <a:srgbClr val="000000"/>
+              </a:solidFill>
+              <a:latin typeface="Arial"/>
             </a:endParaRPr>
           </a:p>
         </p:txBody>
@@ -605,7 +606,7 @@
         <p:spPr>
           <a:xfrm>
             <a:off x="838080" y="1825560"/>
-            <a:ext cx="10514880" cy="4350600"/>
+            <a:ext cx="10514520" cy="4350240"/>
           </a:xfrm>
           <a:prstGeom prst="rect">
             <a:avLst/>
@@ -621,19 +622,16 @@
           </a:bodyPr>
           <a:p>
             <a:pPr indent="0">
-              <a:lnSpc>
-                <a:spcPct val="90000"/>
-              </a:lnSpc>
               <a:spcBef>
                 <a:spcPts val="1417"/>
               </a:spcBef>
               <a:buNone/>
             </a:pPr>
-            <a:endParaRPr b="0" lang="en-US" sz="2800" spc="-1" strike="noStrike">
-              <a:solidFill>
-                <a:schemeClr val="dk1"/>
-              </a:solidFill>
-              <a:latin typeface="Aptos"/>
+            <a:endParaRPr b="0" lang="en-US" sz="3200" spc="-1" strike="noStrike">
+              <a:solidFill>
+                <a:srgbClr val="000000"/>
+              </a:solidFill>
+              <a:latin typeface="Arial"/>
             </a:endParaRPr>
           </a:p>
         </p:txBody>
@@ -672,7 +670,7 @@
         <p:txBody>
           <a:bodyPr/>
           <a:p>
-            <a:fld id="{44B3A1A0-F884-497F-AB11-9EDAEF071E1F}" type="slidenum">
+            <a:fld id="{8681E1C7-2311-4942-93B4-F5F8541D6ACE}" type="slidenum">
               <a:t>&lt;#&gt;</a:t>
             </a:fld>
           </a:p>
@@ -755,7 +753,7 @@
         <p:txBody>
           <a:bodyPr/>
           <a:p>
-            <a:fld id="{2FA3CE0E-E86D-434B-BB65-FB8E8635EF49}" type="slidenum">
+            <a:fld id="{2F52AFEC-844D-4470-A632-A7E204B64166}" type="slidenum">
               <a:t>&lt;#&gt;</a:t>
             </a:fld>
           </a:p>
@@ -817,7 +815,7 @@
         <p:spPr>
           <a:xfrm>
             <a:off x="838080" y="365040"/>
-            <a:ext cx="10514880" cy="1324800"/>
+            <a:ext cx="10514520" cy="1324440"/>
           </a:xfrm>
           <a:prstGeom prst="rect">
             <a:avLst/>
@@ -832,14 +830,14 @@
             <a:noAutofit/>
           </a:bodyPr>
           <a:p>
-            <a:pPr indent="0">
+            <a:pPr indent="0" algn="ctr">
               <a:buNone/>
             </a:pPr>
-            <a:endParaRPr b="0" lang="en-US" sz="1800" spc="-1" strike="noStrike">
-              <a:solidFill>
-                <a:schemeClr val="dk1"/>
-              </a:solidFill>
-              <a:latin typeface="Aptos"/>
+            <a:endParaRPr b="0" lang="en-US" sz="4400" spc="-1" strike="noStrike">
+              <a:solidFill>
+                <a:srgbClr val="000000"/>
+              </a:solidFill>
+              <a:latin typeface="Arial"/>
             </a:endParaRPr>
           </a:p>
         </p:txBody>
@@ -857,7 +855,7 @@
         <p:spPr>
           <a:xfrm>
             <a:off x="838080" y="1825560"/>
-            <a:ext cx="5131080" cy="4350600"/>
+            <a:ext cx="5131080" cy="4350240"/>
           </a:xfrm>
           <a:prstGeom prst="rect">
             <a:avLst/>
@@ -873,19 +871,16 @@
           </a:bodyPr>
           <a:p>
             <a:pPr indent="0">
-              <a:lnSpc>
-                <a:spcPct val="90000"/>
-              </a:lnSpc>
               <a:spcBef>
                 <a:spcPts val="1417"/>
               </a:spcBef>
               <a:buNone/>
             </a:pPr>
-            <a:endParaRPr b="0" lang="en-US" sz="2800" spc="-1" strike="noStrike">
-              <a:solidFill>
-                <a:schemeClr val="dk1"/>
-              </a:solidFill>
-              <a:latin typeface="Aptos"/>
+            <a:endParaRPr b="0" lang="en-US" sz="3200" spc="-1" strike="noStrike">
+              <a:solidFill>
+                <a:srgbClr val="000000"/>
+              </a:solidFill>
+              <a:latin typeface="Arial"/>
             </a:endParaRPr>
           </a:p>
         </p:txBody>
@@ -903,7 +898,7 @@
         <p:spPr>
           <a:xfrm>
             <a:off x="6226200" y="1825560"/>
-            <a:ext cx="5131080" cy="4350600"/>
+            <a:ext cx="5131080" cy="4350240"/>
           </a:xfrm>
           <a:prstGeom prst="rect">
             <a:avLst/>
@@ -919,19 +914,16 @@
           </a:bodyPr>
           <a:p>
             <a:pPr indent="0">
-              <a:lnSpc>
-                <a:spcPct val="90000"/>
-              </a:lnSpc>
               <a:spcBef>
                 <a:spcPts val="1417"/>
               </a:spcBef>
               <a:buNone/>
             </a:pPr>
-            <a:endParaRPr b="0" lang="en-US" sz="2800" spc="-1" strike="noStrike">
-              <a:solidFill>
-                <a:schemeClr val="dk1"/>
-              </a:solidFill>
-              <a:latin typeface="Aptos"/>
+            <a:endParaRPr b="0" lang="en-US" sz="3200" spc="-1" strike="noStrike">
+              <a:solidFill>
+                <a:srgbClr val="000000"/>
+              </a:solidFill>
+              <a:latin typeface="Arial"/>
             </a:endParaRPr>
           </a:p>
         </p:txBody>
@@ -970,7 +962,7 @@
         <p:txBody>
           <a:bodyPr/>
           <a:p>
-            <a:fld id="{310B91FE-5FDB-43D3-9C86-28CAAEF5E466}" type="slidenum">
+            <a:fld id="{C973BD74-DD09-4015-A123-B1A67183F4B1}" type="slidenum">
               <a:t>&lt;#&gt;</a:t>
             </a:fld>
           </a:p>
@@ -1053,7 +1045,7 @@
         <p:txBody>
           <a:bodyPr/>
           <a:p>
-            <a:fld id="{17570087-76DF-436D-9CAE-350E330CB502}" type="slidenum">
+            <a:fld id="{6EEFDEA7-8613-4124-B10F-C7B6DBE5FFC6}" type="slidenum">
               <a:t>&lt;#&gt;</a:t>
             </a:fld>
           </a:p>
@@ -1115,7 +1107,7 @@
         <p:spPr>
           <a:xfrm>
             <a:off x="838080" y="365040"/>
-            <a:ext cx="10514880" cy="1324800"/>
+            <a:ext cx="10514520" cy="1324440"/>
           </a:xfrm>
           <a:prstGeom prst="rect">
             <a:avLst/>
@@ -1130,14 +1122,14 @@
             <a:noAutofit/>
           </a:bodyPr>
           <a:p>
-            <a:pPr indent="0">
+            <a:pPr indent="0" algn="ctr">
               <a:buNone/>
             </a:pPr>
-            <a:endParaRPr b="0" lang="en-US" sz="1800" spc="-1" strike="noStrike">
-              <a:solidFill>
-                <a:schemeClr val="dk1"/>
-              </a:solidFill>
-              <a:latin typeface="Aptos"/>
+            <a:endParaRPr b="0" lang="en-US" sz="4400" spc="-1" strike="noStrike">
+              <a:solidFill>
+                <a:srgbClr val="000000"/>
+              </a:solidFill>
+              <a:latin typeface="Arial"/>
             </a:endParaRPr>
           </a:p>
         </p:txBody>
@@ -1176,7 +1168,7 @@
         <p:txBody>
           <a:bodyPr/>
           <a:p>
-            <a:fld id="{A5EC08DA-B334-4951-931D-2AEBF051839F}" type="slidenum">
+            <a:fld id="{7EFB0BF2-7334-4A10-B89F-37012415C01C}" type="slidenum">
               <a:t>&lt;#&gt;</a:t>
             </a:fld>
           </a:p>
@@ -1259,7 +1251,7 @@
         <p:txBody>
           <a:bodyPr/>
           <a:p>
-            <a:fld id="{AF0DE01C-CCD6-4F91-8ADA-1AD6E9063F3C}" type="slidenum">
+            <a:fld id="{3CAA39C3-7326-4CF9-959F-AB224316F9E1}" type="slidenum">
               <a:t>&lt;#&gt;</a:t>
             </a:fld>
           </a:p>
@@ -1328,7 +1320,7 @@
         <p:spPr>
           <a:xfrm>
             <a:off x="838080" y="365040"/>
-            <a:ext cx="10514880" cy="1324800"/>
+            <a:ext cx="10514520" cy="1324440"/>
           </a:xfrm>
           <a:prstGeom prst="rect">
             <a:avLst/>
@@ -1347,19 +1339,19 @@
               <a:buNone/>
             </a:pPr>
             <a:r>
-              <a:rPr b="0" lang="en-US" sz="4400" spc="-1" strike="noStrike">
-                <a:solidFill>
-                  <a:schemeClr val="dk1"/>
-                </a:solidFill>
-                <a:latin typeface="Aptos"/>
+              <a:rPr b="0" lang="en-US" sz="1800" spc="-1" strike="noStrike">
+                <a:solidFill>
+                  <a:srgbClr val="000000"/>
+                </a:solidFill>
+                <a:latin typeface="Arial"/>
               </a:rPr>
               <a:t>Click to edit the title text format</a:t>
             </a:r>
-            <a:endParaRPr b="0" lang="en-US" sz="4400" spc="-1" strike="noStrike">
-              <a:solidFill>
-                <a:schemeClr val="dk1"/>
-              </a:solidFill>
-              <a:latin typeface="Aptos"/>
+            <a:endParaRPr b="0" lang="en-US" sz="1800" spc="-1" strike="noStrike">
+              <a:solidFill>
+                <a:srgbClr val="000000"/>
+              </a:solidFill>
+              <a:latin typeface="Arial"/>
             </a:endParaRPr>
           </a:p>
         </p:txBody>
@@ -1377,7 +1369,7 @@
         <p:spPr>
           <a:xfrm>
             <a:off x="4038480" y="6356520"/>
-            <a:ext cx="4114080" cy="364320"/>
+            <a:ext cx="4113720" cy="363960"/>
           </a:xfrm>
           <a:prstGeom prst="rect">
             <a:avLst/>
@@ -1449,7 +1441,7 @@
         <p:spPr>
           <a:xfrm>
             <a:off x="8610480" y="6356520"/>
-            <a:ext cx="2742480" cy="364320"/>
+            <a:ext cx="2742120" cy="363960"/>
           </a:xfrm>
           <a:prstGeom prst="rect">
             <a:avLst/>
@@ -1492,7 +1484,7 @@
                 <a:tab algn="l" pos="0"/>
               </a:tabLst>
             </a:pPr>
-            <a:fld id="{C8865BCF-F539-482C-8AA8-09FD986284D0}" type="slidenum">
+            <a:fld id="{1C20209D-99A7-4CEF-A41A-420444D47E4E}" type="slidenum">
               <a:rPr b="0" lang="en-US" sz="1200" spc="-1" strike="noStrike">
                 <a:solidFill>
                   <a:schemeClr val="dk1">
@@ -1525,7 +1517,7 @@
         <p:spPr>
           <a:xfrm>
             <a:off x="838080" y="6356520"/>
-            <a:ext cx="2742480" cy="364320"/>
+            <a:ext cx="2742120" cy="363960"/>
           </a:xfrm>
           <a:prstGeom prst="rect">
             <a:avLst/>
@@ -1601,9 +1593,6 @@
           </a:bodyPr>
           <a:p>
             <a:pPr marL="432000" indent="-324000">
-              <a:lnSpc>
-                <a:spcPct val="90000"/>
-              </a:lnSpc>
               <a:spcBef>
                 <a:spcPts val="1417"/>
               </a:spcBef>
@@ -1615,26 +1604,23 @@
               <a:buChar char=""/>
             </a:pPr>
             <a:r>
-              <a:rPr b="0" lang="en-US" sz="2800" spc="-1" strike="noStrike">
-                <a:solidFill>
-                  <a:schemeClr val="dk1"/>
-                </a:solidFill>
-                <a:latin typeface="Aptos"/>
+              <a:rPr b="0" lang="en-US" sz="3200" spc="-1" strike="noStrike">
+                <a:solidFill>
+                  <a:srgbClr val="000000"/>
+                </a:solidFill>
+                <a:latin typeface="Arial"/>
               </a:rPr>
               <a:t>Click to edit the outline text format</a:t>
             </a:r>
-            <a:endParaRPr b="0" lang="en-US" sz="2800" spc="-1" strike="noStrike">
-              <a:solidFill>
-                <a:schemeClr val="dk1"/>
-              </a:solidFill>
-              <a:latin typeface="Aptos"/>
+            <a:endParaRPr b="0" lang="en-US" sz="3200" spc="-1" strike="noStrike">
+              <a:solidFill>
+                <a:srgbClr val="000000"/>
+              </a:solidFill>
+              <a:latin typeface="Arial"/>
             </a:endParaRPr>
           </a:p>
           <a:p>
             <a:pPr lvl="1" marL="864000" indent="-324000">
-              <a:lnSpc>
-                <a:spcPct val="90000"/>
-              </a:lnSpc>
               <a:spcBef>
                 <a:spcPts val="1134"/>
               </a:spcBef>
@@ -1646,26 +1632,23 @@
               <a:buChar char=""/>
             </a:pPr>
             <a:r>
-              <a:rPr b="0" lang="en-US" sz="2000" spc="-1" strike="noStrike">
-                <a:solidFill>
-                  <a:schemeClr val="dk1"/>
-                </a:solidFill>
-                <a:latin typeface="Aptos"/>
+              <a:rPr b="0" lang="en-US" sz="2800" spc="-1" strike="noStrike">
+                <a:solidFill>
+                  <a:srgbClr val="000000"/>
+                </a:solidFill>
+                <a:latin typeface="Arial"/>
               </a:rPr>
               <a:t>Second Outline Level</a:t>
             </a:r>
-            <a:endParaRPr b="0" lang="en-US" sz="2000" spc="-1" strike="noStrike">
-              <a:solidFill>
-                <a:schemeClr val="dk1"/>
-              </a:solidFill>
-              <a:latin typeface="Aptos"/>
+            <a:endParaRPr b="0" lang="en-US" sz="2800" spc="-1" strike="noStrike">
+              <a:solidFill>
+                <a:srgbClr val="000000"/>
+              </a:solidFill>
+              <a:latin typeface="Arial"/>
             </a:endParaRPr>
           </a:p>
           <a:p>
             <a:pPr lvl="2" marL="1296000" indent="-288000">
-              <a:lnSpc>
-                <a:spcPct val="90000"/>
-              </a:lnSpc>
               <a:spcBef>
                 <a:spcPts val="850"/>
               </a:spcBef>
@@ -1677,26 +1660,23 @@
               <a:buChar char=""/>
             </a:pPr>
             <a:r>
-              <a:rPr b="0" lang="en-US" sz="1800" spc="-1" strike="noStrike">
-                <a:solidFill>
-                  <a:schemeClr val="dk1"/>
-                </a:solidFill>
-                <a:latin typeface="Aptos"/>
+              <a:rPr b="0" lang="en-US" sz="2400" spc="-1" strike="noStrike">
+                <a:solidFill>
+                  <a:srgbClr val="000000"/>
+                </a:solidFill>
+                <a:latin typeface="Arial"/>
               </a:rPr>
               <a:t>Third Outline Level</a:t>
             </a:r>
-            <a:endParaRPr b="0" lang="en-US" sz="1800" spc="-1" strike="noStrike">
-              <a:solidFill>
-                <a:schemeClr val="dk1"/>
-              </a:solidFill>
-              <a:latin typeface="Aptos"/>
+            <a:endParaRPr b="0" lang="en-US" sz="2400" spc="-1" strike="noStrike">
+              <a:solidFill>
+                <a:srgbClr val="000000"/>
+              </a:solidFill>
+              <a:latin typeface="Arial"/>
             </a:endParaRPr>
           </a:p>
           <a:p>
             <a:pPr lvl="3" marL="1728000" indent="-216000">
-              <a:lnSpc>
-                <a:spcPct val="90000"/>
-              </a:lnSpc>
               <a:spcBef>
                 <a:spcPts val="567"/>
               </a:spcBef>
@@ -1708,26 +1688,23 @@
               <a:buChar char=""/>
             </a:pPr>
             <a:r>
-              <a:rPr b="0" lang="en-US" sz="1800" spc="-1" strike="noStrike">
-                <a:solidFill>
-                  <a:schemeClr val="dk1"/>
-                </a:solidFill>
-                <a:latin typeface="Aptos"/>
+              <a:rPr b="0" lang="en-US" sz="2000" spc="-1" strike="noStrike">
+                <a:solidFill>
+                  <a:srgbClr val="000000"/>
+                </a:solidFill>
+                <a:latin typeface="Arial"/>
               </a:rPr>
               <a:t>Fourth Outline Level</a:t>
             </a:r>
-            <a:endParaRPr b="0" lang="en-US" sz="1800" spc="-1" strike="noStrike">
-              <a:solidFill>
-                <a:schemeClr val="dk1"/>
-              </a:solidFill>
-              <a:latin typeface="Aptos"/>
+            <a:endParaRPr b="0" lang="en-US" sz="2000" spc="-1" strike="noStrike">
+              <a:solidFill>
+                <a:srgbClr val="000000"/>
+              </a:solidFill>
+              <a:latin typeface="Arial"/>
             </a:endParaRPr>
           </a:p>
           <a:p>
             <a:pPr lvl="4" marL="2160000" indent="-216000">
-              <a:lnSpc>
-                <a:spcPct val="90000"/>
-              </a:lnSpc>
               <a:spcBef>
                 <a:spcPts val="283"/>
               </a:spcBef>
@@ -1741,24 +1718,21 @@
             <a:r>
               <a:rPr b="0" lang="en-US" sz="2000" spc="-1" strike="noStrike">
                 <a:solidFill>
-                  <a:schemeClr val="dk1"/>
-                </a:solidFill>
-                <a:latin typeface="Aptos"/>
+                  <a:srgbClr val="000000"/>
+                </a:solidFill>
+                <a:latin typeface="Arial"/>
               </a:rPr>
               <a:t>Fifth Outline Level</a:t>
             </a:r>
             <a:endParaRPr b="0" lang="en-US" sz="2000" spc="-1" strike="noStrike">
               <a:solidFill>
-                <a:schemeClr val="dk1"/>
-              </a:solidFill>
-              <a:latin typeface="Aptos"/>
+                <a:srgbClr val="000000"/>
+              </a:solidFill>
+              <a:latin typeface="Arial"/>
             </a:endParaRPr>
           </a:p>
           <a:p>
             <a:pPr lvl="5" marL="2592000" indent="-216000">
-              <a:lnSpc>
-                <a:spcPct val="90000"/>
-              </a:lnSpc>
               <a:spcBef>
                 <a:spcPts val="283"/>
               </a:spcBef>
@@ -1772,24 +1746,21 @@
             <a:r>
               <a:rPr b="0" lang="en-US" sz="2000" spc="-1" strike="noStrike">
                 <a:solidFill>
-                  <a:schemeClr val="dk1"/>
-                </a:solidFill>
-                <a:latin typeface="Aptos"/>
+                  <a:srgbClr val="000000"/>
+                </a:solidFill>
+                <a:latin typeface="Arial"/>
               </a:rPr>
               <a:t>Sixth Outline Level</a:t>
             </a:r>
             <a:endParaRPr b="0" lang="en-US" sz="2000" spc="-1" strike="noStrike">
               <a:solidFill>
-                <a:schemeClr val="dk1"/>
-              </a:solidFill>
-              <a:latin typeface="Aptos"/>
+                <a:srgbClr val="000000"/>
+              </a:solidFill>
+              <a:latin typeface="Arial"/>
             </a:endParaRPr>
           </a:p>
           <a:p>
             <a:pPr lvl="6" marL="3024000" indent="-216000">
-              <a:lnSpc>
-                <a:spcPct val="90000"/>
-              </a:lnSpc>
               <a:spcBef>
                 <a:spcPts val="283"/>
               </a:spcBef>
@@ -1803,17 +1774,17 @@
             <a:r>
               <a:rPr b="0" lang="en-US" sz="2000" spc="-1" strike="noStrike">
                 <a:solidFill>
-                  <a:schemeClr val="dk1"/>
-                </a:solidFill>
-                <a:latin typeface="Aptos"/>
+                  <a:srgbClr val="000000"/>
+                </a:solidFill>
+                <a:latin typeface="Arial"/>
               </a:rPr>
               <a:t>Seventh Outline Level</a:t>
             </a:r>
             <a:endParaRPr b="0" lang="en-US" sz="2000" spc="-1" strike="noStrike">
               <a:solidFill>
-                <a:schemeClr val="dk1"/>
-              </a:solidFill>
-              <a:latin typeface="Aptos"/>
+                <a:srgbClr val="000000"/>
+              </a:solidFill>
+              <a:latin typeface="Arial"/>
             </a:endParaRPr>
           </a:p>
         </p:txBody>
@@ -1864,7 +1835,7 @@
         <p:spPr>
           <a:xfrm>
             <a:off x="4038480" y="6356520"/>
-            <a:ext cx="4114080" cy="364320"/>
+            <a:ext cx="4113720" cy="363960"/>
           </a:xfrm>
           <a:prstGeom prst="rect">
             <a:avLst/>
@@ -1936,7 +1907,7 @@
         <p:spPr>
           <a:xfrm>
             <a:off x="8610480" y="6356520"/>
-            <a:ext cx="2742480" cy="364320"/>
+            <a:ext cx="2742120" cy="363960"/>
           </a:xfrm>
           <a:prstGeom prst="rect">
             <a:avLst/>
@@ -1979,7 +1950,7 @@
                 <a:tab algn="l" pos="0"/>
               </a:tabLst>
             </a:pPr>
-            <a:fld id="{6E83512C-1E3E-467D-9F08-ED52B6E84673}" type="slidenum">
+            <a:fld id="{F560B50A-38A2-402E-B72C-D28B6F58C88C}" type="slidenum">
               <a:rPr b="0" lang="en-US" sz="1200" spc="-1" strike="noStrike">
                 <a:solidFill>
                   <a:schemeClr val="dk1">
@@ -2012,7 +1983,7 @@
         <p:spPr>
           <a:xfrm>
             <a:off x="838080" y="6356520"/>
-            <a:ext cx="2742480" cy="364320"/>
+            <a:ext cx="2742120" cy="363960"/>
           </a:xfrm>
           <a:prstGeom prst="rect">
             <a:avLst/>
@@ -2105,7 +2076,7 @@
         <p:spPr>
           <a:xfrm>
             <a:off x="4038480" y="6356520"/>
-            <a:ext cx="4114080" cy="364320"/>
+            <a:ext cx="4113720" cy="363960"/>
           </a:xfrm>
           <a:prstGeom prst="rect">
             <a:avLst/>
@@ -2177,7 +2148,7 @@
         <p:spPr>
           <a:xfrm>
             <a:off x="8610480" y="6356520"/>
-            <a:ext cx="2742480" cy="364320"/>
+            <a:ext cx="2742120" cy="363960"/>
           </a:xfrm>
           <a:prstGeom prst="rect">
             <a:avLst/>
@@ -2220,7 +2191,7 @@
                 <a:tab algn="l" pos="0"/>
               </a:tabLst>
             </a:pPr>
-            <a:fld id="{F38701D1-5C23-4A71-AFAC-CFF727A22510}" type="slidenum">
+            <a:fld id="{56A510EF-2010-4C5C-BF3A-083181DF2C86}" type="slidenum">
               <a:rPr b="0" lang="en-US" sz="1200" spc="-1" strike="noStrike">
                 <a:solidFill>
                   <a:schemeClr val="dk1">
@@ -2253,7 +2224,7 @@
         <p:spPr>
           <a:xfrm>
             <a:off x="838080" y="6356520"/>
-            <a:ext cx="2742480" cy="364320"/>
+            <a:ext cx="2742120" cy="363960"/>
           </a:xfrm>
           <a:prstGeom prst="rect">
             <a:avLst/>
@@ -2346,7 +2317,7 @@
         <p:spPr>
           <a:xfrm>
             <a:off x="4038480" y="6356520"/>
-            <a:ext cx="4114080" cy="364320"/>
+            <a:ext cx="4113720" cy="363960"/>
           </a:xfrm>
           <a:prstGeom prst="rect">
             <a:avLst/>
@@ -2418,7 +2389,7 @@
         <p:spPr>
           <a:xfrm>
             <a:off x="8610480" y="6356520"/>
-            <a:ext cx="2742480" cy="364320"/>
+            <a:ext cx="2742120" cy="363960"/>
           </a:xfrm>
           <a:prstGeom prst="rect">
             <a:avLst/>
@@ -2461,7 +2432,7 @@
                 <a:tab algn="l" pos="0"/>
               </a:tabLst>
             </a:pPr>
-            <a:fld id="{6CD0D5B2-C52A-4B76-B06F-2F07281EE79D}" type="slidenum">
+            <a:fld id="{64BE1451-EA9D-4FA5-B840-1D2A95334BB6}" type="slidenum">
               <a:rPr b="0" lang="en-US" sz="1200" spc="-1" strike="noStrike">
                 <a:solidFill>
                   <a:schemeClr val="dk1">
@@ -2494,7 +2465,7 @@
         <p:spPr>
           <a:xfrm>
             <a:off x="838080" y="6356520"/>
-            <a:ext cx="2742480" cy="364320"/>
+            <a:ext cx="2742120" cy="363960"/>
           </a:xfrm>
           <a:prstGeom prst="rect">
             <a:avLst/>
@@ -2587,7 +2558,7 @@
         <p:spPr>
           <a:xfrm>
             <a:off x="4038480" y="6356520"/>
-            <a:ext cx="4114080" cy="364320"/>
+            <a:ext cx="4113720" cy="363960"/>
           </a:xfrm>
           <a:prstGeom prst="rect">
             <a:avLst/>
@@ -2659,7 +2630,7 @@
         <p:spPr>
           <a:xfrm>
             <a:off x="8610480" y="6356520"/>
-            <a:ext cx="2742480" cy="364320"/>
+            <a:ext cx="2742120" cy="363960"/>
           </a:xfrm>
           <a:prstGeom prst="rect">
             <a:avLst/>
@@ -2702,7 +2673,7 @@
                 <a:tab algn="l" pos="0"/>
               </a:tabLst>
             </a:pPr>
-            <a:fld id="{BA4AD89C-09D1-4495-9DB0-D9110D7F90A4}" type="slidenum">
+            <a:fld id="{CFEF30A5-0278-4BA0-B0A4-830973C80920}" type="slidenum">
               <a:rPr b="0" lang="en-US" sz="1200" spc="-1" strike="noStrike">
                 <a:solidFill>
                   <a:schemeClr val="dk1">
@@ -2735,7 +2706,7 @@
         <p:spPr>
           <a:xfrm>
             <a:off x="838080" y="6356520"/>
-            <a:ext cx="2742480" cy="364320"/>
+            <a:ext cx="2742120" cy="363960"/>
           </a:xfrm>
           <a:prstGeom prst="rect">
             <a:avLst/>
@@ -2828,7 +2799,7 @@
         <p:spPr>
           <a:xfrm>
             <a:off x="838080" y="365040"/>
-            <a:ext cx="10514880" cy="1324800"/>
+            <a:ext cx="10514520" cy="1324440"/>
           </a:xfrm>
           <a:prstGeom prst="rect">
             <a:avLst/>
@@ -2847,19 +2818,19 @@
               <a:buNone/>
             </a:pPr>
             <a:r>
-              <a:rPr b="0" lang="en-US" sz="4400" spc="-1" strike="noStrike">
-                <a:solidFill>
-                  <a:schemeClr val="dk1"/>
-                </a:solidFill>
-                <a:latin typeface="Aptos"/>
+              <a:rPr b="0" lang="en-US" sz="1800" spc="-1" strike="noStrike">
+                <a:solidFill>
+                  <a:srgbClr val="000000"/>
+                </a:solidFill>
+                <a:latin typeface="Arial"/>
               </a:rPr>
               <a:t>Click to edit the title text format</a:t>
             </a:r>
-            <a:endParaRPr b="0" lang="en-US" sz="4400" spc="-1" strike="noStrike">
-              <a:solidFill>
-                <a:schemeClr val="dk1"/>
-              </a:solidFill>
-              <a:latin typeface="Aptos"/>
+            <a:endParaRPr b="0" lang="en-US" sz="1800" spc="-1" strike="noStrike">
+              <a:solidFill>
+                <a:srgbClr val="000000"/>
+              </a:solidFill>
+              <a:latin typeface="Arial"/>
             </a:endParaRPr>
           </a:p>
         </p:txBody>
@@ -2877,7 +2848,7 @@
         <p:spPr>
           <a:xfrm>
             <a:off x="838080" y="1825560"/>
-            <a:ext cx="10514880" cy="4350600"/>
+            <a:ext cx="10514520" cy="4350240"/>
           </a:xfrm>
           <a:prstGeom prst="rect">
             <a:avLst/>
@@ -2893,9 +2864,6 @@
           </a:bodyPr>
           <a:p>
             <a:pPr marL="432000" indent="-324000">
-              <a:lnSpc>
-                <a:spcPct val="90000"/>
-              </a:lnSpc>
               <a:spcBef>
                 <a:spcPts val="1417"/>
               </a:spcBef>
@@ -2909,24 +2877,21 @@
             <a:r>
               <a:rPr b="0" lang="en-US" sz="1800" spc="-1" strike="noStrike">
                 <a:solidFill>
-                  <a:schemeClr val="dk1"/>
-                </a:solidFill>
-                <a:latin typeface="Aptos"/>
+                  <a:srgbClr val="000000"/>
+                </a:solidFill>
+                <a:latin typeface="Arial"/>
               </a:rPr>
               <a:t>Click to edit the outline text format</a:t>
             </a:r>
             <a:endParaRPr b="0" lang="en-US" sz="1800" spc="-1" strike="noStrike">
               <a:solidFill>
-                <a:schemeClr val="dk1"/>
-              </a:solidFill>
-              <a:latin typeface="Aptos"/>
+                <a:srgbClr val="000000"/>
+              </a:solidFill>
+              <a:latin typeface="Arial"/>
             </a:endParaRPr>
           </a:p>
           <a:p>
             <a:pPr lvl="1" marL="864000" indent="-324000">
-              <a:lnSpc>
-                <a:spcPct val="90000"/>
-              </a:lnSpc>
               <a:spcBef>
                 <a:spcPts val="1134"/>
               </a:spcBef>
@@ -2940,24 +2905,21 @@
             <a:r>
               <a:rPr b="0" lang="en-US" sz="1800" spc="-1" strike="noStrike">
                 <a:solidFill>
-                  <a:schemeClr val="dk1"/>
-                </a:solidFill>
-                <a:latin typeface="Aptos"/>
+                  <a:srgbClr val="000000"/>
+                </a:solidFill>
+                <a:latin typeface="Arial"/>
               </a:rPr>
               <a:t>Second Outline Level</a:t>
             </a:r>
             <a:endParaRPr b="0" lang="en-US" sz="1800" spc="-1" strike="noStrike">
               <a:solidFill>
-                <a:schemeClr val="dk1"/>
-              </a:solidFill>
-              <a:latin typeface="Aptos"/>
+                <a:srgbClr val="000000"/>
+              </a:solidFill>
+              <a:latin typeface="Arial"/>
             </a:endParaRPr>
           </a:p>
           <a:p>
             <a:pPr lvl="2" marL="1296000" indent="-288000">
-              <a:lnSpc>
-                <a:spcPct val="90000"/>
-              </a:lnSpc>
               <a:spcBef>
                 <a:spcPts val="850"/>
               </a:spcBef>
@@ -2971,24 +2933,21 @@
             <a:r>
               <a:rPr b="0" lang="en-US" sz="1800" spc="-1" strike="noStrike">
                 <a:solidFill>
-                  <a:schemeClr val="dk1"/>
-                </a:solidFill>
-                <a:latin typeface="Aptos"/>
+                  <a:srgbClr val="000000"/>
+                </a:solidFill>
+                <a:latin typeface="Arial"/>
               </a:rPr>
               <a:t>Third Outline Level</a:t>
             </a:r>
             <a:endParaRPr b="0" lang="en-US" sz="1800" spc="-1" strike="noStrike">
               <a:solidFill>
-                <a:schemeClr val="dk1"/>
-              </a:solidFill>
-              <a:latin typeface="Aptos"/>
+                <a:srgbClr val="000000"/>
+              </a:solidFill>
+              <a:latin typeface="Arial"/>
             </a:endParaRPr>
           </a:p>
           <a:p>
             <a:pPr lvl="3" marL="1728000" indent="-216000">
-              <a:lnSpc>
-                <a:spcPct val="90000"/>
-              </a:lnSpc>
               <a:spcBef>
                 <a:spcPts val="567"/>
               </a:spcBef>
@@ -3002,24 +2961,21 @@
             <a:r>
               <a:rPr b="0" lang="en-US" sz="1800" spc="-1" strike="noStrike">
                 <a:solidFill>
-                  <a:schemeClr val="dk1"/>
-                </a:solidFill>
-                <a:latin typeface="Aptos"/>
+                  <a:srgbClr val="000000"/>
+                </a:solidFill>
+                <a:latin typeface="Arial"/>
               </a:rPr>
               <a:t>Fourth Outline Level</a:t>
             </a:r>
             <a:endParaRPr b="0" lang="en-US" sz="1800" spc="-1" strike="noStrike">
               <a:solidFill>
-                <a:schemeClr val="dk1"/>
-              </a:solidFill>
-              <a:latin typeface="Aptos"/>
+                <a:srgbClr val="000000"/>
+              </a:solidFill>
+              <a:latin typeface="Arial"/>
             </a:endParaRPr>
           </a:p>
           <a:p>
             <a:pPr lvl="4" marL="2160000" indent="-216000">
-              <a:lnSpc>
-                <a:spcPct val="90000"/>
-              </a:lnSpc>
               <a:spcBef>
                 <a:spcPts val="283"/>
               </a:spcBef>
@@ -3033,24 +2989,21 @@
             <a:r>
               <a:rPr b="0" lang="en-US" sz="1800" spc="-1" strike="noStrike">
                 <a:solidFill>
-                  <a:schemeClr val="dk1"/>
-                </a:solidFill>
-                <a:latin typeface="Aptos"/>
+                  <a:srgbClr val="000000"/>
+                </a:solidFill>
+                <a:latin typeface="Arial"/>
               </a:rPr>
               <a:t>Fifth Outline Level</a:t>
             </a:r>
             <a:endParaRPr b="0" lang="en-US" sz="1800" spc="-1" strike="noStrike">
               <a:solidFill>
-                <a:schemeClr val="dk1"/>
-              </a:solidFill>
-              <a:latin typeface="Aptos"/>
+                <a:srgbClr val="000000"/>
+              </a:solidFill>
+              <a:latin typeface="Arial"/>
             </a:endParaRPr>
           </a:p>
           <a:p>
             <a:pPr lvl="5" marL="2592000" indent="-216000">
-              <a:lnSpc>
-                <a:spcPct val="90000"/>
-              </a:lnSpc>
               <a:spcBef>
                 <a:spcPts val="283"/>
               </a:spcBef>
@@ -3064,24 +3017,21 @@
             <a:r>
               <a:rPr b="0" lang="en-US" sz="1800" spc="-1" strike="noStrike">
                 <a:solidFill>
-                  <a:schemeClr val="dk1"/>
-                </a:solidFill>
-                <a:latin typeface="Aptos"/>
+                  <a:srgbClr val="000000"/>
+                </a:solidFill>
+                <a:latin typeface="Arial"/>
               </a:rPr>
               <a:t>Sixth Outline Level</a:t>
             </a:r>
             <a:endParaRPr b="0" lang="en-US" sz="1800" spc="-1" strike="noStrike">
               <a:solidFill>
-                <a:schemeClr val="dk1"/>
-              </a:solidFill>
-              <a:latin typeface="Aptos"/>
+                <a:srgbClr val="000000"/>
+              </a:solidFill>
+              <a:latin typeface="Arial"/>
             </a:endParaRPr>
           </a:p>
           <a:p>
             <a:pPr lvl="6" marL="3024000" indent="-216000">
-              <a:lnSpc>
-                <a:spcPct val="90000"/>
-              </a:lnSpc>
               <a:spcBef>
                 <a:spcPts val="283"/>
               </a:spcBef>
@@ -3095,17 +3045,17 @@
             <a:r>
               <a:rPr b="0" lang="en-US" sz="1800" spc="-1" strike="noStrike">
                 <a:solidFill>
-                  <a:schemeClr val="dk1"/>
-                </a:solidFill>
-                <a:latin typeface="Aptos"/>
+                  <a:srgbClr val="000000"/>
+                </a:solidFill>
+                <a:latin typeface="Arial"/>
               </a:rPr>
               <a:t>Seventh Outline Level</a:t>
             </a:r>
             <a:endParaRPr b="0" lang="en-US" sz="1800" spc="-1" strike="noStrike">
               <a:solidFill>
-                <a:schemeClr val="dk1"/>
-              </a:solidFill>
-              <a:latin typeface="Aptos"/>
+                <a:srgbClr val="000000"/>
+              </a:solidFill>
+              <a:latin typeface="Arial"/>
             </a:endParaRPr>
           </a:p>
         </p:txBody>
@@ -3123,7 +3073,7 @@
         <p:spPr>
           <a:xfrm>
             <a:off x="4038480" y="6356520"/>
-            <a:ext cx="4114080" cy="364320"/>
+            <a:ext cx="4113720" cy="363960"/>
           </a:xfrm>
           <a:prstGeom prst="rect">
             <a:avLst/>
@@ -3195,7 +3145,7 @@
         <p:spPr>
           <a:xfrm>
             <a:off x="8610480" y="6356520"/>
-            <a:ext cx="2742480" cy="364320"/>
+            <a:ext cx="2742120" cy="363960"/>
           </a:xfrm>
           <a:prstGeom prst="rect">
             <a:avLst/>
@@ -3238,7 +3188,7 @@
                 <a:tab algn="l" pos="0"/>
               </a:tabLst>
             </a:pPr>
-            <a:fld id="{6A5F6174-46D3-421B-BCC4-AE794C374D60}" type="slidenum">
+            <a:fld id="{1D788602-5DF2-432D-8058-1F3C711F80EA}" type="slidenum">
               <a:rPr b="0" lang="en-US" sz="1200" spc="-1" strike="noStrike">
                 <a:solidFill>
                   <a:schemeClr val="dk1">
@@ -3271,7 +3221,7 @@
         <p:spPr>
           <a:xfrm>
             <a:off x="838080" y="6356520"/>
-            <a:ext cx="2742480" cy="364320"/>
+            <a:ext cx="2742120" cy="363960"/>
           </a:xfrm>
           <a:prstGeom prst="rect">
             <a:avLst/>
@@ -3364,7 +3314,7 @@
         <p:spPr>
           <a:xfrm>
             <a:off x="4038480" y="6356520"/>
-            <a:ext cx="4114080" cy="364320"/>
+            <a:ext cx="4113720" cy="363960"/>
           </a:xfrm>
           <a:prstGeom prst="rect">
             <a:avLst/>
@@ -3436,7 +3386,7 @@
         <p:spPr>
           <a:xfrm>
             <a:off x="8610480" y="6356520"/>
-            <a:ext cx="2742480" cy="364320"/>
+            <a:ext cx="2742120" cy="363960"/>
           </a:xfrm>
           <a:prstGeom prst="rect">
             <a:avLst/>
@@ -3479,7 +3429,7 @@
                 <a:tab algn="l" pos="0"/>
               </a:tabLst>
             </a:pPr>
-            <a:fld id="{905C1018-CC34-4546-82C0-FBF7CE9029A8}" type="slidenum">
+            <a:fld id="{A9B3AC1C-09C8-4967-B7EA-1C31BE63B369}" type="slidenum">
               <a:rPr b="0" lang="en-US" sz="1200" spc="-1" strike="noStrike">
                 <a:solidFill>
                   <a:schemeClr val="dk1">
@@ -3512,7 +3462,7 @@
         <p:spPr>
           <a:xfrm>
             <a:off x="838080" y="6356520"/>
-            <a:ext cx="2742480" cy="364320"/>
+            <a:ext cx="2742120" cy="363960"/>
           </a:xfrm>
           <a:prstGeom prst="rect">
             <a:avLst/>
@@ -3605,7 +3555,7 @@
         <p:spPr>
           <a:xfrm>
             <a:off x="838080" y="365040"/>
-            <a:ext cx="10514880" cy="1324800"/>
+            <a:ext cx="10514520" cy="1324440"/>
           </a:xfrm>
           <a:prstGeom prst="rect">
             <a:avLst/>
@@ -3624,19 +3574,19 @@
               <a:buNone/>
             </a:pPr>
             <a:r>
-              <a:rPr b="0" lang="en-US" sz="4400" spc="-1" strike="noStrike">
-                <a:solidFill>
-                  <a:schemeClr val="dk1"/>
-                </a:solidFill>
-                <a:latin typeface="Aptos"/>
+              <a:rPr b="0" lang="en-US" sz="1800" spc="-1" strike="noStrike">
+                <a:solidFill>
+                  <a:srgbClr val="000000"/>
+                </a:solidFill>
+                <a:latin typeface="Arial"/>
               </a:rPr>
               <a:t>Click to edit the title text format</a:t>
             </a:r>
-            <a:endParaRPr b="0" lang="en-US" sz="4400" spc="-1" strike="noStrike">
-              <a:solidFill>
-                <a:schemeClr val="dk1"/>
-              </a:solidFill>
-              <a:latin typeface="Aptos"/>
+            <a:endParaRPr b="0" lang="en-US" sz="1800" spc="-1" strike="noStrike">
+              <a:solidFill>
+                <a:srgbClr val="000000"/>
+              </a:solidFill>
+              <a:latin typeface="Arial"/>
             </a:endParaRPr>
           </a:p>
         </p:txBody>
@@ -3654,7 +3604,7 @@
         <p:spPr>
           <a:xfrm>
             <a:off x="838080" y="1825560"/>
-            <a:ext cx="5130720" cy="4350600"/>
+            <a:ext cx="5130720" cy="4350240"/>
           </a:xfrm>
           <a:prstGeom prst="rect">
             <a:avLst/>
@@ -3670,9 +3620,6 @@
           </a:bodyPr>
           <a:p>
             <a:pPr marL="432000" indent="-324000">
-              <a:lnSpc>
-                <a:spcPct val="90000"/>
-              </a:lnSpc>
               <a:spcBef>
                 <a:spcPts val="1417"/>
               </a:spcBef>
@@ -3686,24 +3633,21 @@
             <a:r>
               <a:rPr b="0" lang="en-US" sz="1800" spc="-1" strike="noStrike">
                 <a:solidFill>
-                  <a:schemeClr val="dk1"/>
-                </a:solidFill>
-                <a:latin typeface="Aptos"/>
+                  <a:srgbClr val="000000"/>
+                </a:solidFill>
+                <a:latin typeface="Arial"/>
               </a:rPr>
               <a:t>Click to edit the outline text format</a:t>
             </a:r>
             <a:endParaRPr b="0" lang="en-US" sz="1800" spc="-1" strike="noStrike">
               <a:solidFill>
-                <a:schemeClr val="dk1"/>
-              </a:solidFill>
-              <a:latin typeface="Aptos"/>
+                <a:srgbClr val="000000"/>
+              </a:solidFill>
+              <a:latin typeface="Arial"/>
             </a:endParaRPr>
           </a:p>
           <a:p>
             <a:pPr lvl="1" marL="864000" indent="-324000">
-              <a:lnSpc>
-                <a:spcPct val="90000"/>
-              </a:lnSpc>
               <a:spcBef>
                 <a:spcPts val="1134"/>
               </a:spcBef>
@@ -3717,24 +3661,21 @@
             <a:r>
               <a:rPr b="0" lang="en-US" sz="1800" spc="-1" strike="noStrike">
                 <a:solidFill>
-                  <a:schemeClr val="dk1"/>
-                </a:solidFill>
-                <a:latin typeface="Aptos"/>
+                  <a:srgbClr val="000000"/>
+                </a:solidFill>
+                <a:latin typeface="Arial"/>
               </a:rPr>
               <a:t>Second Outline Level</a:t>
             </a:r>
             <a:endParaRPr b="0" lang="en-US" sz="1800" spc="-1" strike="noStrike">
               <a:solidFill>
-                <a:schemeClr val="dk1"/>
-              </a:solidFill>
-              <a:latin typeface="Aptos"/>
+                <a:srgbClr val="000000"/>
+              </a:solidFill>
+              <a:latin typeface="Arial"/>
             </a:endParaRPr>
           </a:p>
           <a:p>
             <a:pPr lvl="2" marL="1296000" indent="-288000">
-              <a:lnSpc>
-                <a:spcPct val="90000"/>
-              </a:lnSpc>
               <a:spcBef>
                 <a:spcPts val="850"/>
               </a:spcBef>
@@ -3748,24 +3689,21 @@
             <a:r>
               <a:rPr b="0" lang="en-US" sz="1800" spc="-1" strike="noStrike">
                 <a:solidFill>
-                  <a:schemeClr val="dk1"/>
-                </a:solidFill>
-                <a:latin typeface="Aptos"/>
+                  <a:srgbClr val="000000"/>
+                </a:solidFill>
+                <a:latin typeface="Arial"/>
               </a:rPr>
               <a:t>Third Outline Level</a:t>
             </a:r>
             <a:endParaRPr b="0" lang="en-US" sz="1800" spc="-1" strike="noStrike">
               <a:solidFill>
-                <a:schemeClr val="dk1"/>
-              </a:solidFill>
-              <a:latin typeface="Aptos"/>
+                <a:srgbClr val="000000"/>
+              </a:solidFill>
+              <a:latin typeface="Arial"/>
             </a:endParaRPr>
           </a:p>
           <a:p>
             <a:pPr lvl="3" marL="1728000" indent="-216000">
-              <a:lnSpc>
-                <a:spcPct val="90000"/>
-              </a:lnSpc>
               <a:spcBef>
                 <a:spcPts val="567"/>
               </a:spcBef>
@@ -3779,24 +3717,21 @@
             <a:r>
               <a:rPr b="0" lang="en-US" sz="1800" spc="-1" strike="noStrike">
                 <a:solidFill>
-                  <a:schemeClr val="dk1"/>
-                </a:solidFill>
-                <a:latin typeface="Aptos"/>
+                  <a:srgbClr val="000000"/>
+                </a:solidFill>
+                <a:latin typeface="Arial"/>
               </a:rPr>
               <a:t>Fourth Outline Level</a:t>
             </a:r>
             <a:endParaRPr b="0" lang="en-US" sz="1800" spc="-1" strike="noStrike">
               <a:solidFill>
-                <a:schemeClr val="dk1"/>
-              </a:solidFill>
-              <a:latin typeface="Aptos"/>
+                <a:srgbClr val="000000"/>
+              </a:solidFill>
+              <a:latin typeface="Arial"/>
             </a:endParaRPr>
           </a:p>
           <a:p>
             <a:pPr lvl="4" marL="2160000" indent="-216000">
-              <a:lnSpc>
-                <a:spcPct val="90000"/>
-              </a:lnSpc>
               <a:spcBef>
                 <a:spcPts val="283"/>
               </a:spcBef>
@@ -3810,24 +3745,21 @@
             <a:r>
               <a:rPr b="0" lang="en-US" sz="1800" spc="-1" strike="noStrike">
                 <a:solidFill>
-                  <a:schemeClr val="dk1"/>
-                </a:solidFill>
-                <a:latin typeface="Aptos"/>
+                  <a:srgbClr val="000000"/>
+                </a:solidFill>
+                <a:latin typeface="Arial"/>
               </a:rPr>
               <a:t>Fifth Outline Level</a:t>
             </a:r>
             <a:endParaRPr b="0" lang="en-US" sz="1800" spc="-1" strike="noStrike">
               <a:solidFill>
-                <a:schemeClr val="dk1"/>
-              </a:solidFill>
-              <a:latin typeface="Aptos"/>
+                <a:srgbClr val="000000"/>
+              </a:solidFill>
+              <a:latin typeface="Arial"/>
             </a:endParaRPr>
           </a:p>
           <a:p>
             <a:pPr lvl="5" marL="2592000" indent="-216000">
-              <a:lnSpc>
-                <a:spcPct val="90000"/>
-              </a:lnSpc>
               <a:spcBef>
                 <a:spcPts val="283"/>
               </a:spcBef>
@@ -3841,24 +3773,21 @@
             <a:r>
               <a:rPr b="0" lang="en-US" sz="1800" spc="-1" strike="noStrike">
                 <a:solidFill>
-                  <a:schemeClr val="dk1"/>
-                </a:solidFill>
-                <a:latin typeface="Aptos"/>
+                  <a:srgbClr val="000000"/>
+                </a:solidFill>
+                <a:latin typeface="Arial"/>
               </a:rPr>
               <a:t>Sixth Outline Level</a:t>
             </a:r>
             <a:endParaRPr b="0" lang="en-US" sz="1800" spc="-1" strike="noStrike">
               <a:solidFill>
-                <a:schemeClr val="dk1"/>
-              </a:solidFill>
-              <a:latin typeface="Aptos"/>
+                <a:srgbClr val="000000"/>
+              </a:solidFill>
+              <a:latin typeface="Arial"/>
             </a:endParaRPr>
           </a:p>
           <a:p>
             <a:pPr lvl="6" marL="3024000" indent="-216000">
-              <a:lnSpc>
-                <a:spcPct val="90000"/>
-              </a:lnSpc>
               <a:spcBef>
                 <a:spcPts val="283"/>
               </a:spcBef>
@@ -3872,17 +3801,17 @@
             <a:r>
               <a:rPr b="0" lang="en-US" sz="1800" spc="-1" strike="noStrike">
                 <a:solidFill>
-                  <a:schemeClr val="dk1"/>
-                </a:solidFill>
-                <a:latin typeface="Aptos"/>
+                  <a:srgbClr val="000000"/>
+                </a:solidFill>
+                <a:latin typeface="Arial"/>
               </a:rPr>
               <a:t>Seventh Outline Level</a:t>
             </a:r>
             <a:endParaRPr b="0" lang="en-US" sz="1800" spc="-1" strike="noStrike">
               <a:solidFill>
-                <a:schemeClr val="dk1"/>
-              </a:solidFill>
-              <a:latin typeface="Aptos"/>
+                <a:srgbClr val="000000"/>
+              </a:solidFill>
+              <a:latin typeface="Arial"/>
             </a:endParaRPr>
           </a:p>
         </p:txBody>
@@ -3900,7 +3829,7 @@
         <p:spPr>
           <a:xfrm>
             <a:off x="6226200" y="1825560"/>
-            <a:ext cx="5130720" cy="4350600"/>
+            <a:ext cx="5130720" cy="4350240"/>
           </a:xfrm>
           <a:prstGeom prst="rect">
             <a:avLst/>
@@ -3916,9 +3845,6 @@
           </a:bodyPr>
           <a:p>
             <a:pPr marL="432000" indent="-324000">
-              <a:lnSpc>
-                <a:spcPct val="90000"/>
-              </a:lnSpc>
               <a:spcBef>
                 <a:spcPts val="1417"/>
               </a:spcBef>
@@ -3932,24 +3858,21 @@
             <a:r>
               <a:rPr b="0" lang="en-US" sz="1800" spc="-1" strike="noStrike">
                 <a:solidFill>
-                  <a:schemeClr val="dk1"/>
-                </a:solidFill>
-                <a:latin typeface="Aptos"/>
+                  <a:srgbClr val="000000"/>
+                </a:solidFill>
+                <a:latin typeface="Arial"/>
               </a:rPr>
               <a:t>Click to edit the outline text format</a:t>
             </a:r>
             <a:endParaRPr b="0" lang="en-US" sz="1800" spc="-1" strike="noStrike">
               <a:solidFill>
-                <a:schemeClr val="dk1"/>
-              </a:solidFill>
-              <a:latin typeface="Aptos"/>
+                <a:srgbClr val="000000"/>
+              </a:solidFill>
+              <a:latin typeface="Arial"/>
             </a:endParaRPr>
           </a:p>
           <a:p>
             <a:pPr lvl="1" marL="864000" indent="-324000">
-              <a:lnSpc>
-                <a:spcPct val="90000"/>
-              </a:lnSpc>
               <a:spcBef>
                 <a:spcPts val="1134"/>
               </a:spcBef>
@@ -3963,24 +3886,21 @@
             <a:r>
               <a:rPr b="0" lang="en-US" sz="1800" spc="-1" strike="noStrike">
                 <a:solidFill>
-                  <a:schemeClr val="dk1"/>
-                </a:solidFill>
-                <a:latin typeface="Aptos"/>
+                  <a:srgbClr val="000000"/>
+                </a:solidFill>
+                <a:latin typeface="Arial"/>
               </a:rPr>
               <a:t>Second Outline Level</a:t>
             </a:r>
             <a:endParaRPr b="0" lang="en-US" sz="1800" spc="-1" strike="noStrike">
               <a:solidFill>
-                <a:schemeClr val="dk1"/>
-              </a:solidFill>
-              <a:latin typeface="Aptos"/>
+                <a:srgbClr val="000000"/>
+              </a:solidFill>
+              <a:latin typeface="Arial"/>
             </a:endParaRPr>
           </a:p>
           <a:p>
             <a:pPr lvl="2" marL="1296000" indent="-288000">
-              <a:lnSpc>
-                <a:spcPct val="90000"/>
-              </a:lnSpc>
               <a:spcBef>
                 <a:spcPts val="850"/>
               </a:spcBef>
@@ -3994,24 +3914,21 @@
             <a:r>
               <a:rPr b="0" lang="en-US" sz="1800" spc="-1" strike="noStrike">
                 <a:solidFill>
-                  <a:schemeClr val="dk1"/>
-                </a:solidFill>
-                <a:latin typeface="Aptos"/>
+                  <a:srgbClr val="000000"/>
+                </a:solidFill>
+                <a:latin typeface="Arial"/>
               </a:rPr>
               <a:t>Third Outline Level</a:t>
             </a:r>
             <a:endParaRPr b="0" lang="en-US" sz="1800" spc="-1" strike="noStrike">
               <a:solidFill>
-                <a:schemeClr val="dk1"/>
-              </a:solidFill>
-              <a:latin typeface="Aptos"/>
+                <a:srgbClr val="000000"/>
+              </a:solidFill>
+              <a:latin typeface="Arial"/>
             </a:endParaRPr>
           </a:p>
           <a:p>
             <a:pPr lvl="3" marL="1728000" indent="-216000">
-              <a:lnSpc>
-                <a:spcPct val="90000"/>
-              </a:lnSpc>
               <a:spcBef>
                 <a:spcPts val="567"/>
               </a:spcBef>
@@ -4025,24 +3942,21 @@
             <a:r>
               <a:rPr b="0" lang="en-US" sz="1800" spc="-1" strike="noStrike">
                 <a:solidFill>
-                  <a:schemeClr val="dk1"/>
-                </a:solidFill>
-                <a:latin typeface="Aptos"/>
+                  <a:srgbClr val="000000"/>
+                </a:solidFill>
+                <a:latin typeface="Arial"/>
               </a:rPr>
               <a:t>Fourth Outline Level</a:t>
             </a:r>
             <a:endParaRPr b="0" lang="en-US" sz="1800" spc="-1" strike="noStrike">
               <a:solidFill>
-                <a:schemeClr val="dk1"/>
-              </a:solidFill>
-              <a:latin typeface="Aptos"/>
+                <a:srgbClr val="000000"/>
+              </a:solidFill>
+              <a:latin typeface="Arial"/>
             </a:endParaRPr>
           </a:p>
           <a:p>
             <a:pPr lvl="4" marL="2160000" indent="-216000">
-              <a:lnSpc>
-                <a:spcPct val="90000"/>
-              </a:lnSpc>
               <a:spcBef>
                 <a:spcPts val="283"/>
               </a:spcBef>
@@ -4056,24 +3970,21 @@
             <a:r>
               <a:rPr b="0" lang="en-US" sz="1800" spc="-1" strike="noStrike">
                 <a:solidFill>
-                  <a:schemeClr val="dk1"/>
-                </a:solidFill>
-                <a:latin typeface="Aptos"/>
+                  <a:srgbClr val="000000"/>
+                </a:solidFill>
+                <a:latin typeface="Arial"/>
               </a:rPr>
               <a:t>Fifth Outline Level</a:t>
             </a:r>
             <a:endParaRPr b="0" lang="en-US" sz="1800" spc="-1" strike="noStrike">
               <a:solidFill>
-                <a:schemeClr val="dk1"/>
-              </a:solidFill>
-              <a:latin typeface="Aptos"/>
+                <a:srgbClr val="000000"/>
+              </a:solidFill>
+              <a:latin typeface="Arial"/>
             </a:endParaRPr>
           </a:p>
           <a:p>
             <a:pPr lvl="5" marL="2592000" indent="-216000">
-              <a:lnSpc>
-                <a:spcPct val="90000"/>
-              </a:lnSpc>
               <a:spcBef>
                 <a:spcPts val="283"/>
               </a:spcBef>
@@ -4087,24 +3998,21 @@
             <a:r>
               <a:rPr b="0" lang="en-US" sz="1800" spc="-1" strike="noStrike">
                 <a:solidFill>
-                  <a:schemeClr val="dk1"/>
-                </a:solidFill>
-                <a:latin typeface="Aptos"/>
+                  <a:srgbClr val="000000"/>
+                </a:solidFill>
+                <a:latin typeface="Arial"/>
               </a:rPr>
               <a:t>Sixth Outline Level</a:t>
             </a:r>
             <a:endParaRPr b="0" lang="en-US" sz="1800" spc="-1" strike="noStrike">
               <a:solidFill>
-                <a:schemeClr val="dk1"/>
-              </a:solidFill>
-              <a:latin typeface="Aptos"/>
+                <a:srgbClr val="000000"/>
+              </a:solidFill>
+              <a:latin typeface="Arial"/>
             </a:endParaRPr>
           </a:p>
           <a:p>
             <a:pPr lvl="6" marL="3024000" indent="-216000">
-              <a:lnSpc>
-                <a:spcPct val="90000"/>
-              </a:lnSpc>
               <a:spcBef>
                 <a:spcPts val="283"/>
               </a:spcBef>
@@ -4118,17 +4026,17 @@
             <a:r>
               <a:rPr b="0" lang="en-US" sz="1800" spc="-1" strike="noStrike">
                 <a:solidFill>
-                  <a:schemeClr val="dk1"/>
-                </a:solidFill>
-                <a:latin typeface="Aptos"/>
+                  <a:srgbClr val="000000"/>
+                </a:solidFill>
+                <a:latin typeface="Arial"/>
               </a:rPr>
               <a:t>Seventh Outline Level</a:t>
             </a:r>
             <a:endParaRPr b="0" lang="en-US" sz="1800" spc="-1" strike="noStrike">
               <a:solidFill>
-                <a:schemeClr val="dk1"/>
-              </a:solidFill>
-              <a:latin typeface="Aptos"/>
+                <a:srgbClr val="000000"/>
+              </a:solidFill>
+              <a:latin typeface="Arial"/>
             </a:endParaRPr>
           </a:p>
         </p:txBody>
@@ -4146,7 +4054,7 @@
         <p:spPr>
           <a:xfrm>
             <a:off x="4038480" y="6356520"/>
-            <a:ext cx="4114080" cy="364320"/>
+            <a:ext cx="4113720" cy="363960"/>
           </a:xfrm>
           <a:prstGeom prst="rect">
             <a:avLst/>
@@ -4218,7 +4126,7 @@
         <p:spPr>
           <a:xfrm>
             <a:off x="8610480" y="6356520"/>
-            <a:ext cx="2742480" cy="364320"/>
+            <a:ext cx="2742120" cy="363960"/>
           </a:xfrm>
           <a:prstGeom prst="rect">
             <a:avLst/>
@@ -4261,7 +4169,7 @@
                 <a:tab algn="l" pos="0"/>
               </a:tabLst>
             </a:pPr>
-            <a:fld id="{FBD7EADA-74E9-4D23-8C49-BD0AAB24AF8F}" type="slidenum">
+            <a:fld id="{2110D3ED-3B57-46F7-814C-DFE7F4BD7A59}" type="slidenum">
               <a:rPr b="0" lang="en-US" sz="1200" spc="-1" strike="noStrike">
                 <a:solidFill>
                   <a:schemeClr val="dk1">
@@ -4294,7 +4202,7 @@
         <p:spPr>
           <a:xfrm>
             <a:off x="838080" y="6356520"/>
-            <a:ext cx="2742480" cy="364320"/>
+            <a:ext cx="2742120" cy="363960"/>
           </a:xfrm>
           <a:prstGeom prst="rect">
             <a:avLst/>
@@ -4387,7 +4295,7 @@
         <p:spPr>
           <a:xfrm>
             <a:off x="4038480" y="6356520"/>
-            <a:ext cx="4114080" cy="364320"/>
+            <a:ext cx="4113720" cy="363960"/>
           </a:xfrm>
           <a:prstGeom prst="rect">
             <a:avLst/>
@@ -4459,7 +4367,7 @@
         <p:spPr>
           <a:xfrm>
             <a:off x="8610480" y="6356520"/>
-            <a:ext cx="2742480" cy="364320"/>
+            <a:ext cx="2742120" cy="363960"/>
           </a:xfrm>
           <a:prstGeom prst="rect">
             <a:avLst/>
@@ -4502,7 +4410,7 @@
                 <a:tab algn="l" pos="0"/>
               </a:tabLst>
             </a:pPr>
-            <a:fld id="{BA49B3BD-79B9-4F56-AA4B-39A0041CF833}" type="slidenum">
+            <a:fld id="{B011E28E-522B-4C69-8F90-23F20F43D100}" type="slidenum">
               <a:rPr b="0" lang="en-US" sz="1200" spc="-1" strike="noStrike">
                 <a:solidFill>
                   <a:schemeClr val="dk1">
@@ -4535,7 +4443,7 @@
         <p:spPr>
           <a:xfrm>
             <a:off x="838080" y="6356520"/>
-            <a:ext cx="2742480" cy="364320"/>
+            <a:ext cx="2742120" cy="363960"/>
           </a:xfrm>
           <a:prstGeom prst="rect">
             <a:avLst/>
@@ -4628,7 +4536,7 @@
         <p:spPr>
           <a:xfrm>
             <a:off x="838080" y="365040"/>
-            <a:ext cx="10514880" cy="1324800"/>
+            <a:ext cx="10514520" cy="1324440"/>
           </a:xfrm>
           <a:prstGeom prst="rect">
             <a:avLst/>
@@ -4647,19 +4555,19 @@
               <a:buNone/>
             </a:pPr>
             <a:r>
-              <a:rPr b="0" lang="en-US" sz="4400" spc="-1" strike="noStrike">
-                <a:solidFill>
-                  <a:schemeClr val="dk1"/>
-                </a:solidFill>
-                <a:latin typeface="Aptos"/>
+              <a:rPr b="0" lang="en-US" sz="1800" spc="-1" strike="noStrike">
+                <a:solidFill>
+                  <a:srgbClr val="000000"/>
+                </a:solidFill>
+                <a:latin typeface="Arial"/>
               </a:rPr>
               <a:t>Click to edit the title text format</a:t>
             </a:r>
-            <a:endParaRPr b="0" lang="en-US" sz="4400" spc="-1" strike="noStrike">
-              <a:solidFill>
-                <a:schemeClr val="dk1"/>
-              </a:solidFill>
-              <a:latin typeface="Aptos"/>
+            <a:endParaRPr b="0" lang="en-US" sz="1800" spc="-1" strike="noStrike">
+              <a:solidFill>
+                <a:srgbClr val="000000"/>
+              </a:solidFill>
+              <a:latin typeface="Arial"/>
             </a:endParaRPr>
           </a:p>
         </p:txBody>
@@ -4677,7 +4585,7 @@
         <p:spPr>
           <a:xfrm>
             <a:off x="4038480" y="6356520"/>
-            <a:ext cx="4114080" cy="364320"/>
+            <a:ext cx="4113720" cy="363960"/>
           </a:xfrm>
           <a:prstGeom prst="rect">
             <a:avLst/>
@@ -4749,7 +4657,7 @@
         <p:spPr>
           <a:xfrm>
             <a:off x="8610480" y="6356520"/>
-            <a:ext cx="2742480" cy="364320"/>
+            <a:ext cx="2742120" cy="363960"/>
           </a:xfrm>
           <a:prstGeom prst="rect">
             <a:avLst/>
@@ -4792,7 +4700,7 @@
                 <a:tab algn="l" pos="0"/>
               </a:tabLst>
             </a:pPr>
-            <a:fld id="{A3DD8713-899A-4CD7-80EE-3E1DCA28F3D3}" type="slidenum">
+            <a:fld id="{73659CAA-F686-468C-A117-C0EBF4706D1A}" type="slidenum">
               <a:rPr b="0" lang="en-US" sz="1200" spc="-1" strike="noStrike">
                 <a:solidFill>
                   <a:schemeClr val="dk1">
@@ -4825,7 +4733,7 @@
         <p:spPr>
           <a:xfrm>
             <a:off x="838080" y="6356520"/>
-            <a:ext cx="2742480" cy="364320"/>
+            <a:ext cx="2742120" cy="363960"/>
           </a:xfrm>
           <a:prstGeom prst="rect">
             <a:avLst/>
@@ -4918,7 +4826,7 @@
         <p:spPr>
           <a:xfrm>
             <a:off x="4038480" y="6356520"/>
-            <a:ext cx="4114080" cy="364320"/>
+            <a:ext cx="4113720" cy="363960"/>
           </a:xfrm>
           <a:prstGeom prst="rect">
             <a:avLst/>
@@ -4990,7 +4898,7 @@
         <p:spPr>
           <a:xfrm>
             <a:off x="8610480" y="6356520"/>
-            <a:ext cx="2742480" cy="364320"/>
+            <a:ext cx="2742120" cy="363960"/>
           </a:xfrm>
           <a:prstGeom prst="rect">
             <a:avLst/>
@@ -5033,7 +4941,7 @@
                 <a:tab algn="l" pos="0"/>
               </a:tabLst>
             </a:pPr>
-            <a:fld id="{324B55CC-3B2C-42A2-B39B-C0E943C6E598}" type="slidenum">
+            <a:fld id="{447F3FE3-7408-40C4-96A1-B1CFEB92583C}" type="slidenum">
               <a:rPr b="0" lang="en-US" sz="1200" spc="-1" strike="noStrike">
                 <a:solidFill>
                   <a:schemeClr val="dk1">
@@ -5066,7 +4974,7 @@
         <p:spPr>
           <a:xfrm>
             <a:off x="838080" y="6356520"/>
-            <a:ext cx="2742480" cy="364320"/>
+            <a:ext cx="2742120" cy="363960"/>
           </a:xfrm>
           <a:prstGeom prst="rect">
             <a:avLst/>
@@ -5235,7 +5143,7 @@
         <p:spPr>
           <a:xfrm>
             <a:off x="209520" y="174600"/>
-            <a:ext cx="10514880" cy="1324800"/>
+            <a:ext cx="10514520" cy="1324440"/>
           </a:xfrm>
           <a:prstGeom prst="rect">
             <a:avLst/>
@@ -5247,7 +5155,7 @@
         </p:spPr>
         <p:txBody>
           <a:bodyPr lIns="91440" rIns="91440" tIns="45720" bIns="45720" anchor="ctr">
-            <a:normAutofit fontScale="90240"/>
+            <a:normAutofit fontScale="89999"/>
           </a:bodyPr>
           <a:p>
             <a:pPr indent="0" defTabSz="914400">
@@ -5315,9 +5223,9 @@
             </a:br>
             <a:endParaRPr b="0" lang="en-US" sz="1800" spc="-1" strike="noStrike">
               <a:solidFill>
-                <a:schemeClr val="dk1"/>
-              </a:solidFill>
-              <a:latin typeface="Aptos"/>
+                <a:srgbClr val="000000"/>
+              </a:solidFill>
+              <a:latin typeface="Arial"/>
             </a:endParaRPr>
           </a:p>
         </p:txBody>
@@ -5335,7 +5243,7 @@
         <p:spPr>
           <a:xfrm>
             <a:off x="0" y="1073160"/>
-            <a:ext cx="12191400" cy="6063480"/>
+            <a:ext cx="12191040" cy="6063120"/>
           </a:xfrm>
           <a:prstGeom prst="rect">
             <a:avLst/>
@@ -5388,7 +5296,7 @@
         <p:spPr>
           <a:xfrm>
             <a:off x="838080" y="365040"/>
-            <a:ext cx="10514880" cy="1324800"/>
+            <a:ext cx="10514520" cy="1324440"/>
           </a:xfrm>
           <a:prstGeom prst="rect">
             <a:avLst/>
@@ -5400,7 +5308,7 @@
         </p:spPr>
         <p:txBody>
           <a:bodyPr lIns="91440" rIns="91440" tIns="45720" bIns="45720" anchor="ctr">
-            <a:normAutofit fontScale="90240"/>
+            <a:normAutofit fontScale="89999"/>
           </a:bodyPr>
           <a:p>
             <a:pPr indent="0" defTabSz="914400">
@@ -5450,9 +5358,9 @@
             </a:br>
             <a:endParaRPr b="0" lang="en-US" sz="1800" spc="-1" strike="noStrike">
               <a:solidFill>
-                <a:schemeClr val="dk1"/>
-              </a:solidFill>
-              <a:latin typeface="Aptos"/>
+                <a:srgbClr val="000000"/>
+              </a:solidFill>
+              <a:latin typeface="Arial"/>
             </a:endParaRPr>
           </a:p>
         </p:txBody>
@@ -5470,7 +5378,7 @@
         <p:spPr>
           <a:xfrm>
             <a:off x="3971880" y="2467080"/>
-            <a:ext cx="4247280" cy="3180600"/>
+            <a:ext cx="4246920" cy="3180240"/>
           </a:xfrm>
           <a:prstGeom prst="rect">
             <a:avLst/>
@@ -5523,7 +5431,7 @@
         <p:spPr>
           <a:xfrm>
             <a:off x="838080" y="365040"/>
-            <a:ext cx="10514880" cy="1324800"/>
+            <a:ext cx="10514520" cy="1324440"/>
           </a:xfrm>
           <a:prstGeom prst="rect">
             <a:avLst/>
@@ -5535,7 +5443,7 @@
         </p:spPr>
         <p:txBody>
           <a:bodyPr lIns="91440" rIns="91440" tIns="45720" bIns="45720" anchor="ctr">
-            <a:normAutofit fontScale="90240"/>
+            <a:normAutofit fontScale="89999"/>
           </a:bodyPr>
           <a:p>
             <a:pPr indent="0" defTabSz="914400">
@@ -5585,9 +5493,9 @@
             </a:br>
             <a:endParaRPr b="0" lang="en-US" sz="1800" spc="-1" strike="noStrike">
               <a:solidFill>
-                <a:schemeClr val="dk1"/>
-              </a:solidFill>
-              <a:latin typeface="Aptos"/>
+                <a:srgbClr val="000000"/>
+              </a:solidFill>
+              <a:latin typeface="Arial"/>
             </a:endParaRPr>
           </a:p>
         </p:txBody>
@@ -5605,7 +5513,7 @@
         <p:spPr>
           <a:xfrm>
             <a:off x="3629160" y="2514600"/>
-            <a:ext cx="4247280" cy="3180600"/>
+            <a:ext cx="4246920" cy="3180240"/>
           </a:xfrm>
           <a:prstGeom prst="rect">
             <a:avLst/>
@@ -5658,7 +5566,7 @@
         <p:spPr>
           <a:xfrm>
             <a:off x="2057400" y="685800"/>
-            <a:ext cx="8000640" cy="6316200"/>
+            <a:ext cx="8000280" cy="6315840"/>
           </a:xfrm>
           <a:prstGeom prst="rect">
             <a:avLst/>
@@ -5677,7 +5585,7 @@
         <p:spPr>
           <a:xfrm>
             <a:off x="511200" y="228600"/>
-            <a:ext cx="6575040" cy="385920"/>
+            <a:ext cx="6574680" cy="385560"/>
           </a:xfrm>
           <a:prstGeom prst="rect">
             <a:avLst/>
@@ -5760,8 +5668,8 @@
         </p:nvSpPr>
         <p:spPr>
           <a:xfrm rot="21535200">
-            <a:off x="5404320" y="3052080"/>
-            <a:ext cx="384840" cy="336240"/>
+            <a:off x="5403960" y="3051720"/>
+            <a:ext cx="384480" cy="335880"/>
           </a:xfrm>
           <a:prstGeom prst="rect">
             <a:avLst/>
@@ -6003,7 +5911,7 @@
         <p:spPr>
           <a:xfrm>
             <a:off x="7027920" y="360"/>
-            <a:ext cx="4630320" cy="6857280"/>
+            <a:ext cx="4629960" cy="6856920"/>
           </a:xfrm>
           <a:prstGeom prst="rect">
             <a:avLst/>
@@ -6026,7 +5934,7 @@
         <p:spPr>
           <a:xfrm>
             <a:off x="238320" y="53640"/>
-            <a:ext cx="5247720" cy="3068640"/>
+            <a:ext cx="5247360" cy="3068280"/>
           </a:xfrm>
           <a:prstGeom prst="rect">
             <a:avLst/>
@@ -6049,7 +5957,7 @@
         <p:spPr>
           <a:xfrm>
             <a:off x="85320" y="3019680"/>
-            <a:ext cx="5400720" cy="2694960"/>
+            <a:ext cx="5400360" cy="2694600"/>
           </a:xfrm>
           <a:prstGeom prst="rect">
             <a:avLst/>
@@ -6072,7 +5980,7 @@
         <p:spPr>
           <a:xfrm>
             <a:off x="152640" y="5715000"/>
-            <a:ext cx="6247800" cy="1384920"/>
+            <a:ext cx="6247440" cy="1384560"/>
           </a:xfrm>
           <a:prstGeom prst="rect">
             <a:avLst/>
@@ -6125,7 +6033,7 @@
         <p:spPr>
           <a:xfrm>
             <a:off x="342720" y="134280"/>
-            <a:ext cx="10514880" cy="1324800"/>
+            <a:ext cx="10514520" cy="1324440"/>
           </a:xfrm>
           <a:prstGeom prst="rect">
             <a:avLst/>
@@ -6145,6 +6053,9 @@
                 <a:spcPct val="90000"/>
               </a:lnSpc>
               <a:buNone/>
+              <a:tabLst>
+                <a:tab algn="l" pos="0"/>
+              </a:tabLst>
             </a:pPr>
             <a:r>
               <a:rPr b="0" lang="en-US" sz="1200" spc="-1" strike="noStrike">
@@ -6241,9 +6152,9 @@
             </a:br>
             <a:endParaRPr b="0" lang="en-US" sz="1200" spc="-1" strike="noStrike">
               <a:solidFill>
-                <a:schemeClr val="dk1"/>
-              </a:solidFill>
-              <a:latin typeface="Aptos"/>
+                <a:srgbClr val="000000"/>
+              </a:solidFill>
+              <a:latin typeface="Arial"/>
             </a:endParaRPr>
           </a:p>
         </p:txBody>
@@ -6261,7 +6172,7 @@
         <p:spPr>
           <a:xfrm>
             <a:off x="-95400" y="1158840"/>
-            <a:ext cx="12191760" cy="6063840"/>
+            <a:ext cx="12191400" cy="6063480"/>
           </a:xfrm>
           <a:prstGeom prst="rect">
             <a:avLst/>
@@ -6314,7 +6225,7 @@
         <p:spPr>
           <a:xfrm>
             <a:off x="85680" y="-92160"/>
-            <a:ext cx="10514880" cy="1324800"/>
+            <a:ext cx="10514520" cy="1324440"/>
           </a:xfrm>
           <a:prstGeom prst="rect">
             <a:avLst/>
@@ -6334,6 +6245,9 @@
                 <a:spcPct val="90000"/>
               </a:lnSpc>
               <a:buNone/>
+              <a:tabLst>
+                <a:tab algn="l" pos="0"/>
+              </a:tabLst>
             </a:pPr>
             <a:r>
               <a:rPr b="0" lang="en-US" sz="1200" spc="-1" strike="noStrike">
@@ -6424,9 +6338,9 @@
             </a:r>
             <a:endParaRPr b="0" lang="en-US" sz="1200" spc="-1" strike="noStrike">
               <a:solidFill>
-                <a:schemeClr val="dk1"/>
-              </a:solidFill>
-              <a:latin typeface="Aptos"/>
+                <a:srgbClr val="000000"/>
+              </a:solidFill>
+              <a:latin typeface="Arial"/>
             </a:endParaRPr>
           </a:p>
         </p:txBody>
@@ -6444,7 +6358,7 @@
         <p:spPr>
           <a:xfrm>
             <a:off x="0" y="1233000"/>
-            <a:ext cx="12191760" cy="6063840"/>
+            <a:ext cx="12191400" cy="6063480"/>
           </a:xfrm>
           <a:prstGeom prst="rect">
             <a:avLst/>
@@ -6497,7 +6411,7 @@
         <p:spPr>
           <a:xfrm>
             <a:off x="495720" y="1371600"/>
-            <a:ext cx="5447880" cy="4304880"/>
+            <a:ext cx="5447520" cy="4304520"/>
           </a:xfrm>
           <a:prstGeom prst="rect">
             <a:avLst/>
@@ -6520,7 +6434,7 @@
         <p:spPr>
           <a:xfrm>
             <a:off x="7086600" y="1867320"/>
-            <a:ext cx="5447880" cy="4304880"/>
+            <a:ext cx="5447520" cy="4304520"/>
           </a:xfrm>
           <a:prstGeom prst="rect">
             <a:avLst/>
@@ -6573,7 +6487,7 @@
         <p:spPr>
           <a:xfrm>
             <a:off x="3924720" y="1828800"/>
-            <a:ext cx="5447880" cy="4304880"/>
+            <a:ext cx="5447520" cy="4304520"/>
           </a:xfrm>
           <a:prstGeom prst="rect">
             <a:avLst/>
@@ -6613,9 +6527,185 @@
           <a:chExt cx="0" cy="0"/>
         </a:xfrm>
       </p:grpSpPr>
+      <p:sp>
+        <p:nvSpPr>
+          <p:cNvPr id="90" name=""/>
+          <p:cNvSpPr txBox="1"/>
+          <p:nvPr/>
+        </p:nvSpPr>
+        <p:spPr>
+          <a:xfrm>
+            <a:off x="2514600" y="330120"/>
+            <a:ext cx="5821200" cy="355680"/>
+          </a:xfrm>
+          <a:prstGeom prst="rect">
+            <a:avLst/>
+          </a:prstGeom>
+          <a:noFill/>
+          <a:ln w="0">
+            <a:noFill/>
+          </a:ln>
+        </p:spPr>
+        <p:txBody>
+          <a:bodyPr lIns="90000" rIns="90000" tIns="45000" bIns="45000" anchor="t">
+            <a:noAutofit/>
+          </a:bodyPr>
+          <a:p>
+            <a:r>
+              <a:rPr b="0" lang="en-US" sz="1800" spc="-1" strike="noStrike">
+                <a:solidFill>
+                  <a:srgbClr val="000000"/>
+                </a:solidFill>
+                <a:latin typeface="Consolas;Courier"/>
+                <a:ea typeface="Consolas;Courier"/>
+              </a:rPr>
+              <a:t>constraints = [constraints, con7_2];</a:t>
+            </a:r>
+            <a:endParaRPr b="0" lang="en-US" sz="1800" spc="-1" strike="noStrike">
+              <a:solidFill>
+                <a:srgbClr val="000000"/>
+              </a:solidFill>
+              <a:latin typeface="Consolas;Courier"/>
+              <a:ea typeface="Consolas;Courier"/>
+            </a:endParaRPr>
+          </a:p>
+        </p:txBody>
+      </p:sp>
+      <p:sp>
+        <p:nvSpPr>
+          <p:cNvPr id="91" name=""/>
+          <p:cNvSpPr txBox="1"/>
+          <p:nvPr/>
+        </p:nvSpPr>
+        <p:spPr>
+          <a:xfrm>
+            <a:off x="4343400" y="630720"/>
+            <a:ext cx="6235560" cy="355680"/>
+          </a:xfrm>
+          <a:prstGeom prst="rect">
+            <a:avLst/>
+          </a:prstGeom>
+          <a:noFill/>
+          <a:ln w="0">
+            <a:noFill/>
+          </a:ln>
+        </p:spPr>
+        <p:txBody>
+          <a:bodyPr wrap="none" lIns="90000" rIns="90000" tIns="45000" bIns="45000" anchor="t">
+            <a:noAutofit/>
+          </a:bodyPr>
+          <a:p>
+            <a:r>
+              <a:rPr b="0" lang="en-US" sz="1800" spc="-1" strike="noStrike">
+                <a:solidFill>
+                  <a:srgbClr val="000000"/>
+                </a:solidFill>
+                <a:latin typeface="Consolas;Courier"/>
+                <a:ea typeface="Consolas;Courier"/>
+              </a:rPr>
+              <a:t>constraints = [constraints, con7_2, con7_3];</a:t>
+            </a:r>
+            <a:endParaRPr b="0" lang="en-US" sz="1800" spc="-1" strike="noStrike">
+              <a:solidFill>
+                <a:srgbClr val="000000"/>
+              </a:solidFill>
+              <a:latin typeface="Consolas;Courier"/>
+              <a:ea typeface="Consolas;Courier"/>
+            </a:endParaRPr>
+          </a:p>
+        </p:txBody>
+      </p:sp>
+      <p:sp>
+        <p:nvSpPr>
+          <p:cNvPr id="92" name=""/>
+          <p:cNvSpPr txBox="1"/>
+          <p:nvPr/>
+        </p:nvSpPr>
+        <p:spPr>
+          <a:xfrm>
+            <a:off x="5282640" y="914400"/>
+            <a:ext cx="7061760" cy="355680"/>
+          </a:xfrm>
+          <a:prstGeom prst="rect">
+            <a:avLst/>
+          </a:prstGeom>
+          <a:noFill/>
+          <a:ln w="0">
+            <a:noFill/>
+          </a:ln>
+        </p:spPr>
+        <p:txBody>
+          <a:bodyPr wrap="none" lIns="90000" rIns="90000" tIns="45000" bIns="45000" anchor="t">
+            <a:noAutofit/>
+          </a:bodyPr>
+          <a:p>
+            <a:r>
+              <a:rPr b="0" lang="en-US" sz="1800" spc="-1" strike="noStrike">
+                <a:solidFill>
+                  <a:srgbClr val="000000"/>
+                </a:solidFill>
+                <a:latin typeface="Consolas;Courier"/>
+                <a:ea typeface="Consolas;Courier"/>
+              </a:rPr>
+              <a:t>constraints = [constraints, con7_2, con7_3, con8];</a:t>
+            </a:r>
+            <a:endParaRPr b="0" lang="en-US" sz="1800" spc="-1" strike="noStrike">
+              <a:solidFill>
+                <a:srgbClr val="000000"/>
+              </a:solidFill>
+              <a:latin typeface="Consolas;Courier"/>
+              <a:ea typeface="Consolas;Courier"/>
+            </a:endParaRPr>
+          </a:p>
+        </p:txBody>
+      </p:sp>
+      <p:sp>
+        <p:nvSpPr>
+          <p:cNvPr id="93" name=""/>
+          <p:cNvSpPr txBox="1"/>
+          <p:nvPr/>
+        </p:nvSpPr>
+        <p:spPr>
+          <a:xfrm>
+            <a:off x="81360" y="0"/>
+            <a:ext cx="4033440" cy="355680"/>
+          </a:xfrm>
+          <a:prstGeom prst="rect">
+            <a:avLst/>
+          </a:prstGeom>
+          <a:noFill/>
+          <a:ln w="0">
+            <a:noFill/>
+          </a:ln>
+        </p:spPr>
+        <p:txBody>
+          <a:bodyPr wrap="none" lIns="90000" rIns="90000" tIns="45000" bIns="45000" anchor="t">
+            <a:noAutofit/>
+          </a:bodyPr>
+          <a:p>
+            <a:r>
+              <a:rPr b="0" lang="en-US" sz="1800" spc="-1" strike="noStrike">
+                <a:solidFill>
+                  <a:srgbClr val="000000"/>
+                </a:solidFill>
+                <a:latin typeface="Consolas;Courier"/>
+                <a:ea typeface="Consolas;Courier"/>
+              </a:rPr>
+              <a:t>constraints = [constraints];</a:t>
+            </a:r>
+            <a:endParaRPr b="0" lang="en-US" sz="1800" spc="-1" strike="noStrike">
+              <a:solidFill>
+                <a:srgbClr val="000000"/>
+              </a:solidFill>
+              <a:latin typeface="Consolas;Courier"/>
+              <a:ea typeface="Consolas;Courier"/>
+            </a:endParaRPr>
+          </a:p>
+        </p:txBody>
+      </p:sp>
       <p:pic>
         <p:nvPicPr>
-          <p:cNvPr id="90" name="" descr=""/>
+          <p:cNvPr id="94" name="" descr=""/>
           <p:cNvPicPr/>
           <p:nvPr/>
         </p:nvPicPr>
@@ -6625,8 +6715,169 @@
         </p:blipFill>
         <p:spPr>
           <a:xfrm>
-            <a:off x="2971800" y="1028880"/>
-            <a:ext cx="5333760" cy="4000320"/>
+            <a:off x="6172200" y="1600200"/>
+            <a:ext cx="2748600" cy="2286000"/>
+          </a:xfrm>
+          <a:prstGeom prst="rect">
+            <a:avLst/>
+          </a:prstGeom>
+          <a:ln w="0">
+            <a:noFill/>
+          </a:ln>
+        </p:spPr>
+      </p:pic>
+      <p:pic>
+        <p:nvPicPr>
+          <p:cNvPr id="95" name="" descr=""/>
+          <p:cNvPicPr/>
+          <p:nvPr/>
+        </p:nvPicPr>
+        <p:blipFill>
+          <a:blip r:embed="rId2"/>
+          <a:stretch/>
+        </p:blipFill>
+        <p:spPr>
+          <a:xfrm>
+            <a:off x="3195360" y="1600200"/>
+            <a:ext cx="2748240" cy="2286000"/>
+          </a:xfrm>
+          <a:prstGeom prst="rect">
+            <a:avLst/>
+          </a:prstGeom>
+          <a:ln w="0">
+            <a:noFill/>
+          </a:ln>
+        </p:spPr>
+      </p:pic>
+      <p:pic>
+        <p:nvPicPr>
+          <p:cNvPr id="96" name="" descr=""/>
+          <p:cNvPicPr/>
+          <p:nvPr/>
+        </p:nvPicPr>
+        <p:blipFill>
+          <a:blip r:embed="rId3"/>
+          <a:stretch/>
+        </p:blipFill>
+        <p:spPr>
+          <a:xfrm>
+            <a:off x="9144000" y="1511280"/>
+            <a:ext cx="2855160" cy="2374920"/>
+          </a:xfrm>
+          <a:prstGeom prst="rect">
+            <a:avLst/>
+          </a:prstGeom>
+          <a:ln w="0">
+            <a:noFill/>
+          </a:ln>
+        </p:spPr>
+      </p:pic>
+      <p:pic>
+        <p:nvPicPr>
+          <p:cNvPr id="97" name="" descr=""/>
+          <p:cNvPicPr/>
+          <p:nvPr/>
+        </p:nvPicPr>
+        <p:blipFill>
+          <a:blip r:embed="rId4"/>
+          <a:stretch/>
+        </p:blipFill>
+        <p:spPr>
+          <a:xfrm>
+            <a:off x="457200" y="1600200"/>
+            <a:ext cx="2626560" cy="2184840"/>
+          </a:xfrm>
+          <a:prstGeom prst="rect">
+            <a:avLst/>
+          </a:prstGeom>
+          <a:ln w="0">
+            <a:noFill/>
+          </a:ln>
+        </p:spPr>
+      </p:pic>
+      <p:pic>
+        <p:nvPicPr>
+          <p:cNvPr id="98" name="" descr=""/>
+          <p:cNvPicPr/>
+          <p:nvPr/>
+        </p:nvPicPr>
+        <p:blipFill>
+          <a:blip r:embed="rId5"/>
+          <a:stretch/>
+        </p:blipFill>
+        <p:spPr>
+          <a:xfrm>
+            <a:off x="228600" y="4191480"/>
+            <a:ext cx="2930760" cy="2437920"/>
+          </a:xfrm>
+          <a:prstGeom prst="rect">
+            <a:avLst/>
+          </a:prstGeom>
+          <a:ln w="0">
+            <a:noFill/>
+          </a:ln>
+        </p:spPr>
+      </p:pic>
+      <p:pic>
+        <p:nvPicPr>
+          <p:cNvPr id="99" name="" descr=""/>
+          <p:cNvPicPr/>
+          <p:nvPr/>
+        </p:nvPicPr>
+        <p:blipFill>
+          <a:blip r:embed="rId6"/>
+          <a:stretch/>
+        </p:blipFill>
+        <p:spPr>
+          <a:xfrm rot="15000">
+            <a:off x="9258840" y="4120920"/>
+            <a:ext cx="2851560" cy="2372040"/>
+          </a:xfrm>
+          <a:prstGeom prst="rect">
+            <a:avLst/>
+          </a:prstGeom>
+          <a:ln w="0">
+            <a:noFill/>
+          </a:ln>
+        </p:spPr>
+      </p:pic>
+      <p:pic>
+        <p:nvPicPr>
+          <p:cNvPr id="100" name="" descr=""/>
+          <p:cNvPicPr/>
+          <p:nvPr/>
+        </p:nvPicPr>
+        <p:blipFill>
+          <a:blip r:embed="rId7"/>
+          <a:stretch/>
+        </p:blipFill>
+        <p:spPr>
+          <a:xfrm>
+            <a:off x="6167160" y="4114800"/>
+            <a:ext cx="2748240" cy="2286000"/>
+          </a:xfrm>
+          <a:prstGeom prst="rect">
+            <a:avLst/>
+          </a:prstGeom>
+          <a:ln w="0">
+            <a:noFill/>
+          </a:ln>
+        </p:spPr>
+      </p:pic>
+      <p:pic>
+        <p:nvPicPr>
+          <p:cNvPr id="101" name="" descr=""/>
+          <p:cNvPicPr/>
+          <p:nvPr/>
+        </p:nvPicPr>
+        <p:blipFill>
+          <a:blip r:embed="rId8"/>
+          <a:stretch/>
+        </p:blipFill>
+        <p:spPr>
+          <a:xfrm>
+            <a:off x="3200400" y="4254480"/>
+            <a:ext cx="2580120" cy="2146320"/>
           </a:xfrm>
           <a:prstGeom prst="rect">
             <a:avLst/>
@@ -6679,7 +6930,7 @@
         <p:spPr>
           <a:xfrm>
             <a:off x="838080" y="365040"/>
-            <a:ext cx="10514880" cy="1324800"/>
+            <a:ext cx="10514520" cy="1324440"/>
           </a:xfrm>
           <a:prstGeom prst="rect">
             <a:avLst/>
@@ -6759,9 +7010,9 @@
             </a:br>
             <a:endParaRPr b="0" lang="en-US" sz="1800" spc="-1" strike="noStrike">
               <a:solidFill>
-                <a:schemeClr val="dk1"/>
-              </a:solidFill>
-              <a:latin typeface="Aptos"/>
+                <a:srgbClr val="000000"/>
+              </a:solidFill>
+              <a:latin typeface="Arial"/>
             </a:endParaRPr>
           </a:p>
         </p:txBody>
@@ -6779,7 +7030,7 @@
         <p:spPr>
           <a:xfrm>
             <a:off x="-305640" y="1027800"/>
-            <a:ext cx="12191400" cy="6063480"/>
+            <a:ext cx="12191040" cy="6063120"/>
           </a:xfrm>
           <a:prstGeom prst="rect">
             <a:avLst/>
@@ -6789,6 +7040,350 @@
           </a:ln>
         </p:spPr>
       </p:pic>
+    </p:spTree>
+  </p:cSld>
+  <mc:AlternateContent>
+    <mc:Choice Requires="p14">
+      <p:transition spd="slow" p14:dur="2000"/>
+    </mc:Choice>
+    <mc:Fallback>
+      <p:transition spd="slow"/>
+    </mc:Fallback>
+  </mc:AlternateContent>
+</p:sld>
+</file>
+
+<file path=ppt/slides/slide20.xml><?xml version="1.0" encoding="utf-8"?>
+<p:sld xmlns:a="http://schemas.openxmlformats.org/drawingml/2006/main" xmlns:p="http://schemas.openxmlformats.org/presentationml/2006/main" xmlns:r="http://schemas.openxmlformats.org/officeDocument/2006/relationships" xmlns:p14="http://schemas.microsoft.com/office/powerpoint/2010/main" xmlns:p15="http://schemas.microsoft.com/office/powerpoint/2012/main" xmlns:mc="http://schemas.openxmlformats.org/markup-compatibility/2006">
+  <p:cSld>
+    <p:spTree>
+      <p:nvGrpSpPr>
+        <p:cNvPr id="1" name=""/>
+        <p:cNvGrpSpPr/>
+        <p:nvPr/>
+      </p:nvGrpSpPr>
+      <p:grpSpPr>
+        <a:xfrm>
+          <a:off x="0" y="0"/>
+          <a:ext cx="0" cy="0"/>
+          <a:chOff x="0" y="0"/>
+          <a:chExt cx="0" cy="0"/>
+        </a:xfrm>
+      </p:grpSpPr>
+      <p:sp>
+        <p:nvSpPr>
+          <p:cNvPr id="102" name=""/>
+          <p:cNvSpPr txBox="1"/>
+          <p:nvPr/>
+        </p:nvSpPr>
+        <p:spPr>
+          <a:xfrm>
+            <a:off x="2514600" y="330120"/>
+            <a:ext cx="5821200" cy="355680"/>
+          </a:xfrm>
+          <a:prstGeom prst="rect">
+            <a:avLst/>
+          </a:prstGeom>
+          <a:noFill/>
+          <a:ln w="0">
+            <a:noFill/>
+          </a:ln>
+        </p:spPr>
+        <p:txBody>
+          <a:bodyPr lIns="90000" rIns="90000" tIns="45000" bIns="45000" anchor="t">
+            <a:noAutofit/>
+          </a:bodyPr>
+          <a:p>
+            <a:r>
+              <a:rPr b="0" lang="en-US" sz="1800" spc="-1" strike="noStrike">
+                <a:solidFill>
+                  <a:srgbClr val="000000"/>
+                </a:solidFill>
+                <a:latin typeface="Consolas;Courier"/>
+                <a:ea typeface="Consolas;Courier"/>
+              </a:rPr>
+              <a:t>constraints = [constraints, con7_2];</a:t>
+            </a:r>
+            <a:endParaRPr b="0" lang="en-US" sz="1800" spc="-1" strike="noStrike">
+              <a:solidFill>
+                <a:srgbClr val="000000"/>
+              </a:solidFill>
+              <a:latin typeface="Consolas;Courier"/>
+              <a:ea typeface="Consolas;Courier"/>
+            </a:endParaRPr>
+          </a:p>
+        </p:txBody>
+      </p:sp>
+      <p:sp>
+        <p:nvSpPr>
+          <p:cNvPr id="103" name=""/>
+          <p:cNvSpPr txBox="1"/>
+          <p:nvPr/>
+        </p:nvSpPr>
+        <p:spPr>
+          <a:xfrm>
+            <a:off x="4343400" y="630720"/>
+            <a:ext cx="6235560" cy="355680"/>
+          </a:xfrm>
+          <a:prstGeom prst="rect">
+            <a:avLst/>
+          </a:prstGeom>
+          <a:noFill/>
+          <a:ln w="0">
+            <a:noFill/>
+          </a:ln>
+        </p:spPr>
+        <p:txBody>
+          <a:bodyPr wrap="none" lIns="90000" rIns="90000" tIns="45000" bIns="45000" anchor="t">
+            <a:noAutofit/>
+          </a:bodyPr>
+          <a:p>
+            <a:r>
+              <a:rPr b="0" lang="en-US" sz="1800" spc="-1" strike="noStrike">
+                <a:solidFill>
+                  <a:srgbClr val="000000"/>
+                </a:solidFill>
+                <a:latin typeface="Consolas;Courier"/>
+                <a:ea typeface="Consolas;Courier"/>
+              </a:rPr>
+              <a:t>constraints = [constraints, con7_2, con7_3];</a:t>
+            </a:r>
+            <a:endParaRPr b="0" lang="en-US" sz="1800" spc="-1" strike="noStrike">
+              <a:solidFill>
+                <a:srgbClr val="000000"/>
+              </a:solidFill>
+              <a:latin typeface="Consolas;Courier"/>
+              <a:ea typeface="Consolas;Courier"/>
+            </a:endParaRPr>
+          </a:p>
+        </p:txBody>
+      </p:sp>
+      <p:sp>
+        <p:nvSpPr>
+          <p:cNvPr id="104" name=""/>
+          <p:cNvSpPr txBox="1"/>
+          <p:nvPr/>
+        </p:nvSpPr>
+        <p:spPr>
+          <a:xfrm>
+            <a:off x="5282640" y="914400"/>
+            <a:ext cx="7061760" cy="355680"/>
+          </a:xfrm>
+          <a:prstGeom prst="rect">
+            <a:avLst/>
+          </a:prstGeom>
+          <a:noFill/>
+          <a:ln w="0">
+            <a:noFill/>
+          </a:ln>
+        </p:spPr>
+        <p:txBody>
+          <a:bodyPr wrap="none" lIns="90000" rIns="90000" tIns="45000" bIns="45000" anchor="t">
+            <a:noAutofit/>
+          </a:bodyPr>
+          <a:p>
+            <a:r>
+              <a:rPr b="0" lang="en-US" sz="1800" spc="-1" strike="noStrike">
+                <a:solidFill>
+                  <a:srgbClr val="000000"/>
+                </a:solidFill>
+                <a:latin typeface="Consolas;Courier"/>
+                <a:ea typeface="Consolas;Courier"/>
+              </a:rPr>
+              <a:t>constraints = [constraints, con7_2, con7_3, con8];</a:t>
+            </a:r>
+            <a:endParaRPr b="0" lang="en-US" sz="1800" spc="-1" strike="noStrike">
+              <a:solidFill>
+                <a:srgbClr val="000000"/>
+              </a:solidFill>
+              <a:latin typeface="Consolas;Courier"/>
+              <a:ea typeface="Consolas;Courier"/>
+            </a:endParaRPr>
+          </a:p>
+        </p:txBody>
+      </p:sp>
+      <p:pic>
+        <p:nvPicPr>
+          <p:cNvPr id="105" name="" descr=""/>
+          <p:cNvPicPr/>
+          <p:nvPr/>
+        </p:nvPicPr>
+        <p:blipFill>
+          <a:blip r:embed="rId1"/>
+          <a:stretch/>
+        </p:blipFill>
+        <p:spPr>
+          <a:xfrm>
+            <a:off x="2423880" y="4114800"/>
+            <a:ext cx="3291120" cy="2885040"/>
+          </a:xfrm>
+          <a:prstGeom prst="rect">
+            <a:avLst/>
+          </a:prstGeom>
+          <a:ln w="0">
+            <a:noFill/>
+          </a:ln>
+        </p:spPr>
+      </p:pic>
+      <p:pic>
+        <p:nvPicPr>
+          <p:cNvPr id="106" name="" descr=""/>
+          <p:cNvPicPr/>
+          <p:nvPr/>
+        </p:nvPicPr>
+        <p:blipFill>
+          <a:blip r:embed="rId2"/>
+          <a:stretch/>
+        </p:blipFill>
+        <p:spPr>
+          <a:xfrm>
+            <a:off x="5526360" y="4213800"/>
+            <a:ext cx="3389040" cy="2812680"/>
+          </a:xfrm>
+          <a:prstGeom prst="rect">
+            <a:avLst/>
+          </a:prstGeom>
+          <a:ln w="0">
+            <a:noFill/>
+          </a:ln>
+        </p:spPr>
+      </p:pic>
+      <p:pic>
+        <p:nvPicPr>
+          <p:cNvPr id="107" name="" descr=""/>
+          <p:cNvPicPr/>
+          <p:nvPr/>
+        </p:nvPicPr>
+        <p:blipFill>
+          <a:blip r:embed="rId3"/>
+          <a:stretch/>
+        </p:blipFill>
+        <p:spPr>
+          <a:xfrm>
+            <a:off x="9144000" y="1270080"/>
+            <a:ext cx="3048120" cy="2648880"/>
+          </a:xfrm>
+          <a:prstGeom prst="rect">
+            <a:avLst/>
+          </a:prstGeom>
+          <a:ln w="0">
+            <a:noFill/>
+          </a:ln>
+        </p:spPr>
+      </p:pic>
+      <p:pic>
+        <p:nvPicPr>
+          <p:cNvPr id="108" name="" descr=""/>
+          <p:cNvPicPr/>
+          <p:nvPr/>
+        </p:nvPicPr>
+        <p:blipFill>
+          <a:blip r:embed="rId4"/>
+          <a:stretch/>
+        </p:blipFill>
+        <p:spPr>
+          <a:xfrm>
+            <a:off x="5943600" y="1338120"/>
+            <a:ext cx="2971800" cy="2548080"/>
+          </a:xfrm>
+          <a:prstGeom prst="rect">
+            <a:avLst/>
+          </a:prstGeom>
+          <a:ln w="0">
+            <a:noFill/>
+          </a:ln>
+        </p:spPr>
+      </p:pic>
+      <p:pic>
+        <p:nvPicPr>
+          <p:cNvPr id="109" name="" descr=""/>
+          <p:cNvPicPr/>
+          <p:nvPr/>
+        </p:nvPicPr>
+        <p:blipFill>
+          <a:blip r:embed="rId5"/>
+          <a:stretch/>
+        </p:blipFill>
+        <p:spPr>
+          <a:xfrm>
+            <a:off x="2971800" y="1303920"/>
+            <a:ext cx="2971800" cy="2582280"/>
+          </a:xfrm>
+          <a:prstGeom prst="rect">
+            <a:avLst/>
+          </a:prstGeom>
+          <a:ln w="0">
+            <a:noFill/>
+          </a:ln>
+        </p:spPr>
+      </p:pic>
+      <p:pic>
+        <p:nvPicPr>
+          <p:cNvPr id="110" name="" descr=""/>
+          <p:cNvPicPr/>
+          <p:nvPr/>
+        </p:nvPicPr>
+        <p:blipFill>
+          <a:blip r:embed="rId6"/>
+          <a:stretch/>
+        </p:blipFill>
+        <p:spPr>
+          <a:xfrm>
+            <a:off x="0" y="1303560"/>
+            <a:ext cx="2971800" cy="2582640"/>
+          </a:xfrm>
+          <a:prstGeom prst="rect">
+            <a:avLst/>
+          </a:prstGeom>
+          <a:ln w="0">
+            <a:noFill/>
+          </a:ln>
+        </p:spPr>
+      </p:pic>
+      <p:sp>
+        <p:nvSpPr>
+          <p:cNvPr id="111" name=""/>
+          <p:cNvSpPr txBox="1"/>
+          <p:nvPr/>
+        </p:nvSpPr>
+        <p:spPr>
+          <a:xfrm>
+            <a:off x="81360" y="0"/>
+            <a:ext cx="4033440" cy="355680"/>
+          </a:xfrm>
+          <a:prstGeom prst="rect">
+            <a:avLst/>
+          </a:prstGeom>
+          <a:noFill/>
+          <a:ln w="0">
+            <a:noFill/>
+          </a:ln>
+        </p:spPr>
+        <p:txBody>
+          <a:bodyPr wrap="none" lIns="90000" rIns="90000" tIns="45000" bIns="45000" anchor="t">
+            <a:noAutofit/>
+          </a:bodyPr>
+          <a:p>
+            <a:r>
+              <a:rPr b="0" lang="en-US" sz="1800" spc="-1" strike="noStrike">
+                <a:solidFill>
+                  <a:srgbClr val="000000"/>
+                </a:solidFill>
+                <a:latin typeface="Consolas;Courier"/>
+                <a:ea typeface="Consolas;Courier"/>
+              </a:rPr>
+              <a:t>constraints = [constraints];</a:t>
+            </a:r>
+            <a:endParaRPr b="0" lang="en-US" sz="1800" spc="-1" strike="noStrike">
+              <a:solidFill>
+                <a:srgbClr val="000000"/>
+              </a:solidFill>
+              <a:latin typeface="Consolas;Courier"/>
+              <a:ea typeface="Consolas;Courier"/>
+            </a:endParaRPr>
+          </a:p>
+        </p:txBody>
+      </p:sp>
     </p:spTree>
   </p:cSld>
   <mc:AlternateContent>
@@ -6832,7 +7427,7 @@
         <p:spPr>
           <a:xfrm>
             <a:off x="838080" y="365040"/>
-            <a:ext cx="10514880" cy="1324800"/>
+            <a:ext cx="10514520" cy="1324440"/>
           </a:xfrm>
           <a:prstGeom prst="rect">
             <a:avLst/>
@@ -6900,9 +7495,9 @@
             </a:br>
             <a:endParaRPr b="0" lang="en-US" sz="1800" spc="-1" strike="noStrike">
               <a:solidFill>
-                <a:schemeClr val="dk1"/>
-              </a:solidFill>
-              <a:latin typeface="Aptos"/>
+                <a:srgbClr val="000000"/>
+              </a:solidFill>
+              <a:latin typeface="Arial"/>
             </a:endParaRPr>
           </a:p>
         </p:txBody>
@@ -6920,7 +7515,7 @@
         <p:spPr>
           <a:xfrm>
             <a:off x="0" y="1132560"/>
-            <a:ext cx="12191400" cy="6063480"/>
+            <a:ext cx="12191040" cy="6063120"/>
           </a:xfrm>
           <a:prstGeom prst="rect">
             <a:avLst/>
@@ -6973,7 +7568,7 @@
         <p:spPr>
           <a:xfrm>
             <a:off x="838080" y="365040"/>
-            <a:ext cx="10514880" cy="1324800"/>
+            <a:ext cx="10514520" cy="1324440"/>
           </a:xfrm>
           <a:prstGeom prst="rect">
             <a:avLst/>
@@ -7008,9 +7603,9 @@
             </a:r>
             <a:endParaRPr b="0" lang="en-US" sz="4400" spc="-1" strike="noStrike">
               <a:solidFill>
-                <a:schemeClr val="dk1"/>
-              </a:solidFill>
-              <a:latin typeface="Aptos"/>
+                <a:srgbClr val="000000"/>
+              </a:solidFill>
+              <a:latin typeface="Arial"/>
             </a:endParaRPr>
           </a:p>
         </p:txBody>
@@ -7028,7 +7623,7 @@
         <p:spPr>
           <a:xfrm>
             <a:off x="-500400" y="916560"/>
-            <a:ext cx="12191400" cy="6063480"/>
+            <a:ext cx="12191040" cy="6063120"/>
           </a:xfrm>
           <a:prstGeom prst="rect">
             <a:avLst/>
@@ -7081,7 +7676,7 @@
         <p:spPr>
           <a:xfrm>
             <a:off x="838080" y="365040"/>
-            <a:ext cx="10514880" cy="1324800"/>
+            <a:ext cx="10514520" cy="1324440"/>
           </a:xfrm>
           <a:prstGeom prst="rect">
             <a:avLst/>
@@ -7116,9 +7711,9 @@
             </a:r>
             <a:endParaRPr b="0" lang="en-US" sz="4400" spc="-1" strike="noStrike">
               <a:solidFill>
-                <a:schemeClr val="dk1"/>
-              </a:solidFill>
-              <a:latin typeface="Aptos"/>
+                <a:srgbClr val="000000"/>
+              </a:solidFill>
+              <a:latin typeface="Arial"/>
             </a:endParaRPr>
           </a:p>
         </p:txBody>
@@ -7136,7 +7731,7 @@
         <p:spPr>
           <a:xfrm>
             <a:off x="3681360" y="1881360"/>
-            <a:ext cx="4961880" cy="3723480"/>
+            <a:ext cx="4961520" cy="3723120"/>
           </a:xfrm>
           <a:prstGeom prst="rect">
             <a:avLst/>
@@ -7189,7 +7784,7 @@
         <p:spPr>
           <a:xfrm>
             <a:off x="838080" y="365040"/>
-            <a:ext cx="10514880" cy="1324800"/>
+            <a:ext cx="10514520" cy="1324440"/>
           </a:xfrm>
           <a:prstGeom prst="rect">
             <a:avLst/>
@@ -7224,9 +7819,9 @@
             </a:r>
             <a:endParaRPr b="0" lang="en-US" sz="4400" spc="-1" strike="noStrike">
               <a:solidFill>
-                <a:schemeClr val="dk1"/>
-              </a:solidFill>
-              <a:latin typeface="Aptos"/>
+                <a:srgbClr val="000000"/>
+              </a:solidFill>
+              <a:latin typeface="Arial"/>
             </a:endParaRPr>
           </a:p>
         </p:txBody>
@@ -7244,7 +7839,7 @@
         <p:spPr>
           <a:xfrm>
             <a:off x="3614760" y="2347920"/>
-            <a:ext cx="4961880" cy="3723480"/>
+            <a:ext cx="4961520" cy="3723120"/>
           </a:xfrm>
           <a:prstGeom prst="rect">
             <a:avLst/>
@@ -7297,7 +7892,7 @@
         <p:spPr>
           <a:xfrm>
             <a:off x="838080" y="365040"/>
-            <a:ext cx="10514880" cy="1324800"/>
+            <a:ext cx="10514520" cy="1324440"/>
           </a:xfrm>
           <a:prstGeom prst="rect">
             <a:avLst/>
@@ -7332,9 +7927,9 @@
             </a:r>
             <a:endParaRPr b="0" lang="en-US" sz="4400" spc="-1" strike="noStrike">
               <a:solidFill>
-                <a:schemeClr val="dk1"/>
-              </a:solidFill>
-              <a:latin typeface="Aptos"/>
+                <a:srgbClr val="000000"/>
+              </a:solidFill>
+              <a:latin typeface="Arial"/>
             </a:endParaRPr>
           </a:p>
         </p:txBody>
@@ -7352,7 +7947,7 @@
         <p:spPr>
           <a:xfrm>
             <a:off x="3429000" y="2171880"/>
-            <a:ext cx="5333400" cy="3999960"/>
+            <a:ext cx="5333040" cy="3999600"/>
           </a:xfrm>
           <a:prstGeom prst="rect">
             <a:avLst/>
@@ -7405,7 +8000,7 @@
         <p:spPr>
           <a:xfrm>
             <a:off x="838080" y="365040"/>
-            <a:ext cx="10514880" cy="1324800"/>
+            <a:ext cx="10514520" cy="1324440"/>
           </a:xfrm>
           <a:prstGeom prst="rect">
             <a:avLst/>
@@ -7440,9 +8035,9 @@
             </a:r>
             <a:endParaRPr b="0" lang="en-US" sz="4400" spc="-1" strike="noStrike">
               <a:solidFill>
-                <a:schemeClr val="dk1"/>
-              </a:solidFill>
-              <a:latin typeface="Aptos"/>
+                <a:srgbClr val="000000"/>
+              </a:solidFill>
+              <a:latin typeface="Arial"/>
             </a:endParaRPr>
           </a:p>
         </p:txBody>
@@ -7460,7 +8055,7 @@
         <p:spPr>
           <a:xfrm>
             <a:off x="3105360" y="2028960"/>
-            <a:ext cx="5333400" cy="3999960"/>
+            <a:ext cx="5333040" cy="3999600"/>
           </a:xfrm>
           <a:prstGeom prst="rect">
             <a:avLst/>
@@ -7513,7 +8108,7 @@
         <p:spPr>
           <a:xfrm>
             <a:off x="838080" y="365040"/>
-            <a:ext cx="10514880" cy="1324800"/>
+            <a:ext cx="10514520" cy="1324440"/>
           </a:xfrm>
           <a:prstGeom prst="rect">
             <a:avLst/>
@@ -7548,9 +8143,9 @@
             </a:r>
             <a:endParaRPr b="0" lang="en-US" sz="4400" spc="-1" strike="noStrike">
               <a:solidFill>
-                <a:schemeClr val="dk1"/>
-              </a:solidFill>
-              <a:latin typeface="Aptos"/>
+                <a:srgbClr val="000000"/>
+              </a:solidFill>
+              <a:latin typeface="Arial"/>
             </a:endParaRPr>
           </a:p>
         </p:txBody>
@@ -7568,7 +8163,7 @@
         <p:spPr>
           <a:xfrm>
             <a:off x="3809880" y="2514600"/>
-            <a:ext cx="3961800" cy="2971080"/>
+            <a:ext cx="3961440" cy="2970720"/>
           </a:xfrm>
           <a:prstGeom prst="rect">
             <a:avLst/>
